--- a/Document/한창우/작업일지/13주차/요약.pptx
+++ b/Document/한창우/작업일지/13주차/요약.pptx
@@ -8,11 +8,11 @@
     <p:notesMasterId r:id="rId7"/>
   </p:notesMasterIdLst>
   <p:sldIdLst>
-    <p:sldId id="258" r:id="rId2"/>
-    <p:sldId id="259" r:id="rId3"/>
-    <p:sldId id="262" r:id="rId4"/>
-    <p:sldId id="260" r:id="rId5"/>
-    <p:sldId id="261" r:id="rId6"/>
+    <p:sldId id="260" r:id="rId2"/>
+    <p:sldId id="262" r:id="rId3"/>
+    <p:sldId id="261" r:id="rId4"/>
+    <p:sldId id="258" r:id="rId5"/>
+    <p:sldId id="259" r:id="rId6"/>
   </p:sldIdLst>
   <p:sldSz cx="12192000" cy="6858000"/>
   <p:notesSz cx="6858000" cy="9144000"/>
@@ -558,7 +558,7 @@
           <a:p>
             <a:fld id="{5DD3BB28-1132-4EE1-9D7E-AB81517B89DC}" type="slidenum">
               <a:rPr lang="ko-KR" altLang="en-US" smtClean="0"/>
-              <a:t>1</a:t>
+              <a:t>4</a:t>
             </a:fld>
             <a:endParaRPr lang="ko-KR" altLang="en-US"/>
           </a:p>
@@ -761,7 +761,7 @@
           <a:p>
             <a:fld id="{5DD3BB28-1132-4EE1-9D7E-AB81517B89DC}" type="slidenum">
               <a:rPr lang="ko-KR" altLang="en-US" smtClean="0"/>
-              <a:t>2</a:t>
+              <a:t>5</a:t>
             </a:fld>
             <a:endParaRPr lang="ko-KR" altLang="en-US"/>
           </a:p>
@@ -3999,7 +3999,7 @@
           <p:cNvPr id="4" name="직사각형 3">
             <a:extLst>
               <a:ext uri="{FF2B5EF4-FFF2-40B4-BE49-F238E27FC236}">
-                <a16:creationId xmlns:a16="http://schemas.microsoft.com/office/drawing/2014/main" id="{C4376C51-BCB9-6761-7D05-2ACF16357501}"/>
+                <a16:creationId xmlns:a16="http://schemas.microsoft.com/office/drawing/2014/main" id="{AE8F79C7-612C-7186-E44E-0C2E2F361F82}"/>
               </a:ext>
             </a:extLst>
           </p:cNvPr>
@@ -4008,106 +4008,13 @@
         </p:nvSpPr>
         <p:spPr>
           <a:xfrm>
-            <a:off x="1692923" y="1061518"/>
-            <a:ext cx="1659074" cy="1558289"/>
+            <a:off x="2143966" y="1446653"/>
+            <a:ext cx="7605757" cy="4486542"/>
           </a:xfrm>
           <a:prstGeom prst="rect">
             <a:avLst/>
           </a:prstGeom>
-        </p:spPr>
-        <p:style>
-          <a:lnRef idx="2">
-            <a:schemeClr val="accent3">
-              <a:shade val="15000"/>
-            </a:schemeClr>
-          </a:lnRef>
-          <a:fillRef idx="1">
-            <a:schemeClr val="accent3"/>
-          </a:fillRef>
-          <a:effectRef idx="0">
-            <a:schemeClr val="accent3"/>
-          </a:effectRef>
-          <a:fontRef idx="minor">
-            <a:schemeClr val="lt1"/>
-          </a:fontRef>
-        </p:style>
-        <p:txBody>
-          <a:bodyPr rtlCol="0" anchor="ctr"/>
-          <a:lstStyle/>
-          <a:p>
-            <a:pPr algn="ctr"/>
-            <a:endParaRPr lang="ko-KR" altLang="en-US">
-              <a:ln w="0"/>
-              <a:solidFill>
-                <a:schemeClr val="tx1"/>
-              </a:solidFill>
-              <a:effectLst>
-                <a:outerShdw blurRad="38100" dist="19050" dir="2700000" algn="tl" rotWithShape="0">
-                  <a:schemeClr val="dk1">
-                    <a:alpha val="40000"/>
-                  </a:schemeClr>
-                </a:outerShdw>
-              </a:effectLst>
-            </a:endParaRPr>
-          </a:p>
-        </p:txBody>
-      </p:sp>
-      <p:sp>
-        <p:nvSpPr>
-          <p:cNvPr id="5" name="TextBox 4">
-            <a:extLst>
-              <a:ext uri="{FF2B5EF4-FFF2-40B4-BE49-F238E27FC236}">
-                <a16:creationId xmlns:a16="http://schemas.microsoft.com/office/drawing/2014/main" id="{8FAB9C8E-DC48-2CBC-C207-8E35B10395DC}"/>
-              </a:ext>
-            </a:extLst>
-          </p:cNvPr>
-          <p:cNvSpPr txBox="1"/>
-          <p:nvPr/>
-        </p:nvSpPr>
-        <p:spPr>
-          <a:xfrm>
-            <a:off x="430280" y="657508"/>
-            <a:ext cx="3264562" cy="369332"/>
-          </a:xfrm>
-          <a:prstGeom prst="rect">
-            <a:avLst/>
-          </a:prstGeom>
           <a:noFill/>
-        </p:spPr>
-        <p:txBody>
-          <a:bodyPr wrap="square" rtlCol="0">
-            <a:spAutoFit/>
-          </a:bodyPr>
-          <a:lstStyle/>
-          <a:p>
-            <a:r>
-              <a:rPr lang="en-US" altLang="ko-KR" dirty="0"/>
-              <a:t>NetworkWorker.cpp</a:t>
-            </a:r>
-            <a:endParaRPr lang="ko-KR" altLang="en-US" dirty="0"/>
-          </a:p>
-        </p:txBody>
-      </p:sp>
-      <p:sp>
-        <p:nvSpPr>
-          <p:cNvPr id="6" name="직사각형 5">
-            <a:extLst>
-              <a:ext uri="{FF2B5EF4-FFF2-40B4-BE49-F238E27FC236}">
-                <a16:creationId xmlns:a16="http://schemas.microsoft.com/office/drawing/2014/main" id="{9B7D2D0B-ADEF-7F8D-F382-DF4E97C307FA}"/>
-              </a:ext>
-            </a:extLst>
-          </p:cNvPr>
-          <p:cNvSpPr/>
-          <p:nvPr/>
-        </p:nvSpPr>
-        <p:spPr>
-          <a:xfrm>
-            <a:off x="945271" y="3370961"/>
-            <a:ext cx="662298" cy="662298"/>
-          </a:xfrm>
-          <a:prstGeom prst="rect">
-            <a:avLst/>
-          </a:prstGeom>
         </p:spPr>
         <p:style>
           <a:lnRef idx="2">
@@ -4136,10 +4043,10 @@
       </p:sp>
       <p:sp>
         <p:nvSpPr>
-          <p:cNvPr id="7" name="TextBox 6">
-            <a:extLst>
-              <a:ext uri="{FF2B5EF4-FFF2-40B4-BE49-F238E27FC236}">
-                <a16:creationId xmlns:a16="http://schemas.microsoft.com/office/drawing/2014/main" id="{5645C5C9-0BFF-90D2-076B-B60338349E57}"/>
+          <p:cNvPr id="5" name="TextBox 4">
+            <a:extLst>
+              <a:ext uri="{FF2B5EF4-FFF2-40B4-BE49-F238E27FC236}">
+                <a16:creationId xmlns:a16="http://schemas.microsoft.com/office/drawing/2014/main" id="{646DAF38-D011-2E24-0FB5-3B1B182D303A}"/>
               </a:ext>
             </a:extLst>
           </p:cNvPr>
@@ -4148,8 +4055,8 @@
         </p:nvSpPr>
         <p:spPr>
           <a:xfrm>
-            <a:off x="559210" y="2947069"/>
-            <a:ext cx="1764714" cy="369332"/>
+            <a:off x="529839" y="405925"/>
+            <a:ext cx="4831772" cy="646331"/>
           </a:xfrm>
           <a:prstGeom prst="rect">
             <a:avLst/>
@@ -4157,14 +4064,48 @@
           <a:noFill/>
         </p:spPr>
         <p:txBody>
-          <a:bodyPr wrap="square" rtlCol="0">
+          <a:bodyPr wrap="none" rtlCol="0">
             <a:spAutoFit/>
           </a:bodyPr>
           <a:lstStyle/>
           <a:p>
             <a:r>
+              <a:rPr lang="ko-KR" altLang="en-US" dirty="0"/>
+              <a:t>목표</a:t>
+            </a:r>
+            <a:r>
               <a:rPr lang="en-US" altLang="ko-KR" dirty="0"/>
-              <a:t>Receive Thread</a:t>
+              <a:t>: </a:t>
+            </a:r>
+            <a:r>
+              <a:rPr lang="ko-KR" altLang="en-US" dirty="0"/>
+              <a:t>접속해서 팀을 고른다</a:t>
+            </a:r>
+            <a:r>
+              <a:rPr lang="en-US" altLang="ko-KR" dirty="0"/>
+              <a:t>. (</a:t>
+            </a:r>
+            <a:r>
+              <a:rPr lang="ko-KR" altLang="en-US" dirty="0"/>
+              <a:t>광신도</a:t>
+            </a:r>
+            <a:r>
+              <a:rPr lang="en-US" altLang="ko-KR" dirty="0"/>
+              <a:t> or </a:t>
+            </a:r>
+            <a:r>
+              <a:rPr lang="ko-KR" altLang="en-US" dirty="0"/>
+              <a:t>경찰</a:t>
+            </a:r>
+            <a:r>
+              <a:rPr lang="en-US" altLang="ko-KR" dirty="0"/>
+              <a:t>)</a:t>
+            </a:r>
+          </a:p>
+          <a:p>
+            <a:r>
+              <a:rPr lang="en-US" altLang="ko-KR" dirty="0"/>
+              <a:t> </a:t>
             </a:r>
             <a:endParaRPr lang="ko-KR" altLang="en-US" dirty="0"/>
           </a:p>
@@ -4172,10 +4113,10 @@
       </p:sp>
       <p:sp>
         <p:nvSpPr>
-          <p:cNvPr id="8" name="직사각형 7">
-            <a:extLst>
-              <a:ext uri="{FF2B5EF4-FFF2-40B4-BE49-F238E27FC236}">
-                <a16:creationId xmlns:a16="http://schemas.microsoft.com/office/drawing/2014/main" id="{A062437C-B642-00D2-7498-ED0DE8C54504}"/>
+          <p:cNvPr id="6" name="직사각형 5">
+            <a:extLst>
+              <a:ext uri="{FF2B5EF4-FFF2-40B4-BE49-F238E27FC236}">
+                <a16:creationId xmlns:a16="http://schemas.microsoft.com/office/drawing/2014/main" id="{DDB45536-F269-6674-224E-A7D3EFCAD1A4}"/>
               </a:ext>
             </a:extLst>
           </p:cNvPr>
@@ -4184,12 +4125,15 @@
         </p:nvSpPr>
         <p:spPr>
           <a:xfrm>
-            <a:off x="3252000" y="3411327"/>
-            <a:ext cx="662298" cy="662298"/>
+            <a:off x="6497929" y="2737068"/>
+            <a:ext cx="2277454" cy="1905712"/>
           </a:xfrm>
           <a:prstGeom prst="rect">
             <a:avLst/>
           </a:prstGeom>
+          <a:solidFill>
+            <a:srgbClr val="FF0000"/>
+          </a:solidFill>
         </p:spPr>
         <p:style>
           <a:lnRef idx="2">
@@ -4212,52 +4156,19 @@
           <a:lstStyle/>
           <a:p>
             <a:pPr algn="ctr"/>
-            <a:endParaRPr lang="ko-KR" altLang="en-US"/>
-          </a:p>
-        </p:txBody>
-      </p:sp>
-      <p:sp>
-        <p:nvSpPr>
-          <p:cNvPr id="9" name="TextBox 8">
-            <a:extLst>
-              <a:ext uri="{FF2B5EF4-FFF2-40B4-BE49-F238E27FC236}">
-                <a16:creationId xmlns:a16="http://schemas.microsoft.com/office/drawing/2014/main" id="{C460B0E2-782F-77D9-E02D-2DA2AC6DFD4B}"/>
-              </a:ext>
-            </a:extLst>
-          </p:cNvPr>
-          <p:cNvSpPr txBox="1"/>
-          <p:nvPr/>
-        </p:nvSpPr>
-        <p:spPr>
-          <a:xfrm>
-            <a:off x="2917214" y="2969356"/>
-            <a:ext cx="1505477" cy="369332"/>
-          </a:xfrm>
-          <a:prstGeom prst="rect">
-            <a:avLst/>
-          </a:prstGeom>
-          <a:noFill/>
-        </p:spPr>
-        <p:txBody>
-          <a:bodyPr wrap="square" rtlCol="0">
-            <a:spAutoFit/>
-          </a:bodyPr>
-          <a:lstStyle/>
-          <a:p>
-            <a:r>
-              <a:rPr lang="en-US" altLang="ko-KR" dirty="0"/>
-              <a:t>Send Thread</a:t>
-            </a:r>
-            <a:endParaRPr lang="ko-KR" altLang="en-US" dirty="0"/>
-          </a:p>
-        </p:txBody>
-      </p:sp>
-      <p:sp>
-        <p:nvSpPr>
-          <p:cNvPr id="10" name="화살표: 아래쪽 9">
-            <a:extLst>
-              <a:ext uri="{FF2B5EF4-FFF2-40B4-BE49-F238E27FC236}">
-                <a16:creationId xmlns:a16="http://schemas.microsoft.com/office/drawing/2014/main" id="{A191C1AD-664A-325A-9429-0FC0C1A7C385}"/>
+            <a:r>
+              <a:rPr lang="ko-KR" altLang="en-US" dirty="0"/>
+              <a:t>광신도</a:t>
+            </a:r>
+          </a:p>
+        </p:txBody>
+      </p:sp>
+      <p:sp>
+        <p:nvSpPr>
+          <p:cNvPr id="7" name="직사각형 6">
+            <a:extLst>
+              <a:ext uri="{FF2B5EF4-FFF2-40B4-BE49-F238E27FC236}">
+                <a16:creationId xmlns:a16="http://schemas.microsoft.com/office/drawing/2014/main" id="{CFE5BCD7-EFE3-6203-C5FB-3C63C868294F}"/>
               </a:ext>
             </a:extLst>
           </p:cNvPr>
@@ -4265,28 +4176,28 @@
           <p:nvPr/>
         </p:nvSpPr>
         <p:spPr>
-          <a:xfrm rot="1808130">
-            <a:off x="1737179" y="2427557"/>
-            <a:ext cx="187931" cy="512336"/>
-          </a:xfrm>
-          <a:prstGeom prst="downArrow">
+          <a:xfrm>
+            <a:off x="2981334" y="2737068"/>
+            <a:ext cx="2277454" cy="1905712"/>
+          </a:xfrm>
+          <a:prstGeom prst="rect">
             <a:avLst/>
           </a:prstGeom>
           <a:solidFill>
-            <a:schemeClr val="accent2"/>
+            <a:schemeClr val="accent1"/>
           </a:solidFill>
         </p:spPr>
         <p:style>
           <a:lnRef idx="2">
-            <a:schemeClr val="accent1">
+            <a:schemeClr val="accent6">
               <a:shade val="15000"/>
             </a:schemeClr>
           </a:lnRef>
           <a:fillRef idx="1">
-            <a:schemeClr val="accent1"/>
+            <a:schemeClr val="accent6"/>
           </a:fillRef>
           <a:effectRef idx="0">
-            <a:schemeClr val="accent1"/>
+            <a:schemeClr val="accent6"/>
           </a:effectRef>
           <a:fontRef idx="minor">
             <a:schemeClr val="lt1"/>
@@ -4297,741 +4208,9 @@
           <a:lstStyle/>
           <a:p>
             <a:pPr algn="ctr"/>
-            <a:endParaRPr lang="ko-KR" altLang="en-US"/>
-          </a:p>
-        </p:txBody>
-      </p:sp>
-      <p:sp>
-        <p:nvSpPr>
-          <p:cNvPr id="11" name="화살표: 아래쪽 10">
-            <a:extLst>
-              <a:ext uri="{FF2B5EF4-FFF2-40B4-BE49-F238E27FC236}">
-                <a16:creationId xmlns:a16="http://schemas.microsoft.com/office/drawing/2014/main" id="{702042B0-232F-A45B-0857-EB94B250CADD}"/>
-              </a:ext>
-            </a:extLst>
-          </p:cNvPr>
-          <p:cNvSpPr/>
-          <p:nvPr/>
-        </p:nvSpPr>
-        <p:spPr>
-          <a:xfrm rot="20582036">
-            <a:off x="3001775" y="2381110"/>
-            <a:ext cx="187931" cy="554763"/>
-          </a:xfrm>
-          <a:prstGeom prst="downArrow">
-            <a:avLst/>
-          </a:prstGeom>
-          <a:solidFill>
-            <a:schemeClr val="accent2"/>
-          </a:solidFill>
-        </p:spPr>
-        <p:style>
-          <a:lnRef idx="2">
-            <a:schemeClr val="accent1">
-              <a:shade val="15000"/>
-            </a:schemeClr>
-          </a:lnRef>
-          <a:fillRef idx="1">
-            <a:schemeClr val="accent1"/>
-          </a:fillRef>
-          <a:effectRef idx="0">
-            <a:schemeClr val="accent1"/>
-          </a:effectRef>
-          <a:fontRef idx="minor">
-            <a:schemeClr val="lt1"/>
-          </a:fontRef>
-        </p:style>
-        <p:txBody>
-          <a:bodyPr rtlCol="0" anchor="ctr"/>
-          <a:lstStyle/>
-          <a:p>
-            <a:pPr algn="ctr"/>
-            <a:endParaRPr lang="ko-KR" altLang="en-US"/>
-          </a:p>
-        </p:txBody>
-      </p:sp>
-      <p:sp>
-        <p:nvSpPr>
-          <p:cNvPr id="12" name="직사각형 11">
-            <a:extLst>
-              <a:ext uri="{FF2B5EF4-FFF2-40B4-BE49-F238E27FC236}">
-                <a16:creationId xmlns:a16="http://schemas.microsoft.com/office/drawing/2014/main" id="{02756557-1E07-443B-3F56-839F4F29FB50}"/>
-              </a:ext>
-            </a:extLst>
-          </p:cNvPr>
-          <p:cNvSpPr/>
-          <p:nvPr/>
-        </p:nvSpPr>
-        <p:spPr>
-          <a:xfrm>
-            <a:off x="5479098" y="4946106"/>
-            <a:ext cx="985760" cy="959658"/>
-          </a:xfrm>
-          <a:prstGeom prst="rect">
-            <a:avLst/>
-          </a:prstGeom>
-        </p:spPr>
-        <p:style>
-          <a:lnRef idx="2">
-            <a:schemeClr val="accent1">
-              <a:shade val="15000"/>
-            </a:schemeClr>
-          </a:lnRef>
-          <a:fillRef idx="1">
-            <a:schemeClr val="accent1"/>
-          </a:fillRef>
-          <a:effectRef idx="0">
-            <a:schemeClr val="accent1"/>
-          </a:effectRef>
-          <a:fontRef idx="minor">
-            <a:schemeClr val="lt1"/>
-          </a:fontRef>
-        </p:style>
-        <p:txBody>
-          <a:bodyPr rtlCol="0" anchor="ctr"/>
-          <a:lstStyle/>
-          <a:p>
-            <a:pPr algn="ctr"/>
-            <a:endParaRPr lang="ko-KR" altLang="en-US"/>
-          </a:p>
-        </p:txBody>
-      </p:sp>
-      <p:sp>
-        <p:nvSpPr>
-          <p:cNvPr id="13" name="TextBox 12">
-            <a:extLst>
-              <a:ext uri="{FF2B5EF4-FFF2-40B4-BE49-F238E27FC236}">
-                <a16:creationId xmlns:a16="http://schemas.microsoft.com/office/drawing/2014/main" id="{A0BFD6CA-CB8B-E9B9-A65D-E3084E2DA5B6}"/>
-              </a:ext>
-            </a:extLst>
-          </p:cNvPr>
-          <p:cNvSpPr txBox="1"/>
-          <p:nvPr/>
-        </p:nvSpPr>
-        <p:spPr>
-          <a:xfrm>
-            <a:off x="5371612" y="5973277"/>
-            <a:ext cx="1417985" cy="338554"/>
-          </a:xfrm>
-          <a:prstGeom prst="rect">
-            <a:avLst/>
-          </a:prstGeom>
-          <a:noFill/>
-        </p:spPr>
-        <p:txBody>
-          <a:bodyPr wrap="square" rtlCol="0">
-            <a:spAutoFit/>
-          </a:bodyPr>
-          <a:lstStyle/>
-          <a:p>
-            <a:r>
-              <a:rPr lang="ko-KR" altLang="en-US" sz="1600" dirty="0"/>
-              <a:t>패킷 </a:t>
-            </a:r>
-            <a:r>
-              <a:rPr lang="en-US" altLang="ko-KR" sz="1600" dirty="0"/>
-              <a:t>Queue</a:t>
-            </a:r>
-            <a:endParaRPr lang="ko-KR" altLang="en-US" sz="1600" dirty="0"/>
-          </a:p>
-        </p:txBody>
-      </p:sp>
-      <p:sp>
-        <p:nvSpPr>
-          <p:cNvPr id="14" name="직사각형 13">
-            <a:extLst>
-              <a:ext uri="{FF2B5EF4-FFF2-40B4-BE49-F238E27FC236}">
-                <a16:creationId xmlns:a16="http://schemas.microsoft.com/office/drawing/2014/main" id="{115666B1-E3E9-D754-AD91-77FDADA86D83}"/>
-              </a:ext>
-            </a:extLst>
-          </p:cNvPr>
-          <p:cNvSpPr/>
-          <p:nvPr/>
-        </p:nvSpPr>
-        <p:spPr>
-          <a:xfrm>
-            <a:off x="360674" y="657508"/>
-            <a:ext cx="4260078" cy="3674627"/>
-          </a:xfrm>
-          <a:prstGeom prst="rect">
-            <a:avLst/>
-          </a:prstGeom>
-          <a:noFill/>
-        </p:spPr>
-        <p:style>
-          <a:lnRef idx="2">
-            <a:schemeClr val="accent1">
-              <a:shade val="15000"/>
-            </a:schemeClr>
-          </a:lnRef>
-          <a:fillRef idx="1">
-            <a:schemeClr val="accent1"/>
-          </a:fillRef>
-          <a:effectRef idx="0">
-            <a:schemeClr val="accent1"/>
-          </a:effectRef>
-          <a:fontRef idx="minor">
-            <a:schemeClr val="lt1"/>
-          </a:fontRef>
-        </p:style>
-        <p:txBody>
-          <a:bodyPr rtlCol="0" anchor="ctr"/>
-          <a:lstStyle/>
-          <a:p>
-            <a:pPr algn="ctr"/>
-            <a:endParaRPr lang="ko-KR" altLang="en-US"/>
-          </a:p>
-        </p:txBody>
-      </p:sp>
-      <p:sp>
-        <p:nvSpPr>
-          <p:cNvPr id="15" name="직사각형 14">
-            <a:extLst>
-              <a:ext uri="{FF2B5EF4-FFF2-40B4-BE49-F238E27FC236}">
-                <a16:creationId xmlns:a16="http://schemas.microsoft.com/office/drawing/2014/main" id="{EFDD6B2A-B8A4-4DCD-F97D-7EA8DEA8F56B}"/>
-              </a:ext>
-            </a:extLst>
-          </p:cNvPr>
-          <p:cNvSpPr/>
-          <p:nvPr/>
-        </p:nvSpPr>
-        <p:spPr>
-          <a:xfrm>
-            <a:off x="8387305" y="1313503"/>
-            <a:ext cx="2692866" cy="2529280"/>
-          </a:xfrm>
-          <a:prstGeom prst="rect">
-            <a:avLst/>
-          </a:prstGeom>
-        </p:spPr>
-        <p:style>
-          <a:lnRef idx="2">
-            <a:schemeClr val="accent3">
-              <a:shade val="15000"/>
-            </a:schemeClr>
-          </a:lnRef>
-          <a:fillRef idx="1">
-            <a:schemeClr val="accent3"/>
-          </a:fillRef>
-          <a:effectRef idx="0">
-            <a:schemeClr val="accent3"/>
-          </a:effectRef>
-          <a:fontRef idx="minor">
-            <a:schemeClr val="lt1"/>
-          </a:fontRef>
-        </p:style>
-        <p:txBody>
-          <a:bodyPr rtlCol="0" anchor="ctr"/>
-          <a:lstStyle/>
-          <a:p>
-            <a:pPr algn="ctr"/>
-            <a:endParaRPr lang="ko-KR" altLang="en-US">
-              <a:ln w="0"/>
-              <a:solidFill>
-                <a:schemeClr val="tx1"/>
-              </a:solidFill>
-              <a:effectLst>
-                <a:outerShdw blurRad="38100" dist="19050" dir="2700000" algn="tl" rotWithShape="0">
-                  <a:schemeClr val="dk1">
-                    <a:alpha val="40000"/>
-                  </a:schemeClr>
-                </a:outerShdw>
-              </a:effectLst>
-            </a:endParaRPr>
-          </a:p>
-        </p:txBody>
-      </p:sp>
-      <p:sp>
-        <p:nvSpPr>
-          <p:cNvPr id="16" name="TextBox 15">
-            <a:extLst>
-              <a:ext uri="{FF2B5EF4-FFF2-40B4-BE49-F238E27FC236}">
-                <a16:creationId xmlns:a16="http://schemas.microsoft.com/office/drawing/2014/main" id="{7EE55697-6125-94E8-6EFB-AA9046E2F0F1}"/>
-              </a:ext>
-            </a:extLst>
-          </p:cNvPr>
-          <p:cNvSpPr txBox="1"/>
-          <p:nvPr/>
-        </p:nvSpPr>
-        <p:spPr>
-          <a:xfrm>
-            <a:off x="8980999" y="931372"/>
-            <a:ext cx="1505477" cy="369332"/>
-          </a:xfrm>
-          <a:prstGeom prst="rect">
-            <a:avLst/>
-          </a:prstGeom>
-          <a:noFill/>
-        </p:spPr>
-        <p:txBody>
-          <a:bodyPr wrap="none" rtlCol="0">
-            <a:spAutoFit/>
-          </a:bodyPr>
-          <a:lstStyle/>
-          <a:p>
-            <a:r>
-              <a:rPr lang="en-US" altLang="ko-KR" dirty="0"/>
-              <a:t>Main Thread</a:t>
-            </a:r>
-            <a:endParaRPr lang="ko-KR" altLang="en-US" dirty="0"/>
-          </a:p>
-        </p:txBody>
-      </p:sp>
-      <p:sp>
-        <p:nvSpPr>
-          <p:cNvPr id="17" name="직사각형 16">
-            <a:extLst>
-              <a:ext uri="{FF2B5EF4-FFF2-40B4-BE49-F238E27FC236}">
-                <a16:creationId xmlns:a16="http://schemas.microsoft.com/office/drawing/2014/main" id="{1796FFBF-E291-7DB6-5A81-A7C129DF12DE}"/>
-              </a:ext>
-            </a:extLst>
-          </p:cNvPr>
-          <p:cNvSpPr/>
-          <p:nvPr/>
-        </p:nvSpPr>
-        <p:spPr>
-          <a:xfrm>
-            <a:off x="7639139" y="657508"/>
-            <a:ext cx="4260078" cy="3691719"/>
-          </a:xfrm>
-          <a:prstGeom prst="rect">
-            <a:avLst/>
-          </a:prstGeom>
-          <a:noFill/>
-        </p:spPr>
-        <p:style>
-          <a:lnRef idx="2">
-            <a:schemeClr val="accent1">
-              <a:shade val="15000"/>
-            </a:schemeClr>
-          </a:lnRef>
-          <a:fillRef idx="1">
-            <a:schemeClr val="accent1"/>
-          </a:fillRef>
-          <a:effectRef idx="0">
-            <a:schemeClr val="accent1"/>
-          </a:effectRef>
-          <a:fontRef idx="minor">
-            <a:schemeClr val="lt1"/>
-          </a:fontRef>
-        </p:style>
-        <p:txBody>
-          <a:bodyPr rtlCol="0" anchor="ctr"/>
-          <a:lstStyle/>
-          <a:p>
-            <a:pPr algn="ctr"/>
-            <a:endParaRPr lang="ko-KR" altLang="en-US"/>
-          </a:p>
-        </p:txBody>
-      </p:sp>
-      <p:sp>
-        <p:nvSpPr>
-          <p:cNvPr id="18" name="직사각형 17">
-            <a:extLst>
-              <a:ext uri="{FF2B5EF4-FFF2-40B4-BE49-F238E27FC236}">
-                <a16:creationId xmlns:a16="http://schemas.microsoft.com/office/drawing/2014/main" id="{28D8B831-845E-7DBD-38A1-25A2232297A0}"/>
-              </a:ext>
-            </a:extLst>
-          </p:cNvPr>
-          <p:cNvSpPr/>
-          <p:nvPr/>
-        </p:nvSpPr>
-        <p:spPr>
-          <a:xfrm>
-            <a:off x="399663" y="5337880"/>
-            <a:ext cx="1250111" cy="1183593"/>
-          </a:xfrm>
-          <a:prstGeom prst="rect">
-            <a:avLst/>
-          </a:prstGeom>
-        </p:spPr>
-        <p:style>
-          <a:lnRef idx="2">
-            <a:schemeClr val="accent2">
-              <a:shade val="15000"/>
-            </a:schemeClr>
-          </a:lnRef>
-          <a:fillRef idx="1">
-            <a:schemeClr val="accent2"/>
-          </a:fillRef>
-          <a:effectRef idx="0">
-            <a:schemeClr val="accent2"/>
-          </a:effectRef>
-          <a:fontRef idx="minor">
-            <a:schemeClr val="lt1"/>
-          </a:fontRef>
-        </p:style>
-        <p:txBody>
-          <a:bodyPr rtlCol="0" anchor="ctr"/>
-          <a:lstStyle/>
-          <a:p>
-            <a:pPr algn="ctr"/>
-            <a:endParaRPr lang="ko-KR" altLang="en-US"/>
-          </a:p>
-        </p:txBody>
-      </p:sp>
-      <p:sp>
-        <p:nvSpPr>
-          <p:cNvPr id="19" name="화살표: 오른쪽 18">
-            <a:extLst>
-              <a:ext uri="{FF2B5EF4-FFF2-40B4-BE49-F238E27FC236}">
-                <a16:creationId xmlns:a16="http://schemas.microsoft.com/office/drawing/2014/main" id="{C94538DF-881A-6586-BD6F-4C9EB44C3623}"/>
-              </a:ext>
-            </a:extLst>
-          </p:cNvPr>
-          <p:cNvSpPr/>
-          <p:nvPr/>
-        </p:nvSpPr>
-        <p:spPr>
-          <a:xfrm rot="16200000">
-            <a:off x="636723" y="4531377"/>
-            <a:ext cx="1083256" cy="196139"/>
-          </a:xfrm>
-          <a:prstGeom prst="rightArrow">
-            <a:avLst/>
-          </a:prstGeom>
-        </p:spPr>
-        <p:style>
-          <a:lnRef idx="2">
-            <a:schemeClr val="accent3">
-              <a:shade val="15000"/>
-            </a:schemeClr>
-          </a:lnRef>
-          <a:fillRef idx="1">
-            <a:schemeClr val="accent3"/>
-          </a:fillRef>
-          <a:effectRef idx="0">
-            <a:schemeClr val="accent3"/>
-          </a:effectRef>
-          <a:fontRef idx="minor">
-            <a:schemeClr val="lt1"/>
-          </a:fontRef>
-        </p:style>
-        <p:txBody>
-          <a:bodyPr rtlCol="0" anchor="ctr"/>
-          <a:lstStyle/>
-          <a:p>
-            <a:pPr algn="ctr"/>
-            <a:endParaRPr lang="ko-KR" altLang="en-US"/>
-          </a:p>
-        </p:txBody>
-      </p:sp>
-      <p:sp>
-        <p:nvSpPr>
-          <p:cNvPr id="20" name="TextBox 19">
-            <a:extLst>
-              <a:ext uri="{FF2B5EF4-FFF2-40B4-BE49-F238E27FC236}">
-                <a16:creationId xmlns:a16="http://schemas.microsoft.com/office/drawing/2014/main" id="{C90ABDBD-B560-8609-98E6-A8B01FA4C052}"/>
-              </a:ext>
-            </a:extLst>
-          </p:cNvPr>
-          <p:cNvSpPr txBox="1"/>
-          <p:nvPr/>
-        </p:nvSpPr>
-        <p:spPr>
-          <a:xfrm>
-            <a:off x="569355" y="6503612"/>
-            <a:ext cx="840808" cy="369332"/>
-          </a:xfrm>
-          <a:prstGeom prst="rect">
-            <a:avLst/>
-          </a:prstGeom>
-          <a:noFill/>
-        </p:spPr>
-        <p:txBody>
-          <a:bodyPr wrap="none" rtlCol="0">
-            <a:spAutoFit/>
-          </a:bodyPr>
-          <a:lstStyle/>
-          <a:p>
-            <a:r>
-              <a:rPr lang="en-US" altLang="ko-KR" dirty="0"/>
-              <a:t>Server</a:t>
-            </a:r>
-            <a:endParaRPr lang="ko-KR" altLang="en-US" dirty="0"/>
-          </a:p>
-        </p:txBody>
-      </p:sp>
-      <p:sp>
-        <p:nvSpPr>
-          <p:cNvPr id="21" name="TextBox 20">
-            <a:extLst>
-              <a:ext uri="{FF2B5EF4-FFF2-40B4-BE49-F238E27FC236}">
-                <a16:creationId xmlns:a16="http://schemas.microsoft.com/office/drawing/2014/main" id="{95765A18-0E39-B732-6499-59AE73E00112}"/>
-              </a:ext>
-            </a:extLst>
-          </p:cNvPr>
-          <p:cNvSpPr txBox="1"/>
-          <p:nvPr/>
-        </p:nvSpPr>
-        <p:spPr>
-          <a:xfrm>
-            <a:off x="1186340" y="4126787"/>
-            <a:ext cx="798617" cy="261610"/>
-          </a:xfrm>
-          <a:prstGeom prst="rect">
-            <a:avLst/>
-          </a:prstGeom>
-          <a:noFill/>
-        </p:spPr>
-        <p:txBody>
-          <a:bodyPr wrap="none" rtlCol="0">
-            <a:spAutoFit/>
-          </a:bodyPr>
-          <a:lstStyle/>
-          <a:p>
-            <a:r>
-              <a:rPr lang="ko-KR" altLang="en-US" sz="1100" dirty="0"/>
-              <a:t>패킷 수신</a:t>
-            </a:r>
-          </a:p>
-        </p:txBody>
-      </p:sp>
-      <p:cxnSp>
-        <p:nvCxnSpPr>
-          <p:cNvPr id="23" name="직선 화살표 연결선 22">
-            <a:extLst>
-              <a:ext uri="{FF2B5EF4-FFF2-40B4-BE49-F238E27FC236}">
-                <a16:creationId xmlns:a16="http://schemas.microsoft.com/office/drawing/2014/main" id="{BA696FD2-17B2-9802-D526-E5D5A5AB78CF}"/>
-              </a:ext>
-            </a:extLst>
-          </p:cNvPr>
-          <p:cNvCxnSpPr>
-            <a:stCxn id="6" idx="3"/>
-          </p:cNvCxnSpPr>
-          <p:nvPr/>
-        </p:nvCxnSpPr>
-        <p:spPr>
-          <a:xfrm>
-            <a:off x="1607569" y="3702110"/>
-            <a:ext cx="1174089" cy="1284363"/>
-          </a:xfrm>
-          <a:prstGeom prst="straightConnector1">
-            <a:avLst/>
-          </a:prstGeom>
-          <a:ln>
-            <a:tailEnd type="triangle"/>
-          </a:ln>
-        </p:spPr>
-        <p:style>
-          <a:lnRef idx="1">
-            <a:schemeClr val="accent1"/>
-          </a:lnRef>
-          <a:fillRef idx="0">
-            <a:schemeClr val="accent1"/>
-          </a:fillRef>
-          <a:effectRef idx="0">
-            <a:schemeClr val="accent1"/>
-          </a:effectRef>
-          <a:fontRef idx="minor">
-            <a:schemeClr val="tx1"/>
-          </a:fontRef>
-        </p:style>
-      </p:cxnSp>
-      <p:sp>
-        <p:nvSpPr>
-          <p:cNvPr id="24" name="TextBox 23">
-            <a:extLst>
-              <a:ext uri="{FF2B5EF4-FFF2-40B4-BE49-F238E27FC236}">
-                <a16:creationId xmlns:a16="http://schemas.microsoft.com/office/drawing/2014/main" id="{50A1562F-C36A-BD7B-B0B9-1F9C905F06C0}"/>
-              </a:ext>
-            </a:extLst>
-          </p:cNvPr>
-          <p:cNvSpPr txBox="1"/>
-          <p:nvPr/>
-        </p:nvSpPr>
-        <p:spPr>
-          <a:xfrm>
-            <a:off x="2490713" y="5030103"/>
-            <a:ext cx="965329" cy="307777"/>
-          </a:xfrm>
-          <a:prstGeom prst="rect">
-            <a:avLst/>
-          </a:prstGeom>
-          <a:noFill/>
-        </p:spPr>
-        <p:txBody>
-          <a:bodyPr wrap="none" rtlCol="0">
-            <a:spAutoFit/>
-          </a:bodyPr>
-          <a:lstStyle/>
-          <a:p>
-            <a:r>
-              <a:rPr lang="ko-KR" altLang="en-US" sz="1400" dirty="0"/>
-              <a:t>패킷 조립</a:t>
-            </a:r>
-          </a:p>
-        </p:txBody>
-      </p:sp>
-      <p:cxnSp>
-        <p:nvCxnSpPr>
-          <p:cNvPr id="26" name="직선 화살표 연결선 25">
-            <a:extLst>
-              <a:ext uri="{FF2B5EF4-FFF2-40B4-BE49-F238E27FC236}">
-                <a16:creationId xmlns:a16="http://schemas.microsoft.com/office/drawing/2014/main" id="{CCCAE53B-8EFA-6203-E6A9-6264DAB21285}"/>
-              </a:ext>
-            </a:extLst>
-          </p:cNvPr>
-          <p:cNvCxnSpPr>
-            <a:stCxn id="24" idx="3"/>
-          </p:cNvCxnSpPr>
-          <p:nvPr/>
-        </p:nvCxnSpPr>
-        <p:spPr>
-          <a:xfrm flipV="1">
-            <a:off x="3456042" y="5183991"/>
-            <a:ext cx="1915570" cy="1"/>
-          </a:xfrm>
-          <a:prstGeom prst="straightConnector1">
-            <a:avLst/>
-          </a:prstGeom>
-          <a:ln>
-            <a:tailEnd type="triangle"/>
-          </a:ln>
-        </p:spPr>
-        <p:style>
-          <a:lnRef idx="1">
-            <a:schemeClr val="accent1"/>
-          </a:lnRef>
-          <a:fillRef idx="0">
-            <a:schemeClr val="accent1"/>
-          </a:fillRef>
-          <a:effectRef idx="0">
-            <a:schemeClr val="accent1"/>
-          </a:effectRef>
-          <a:fontRef idx="minor">
-            <a:schemeClr val="tx1"/>
-          </a:fontRef>
-        </p:style>
-      </p:cxnSp>
-      <p:cxnSp>
-        <p:nvCxnSpPr>
-          <p:cNvPr id="28" name="직선 화살표 연결선 27">
-            <a:extLst>
-              <a:ext uri="{FF2B5EF4-FFF2-40B4-BE49-F238E27FC236}">
-                <a16:creationId xmlns:a16="http://schemas.microsoft.com/office/drawing/2014/main" id="{CD3D4260-12E3-7859-18BD-A716BAC3DCE5}"/>
-              </a:ext>
-            </a:extLst>
-          </p:cNvPr>
-          <p:cNvCxnSpPr/>
-          <p:nvPr/>
-        </p:nvCxnSpPr>
-        <p:spPr>
-          <a:xfrm flipV="1">
-            <a:off x="6511897" y="3473868"/>
-            <a:ext cx="2469102" cy="1697207"/>
-          </a:xfrm>
-          <a:prstGeom prst="straightConnector1">
-            <a:avLst/>
-          </a:prstGeom>
-          <a:ln>
-            <a:tailEnd type="triangle"/>
-          </a:ln>
-        </p:spPr>
-        <p:style>
-          <a:lnRef idx="1">
-            <a:schemeClr val="accent1"/>
-          </a:lnRef>
-          <a:fillRef idx="0">
-            <a:schemeClr val="accent1"/>
-          </a:fillRef>
-          <a:effectRef idx="0">
-            <a:schemeClr val="accent1"/>
-          </a:effectRef>
-          <a:fontRef idx="minor">
-            <a:schemeClr val="tx1"/>
-          </a:fontRef>
-        </p:style>
-      </p:cxnSp>
-      <p:sp>
-        <p:nvSpPr>
-          <p:cNvPr id="29" name="TextBox 28">
-            <a:extLst>
-              <a:ext uri="{FF2B5EF4-FFF2-40B4-BE49-F238E27FC236}">
-                <a16:creationId xmlns:a16="http://schemas.microsoft.com/office/drawing/2014/main" id="{55B520B5-01F5-AAD2-5050-710312CBA6B3}"/>
-              </a:ext>
-            </a:extLst>
-          </p:cNvPr>
-          <p:cNvSpPr txBox="1"/>
-          <p:nvPr/>
-        </p:nvSpPr>
-        <p:spPr>
-          <a:xfrm>
-            <a:off x="7186281" y="4675453"/>
-            <a:ext cx="3807453" cy="430887"/>
-          </a:xfrm>
-          <a:prstGeom prst="rect">
-            <a:avLst/>
-          </a:prstGeom>
-          <a:noFill/>
-        </p:spPr>
-        <p:txBody>
-          <a:bodyPr wrap="none" rtlCol="0">
-            <a:spAutoFit/>
-          </a:bodyPr>
-          <a:lstStyle/>
-          <a:p>
-            <a:r>
-              <a:rPr lang="ko-KR" altLang="en-US" sz="1100" dirty="0"/>
-              <a:t>서버에서 수신 받은 패킷을 조립한 것을 메인 스레드가</a:t>
-            </a:r>
-            <a:endParaRPr lang="en-US" altLang="ko-KR" sz="1100" dirty="0"/>
-          </a:p>
-          <a:p>
-            <a:r>
-              <a:rPr lang="ko-KR" altLang="en-US" sz="1100" dirty="0"/>
-              <a:t>큐를 통해 받는다</a:t>
-            </a:r>
-            <a:r>
-              <a:rPr lang="en-US" altLang="ko-KR" sz="1100" dirty="0"/>
-              <a:t>. </a:t>
-            </a:r>
-            <a:r>
-              <a:rPr lang="ko-KR" altLang="en-US" sz="1100" dirty="0"/>
-              <a:t>그리고 컨텐츠 쪽에서 이것을 처리한다</a:t>
-            </a:r>
-          </a:p>
-        </p:txBody>
-      </p:sp>
-      <p:sp>
-        <p:nvSpPr>
-          <p:cNvPr id="30" name="TextBox 29">
-            <a:extLst>
-              <a:ext uri="{FF2B5EF4-FFF2-40B4-BE49-F238E27FC236}">
-                <a16:creationId xmlns:a16="http://schemas.microsoft.com/office/drawing/2014/main" id="{09C43494-B071-C5FC-E5CD-E3F98816607C}"/>
-              </a:ext>
-            </a:extLst>
-          </p:cNvPr>
-          <p:cNvSpPr txBox="1"/>
-          <p:nvPr/>
-        </p:nvSpPr>
-        <p:spPr>
-          <a:xfrm>
-            <a:off x="266787" y="42460"/>
-            <a:ext cx="3275448" cy="461665"/>
-          </a:xfrm>
-          <a:prstGeom prst="rect">
-            <a:avLst/>
-          </a:prstGeom>
-          <a:noFill/>
-        </p:spPr>
-        <p:txBody>
-          <a:bodyPr wrap="none" rtlCol="0">
-            <a:spAutoFit/>
-          </a:bodyPr>
-          <a:lstStyle/>
-          <a:p>
-            <a:r>
-              <a:rPr lang="ko-KR" altLang="en-US" sz="2400" dirty="0"/>
-              <a:t>■ </a:t>
-            </a:r>
-            <a:r>
-              <a:rPr lang="en-US" altLang="ko-KR" sz="2400" dirty="0" err="1"/>
-              <a:t>RecvWorker</a:t>
-            </a:r>
-            <a:r>
-              <a:rPr lang="ko-KR" altLang="en-US" sz="2400" dirty="0"/>
-              <a:t> 클래스</a:t>
+            <a:r>
+              <a:rPr lang="ko-KR" altLang="en-US" dirty="0"/>
+              <a:t>경찰</a:t>
             </a:r>
           </a:p>
         </p:txBody>
@@ -5039,7 +4218,7 @@
     </p:spTree>
     <p:extLst>
       <p:ext uri="{BB962C8B-B14F-4D97-AF65-F5344CB8AC3E}">
-        <p14:creationId xmlns:p14="http://schemas.microsoft.com/office/powerpoint/2010/main" val="37466482"/>
+        <p14:creationId xmlns:p14="http://schemas.microsoft.com/office/powerpoint/2010/main" val="1201477839"/>
       </p:ext>
     </p:extLst>
   </p:cSld>
@@ -5068,68 +4247,10 @@
       </p:grpSpPr>
       <p:sp>
         <p:nvSpPr>
-          <p:cNvPr id="4" name="직사각형 3">
-            <a:extLst>
-              <a:ext uri="{FF2B5EF4-FFF2-40B4-BE49-F238E27FC236}">
-                <a16:creationId xmlns:a16="http://schemas.microsoft.com/office/drawing/2014/main" id="{9FDD820F-7A56-0C70-C3C0-9F8DFBCE4F98}"/>
-              </a:ext>
-            </a:extLst>
-          </p:cNvPr>
-          <p:cNvSpPr/>
-          <p:nvPr/>
-        </p:nvSpPr>
-        <p:spPr>
-          <a:xfrm>
-            <a:off x="1170380" y="1574151"/>
-            <a:ext cx="2692866" cy="2529280"/>
-          </a:xfrm>
-          <a:prstGeom prst="rect">
-            <a:avLst/>
-          </a:prstGeom>
-        </p:spPr>
-        <p:style>
-          <a:lnRef idx="2">
-            <a:schemeClr val="accent3">
-              <a:shade val="15000"/>
-            </a:schemeClr>
-          </a:lnRef>
-          <a:fillRef idx="1">
-            <a:schemeClr val="accent3"/>
-          </a:fillRef>
-          <a:effectRef idx="0">
-            <a:schemeClr val="accent3"/>
-          </a:effectRef>
-          <a:fontRef idx="minor">
-            <a:schemeClr val="lt1"/>
-          </a:fontRef>
-        </p:style>
-        <p:txBody>
-          <a:bodyPr rtlCol="0" anchor="ctr"/>
-          <a:lstStyle/>
-          <a:p>
-            <a:pPr algn="ctr"/>
-            <a:endParaRPr lang="ko-KR" altLang="en-US">
-              <a:ln w="0"/>
-              <a:solidFill>
-                <a:schemeClr val="tx1"/>
-              </a:solidFill>
-              <a:effectLst>
-                <a:outerShdw blurRad="38100" dist="19050" dir="2700000" algn="tl" rotWithShape="0">
-                  <a:schemeClr val="dk1">
-                    <a:alpha val="40000"/>
-                  </a:schemeClr>
-                </a:outerShdw>
-              </a:effectLst>
-            </a:endParaRPr>
-          </a:p>
-        </p:txBody>
-      </p:sp>
-      <p:sp>
-        <p:nvSpPr>
-          <p:cNvPr id="5" name="TextBox 4">
-            <a:extLst>
-              <a:ext uri="{FF2B5EF4-FFF2-40B4-BE49-F238E27FC236}">
-                <a16:creationId xmlns:a16="http://schemas.microsoft.com/office/drawing/2014/main" id="{709C152A-ADB5-77E3-B32F-2E6307719806}"/>
+          <p:cNvPr id="4" name="TextBox 3">
+            <a:extLst>
+              <a:ext uri="{FF2B5EF4-FFF2-40B4-BE49-F238E27FC236}">
+                <a16:creationId xmlns:a16="http://schemas.microsoft.com/office/drawing/2014/main" id="{17078CD1-7843-5937-314E-F0279C7CFA39}"/>
               </a:ext>
             </a:extLst>
           </p:cNvPr>
@@ -5138,8 +4259,8 @@
         </p:nvSpPr>
         <p:spPr>
           <a:xfrm>
-            <a:off x="1764074" y="1192020"/>
-            <a:ext cx="1505477" cy="369332"/>
+            <a:off x="4742917" y="329013"/>
+            <a:ext cx="2069797" cy="461665"/>
           </a:xfrm>
           <a:prstGeom prst="rect">
             <a:avLst/>
@@ -5153,19 +4274,22 @@
           <a:lstStyle/>
           <a:p>
             <a:r>
-              <a:rPr lang="en-US" altLang="ko-KR" dirty="0"/>
-              <a:t>Main Thread</a:t>
-            </a:r>
-            <a:endParaRPr lang="ko-KR" altLang="en-US" dirty="0"/>
-          </a:p>
-        </p:txBody>
-      </p:sp>
-      <p:sp>
-        <p:nvSpPr>
-          <p:cNvPr id="6" name="직사각형 5">
-            <a:extLst>
-              <a:ext uri="{FF2B5EF4-FFF2-40B4-BE49-F238E27FC236}">
-                <a16:creationId xmlns:a16="http://schemas.microsoft.com/office/drawing/2014/main" id="{CD675D63-2727-4047-87BE-6A7C6F205502}"/>
+              <a:rPr lang="en-US" altLang="ko-KR" sz="2400" b="1" dirty="0"/>
+              <a:t>Scene </a:t>
+            </a:r>
+            <a:r>
+              <a:rPr lang="ko-KR" altLang="en-US" sz="2400" b="1" dirty="0"/>
+              <a:t>순서도</a:t>
+            </a:r>
+          </a:p>
+        </p:txBody>
+      </p:sp>
+      <p:sp>
+        <p:nvSpPr>
+          <p:cNvPr id="5" name="직사각형 4">
+            <a:extLst>
+              <a:ext uri="{FF2B5EF4-FFF2-40B4-BE49-F238E27FC236}">
+                <a16:creationId xmlns:a16="http://schemas.microsoft.com/office/drawing/2014/main" id="{F90187A2-46D6-9769-9F34-24CD3022A5D5}"/>
               </a:ext>
             </a:extLst>
           </p:cNvPr>
@@ -5174,8 +4298,8 @@
         </p:nvSpPr>
         <p:spPr>
           <a:xfrm>
-            <a:off x="580311" y="1003615"/>
-            <a:ext cx="3969836" cy="3440200"/>
+            <a:off x="858852" y="2170631"/>
+            <a:ext cx="2157813" cy="1623701"/>
           </a:xfrm>
           <a:prstGeom prst="rect">
             <a:avLst/>
@@ -5209,10 +4333,10 @@
       </p:sp>
       <p:sp>
         <p:nvSpPr>
-          <p:cNvPr id="9" name="직사각형 8">
-            <a:extLst>
-              <a:ext uri="{FF2B5EF4-FFF2-40B4-BE49-F238E27FC236}">
-                <a16:creationId xmlns:a16="http://schemas.microsoft.com/office/drawing/2014/main" id="{FF7ECD18-B399-44E0-CC34-59A73BE33F5E}"/>
+          <p:cNvPr id="6" name="화살표: 오른쪽 5">
+            <a:extLst>
+              <a:ext uri="{FF2B5EF4-FFF2-40B4-BE49-F238E27FC236}">
+                <a16:creationId xmlns:a16="http://schemas.microsoft.com/office/drawing/2014/main" id="{F657380D-4097-99F2-D5BA-1D9B3897D31A}"/>
               </a:ext>
             </a:extLst>
           </p:cNvPr>
@@ -5221,12 +4345,18 @@
         </p:nvSpPr>
         <p:spPr>
           <a:xfrm>
-            <a:off x="5351018" y="4758100"/>
-            <a:ext cx="985760" cy="959658"/>
-          </a:xfrm>
-          <a:prstGeom prst="rect">
-            <a:avLst/>
-          </a:prstGeom>
+            <a:off x="3599915" y="2697265"/>
+            <a:ext cx="645207" cy="503135"/>
+          </a:xfrm>
+          <a:prstGeom prst="rightArrow">
+            <a:avLst/>
+          </a:prstGeom>
+          <a:solidFill>
+            <a:schemeClr val="tx1">
+              <a:lumMod val="65000"/>
+              <a:lumOff val="35000"/>
+            </a:schemeClr>
+          </a:solidFill>
         </p:spPr>
         <p:style>
           <a:lnRef idx="2">
@@ -5255,50 +4385,10 @@
       </p:sp>
       <p:sp>
         <p:nvSpPr>
-          <p:cNvPr id="10" name="TextBox 9">
-            <a:extLst>
-              <a:ext uri="{FF2B5EF4-FFF2-40B4-BE49-F238E27FC236}">
-                <a16:creationId xmlns:a16="http://schemas.microsoft.com/office/drawing/2014/main" id="{B2375E5E-F7D2-2319-73A7-792EE5B163A4}"/>
-              </a:ext>
-            </a:extLst>
-          </p:cNvPr>
-          <p:cNvSpPr txBox="1"/>
-          <p:nvPr/>
-        </p:nvSpPr>
-        <p:spPr>
-          <a:xfrm>
-            <a:off x="5243532" y="5785271"/>
-            <a:ext cx="1417985" cy="338554"/>
-          </a:xfrm>
-          <a:prstGeom prst="rect">
-            <a:avLst/>
-          </a:prstGeom>
-          <a:noFill/>
-        </p:spPr>
-        <p:txBody>
-          <a:bodyPr wrap="square" rtlCol="0">
-            <a:spAutoFit/>
-          </a:bodyPr>
-          <a:lstStyle/>
-          <a:p>
-            <a:r>
-              <a:rPr lang="ko-KR" altLang="en-US" sz="1600" dirty="0"/>
-              <a:t>패킷 </a:t>
-            </a:r>
-            <a:r>
-              <a:rPr lang="en-US" altLang="ko-KR" sz="1600" dirty="0"/>
-              <a:t>Queue</a:t>
-            </a:r>
-            <a:endParaRPr lang="ko-KR" altLang="en-US" sz="1600" dirty="0"/>
-          </a:p>
-        </p:txBody>
-      </p:sp>
-      <p:sp>
-        <p:nvSpPr>
-          <p:cNvPr id="13" name="화살표: 아래쪽 12">
-            <a:extLst>
-              <a:ext uri="{FF2B5EF4-FFF2-40B4-BE49-F238E27FC236}">
-                <a16:creationId xmlns:a16="http://schemas.microsoft.com/office/drawing/2014/main" id="{7DB6F8B1-FF81-E111-58DB-D716F39B3D36}"/>
+          <p:cNvPr id="7" name="직사각형 6">
+            <a:extLst>
+              <a:ext uri="{FF2B5EF4-FFF2-40B4-BE49-F238E27FC236}">
+                <a16:creationId xmlns:a16="http://schemas.microsoft.com/office/drawing/2014/main" id="{113454C9-EC75-7CA6-68F5-9810EA47A72A}"/>
               </a:ext>
             </a:extLst>
           </p:cNvPr>
@@ -5306,211 +4396,14 @@
           <p:nvPr/>
         </p:nvSpPr>
         <p:spPr>
-          <a:xfrm rot="18613145">
-            <a:off x="4268622" y="3554336"/>
-            <a:ext cx="269193" cy="1585245"/>
-          </a:xfrm>
-          <a:prstGeom prst="downArrow">
-            <a:avLst/>
-          </a:prstGeom>
-        </p:spPr>
-        <p:style>
-          <a:lnRef idx="2">
-            <a:schemeClr val="accent2">
-              <a:shade val="15000"/>
-            </a:schemeClr>
-          </a:lnRef>
-          <a:fillRef idx="1">
-            <a:schemeClr val="accent2"/>
-          </a:fillRef>
-          <a:effectRef idx="0">
-            <a:schemeClr val="accent2"/>
-          </a:effectRef>
-          <a:fontRef idx="minor">
-            <a:schemeClr val="lt1"/>
-          </a:fontRef>
-        </p:style>
-        <p:txBody>
-          <a:bodyPr rtlCol="0" anchor="ctr"/>
-          <a:lstStyle/>
-          <a:p>
-            <a:pPr algn="ctr"/>
-            <a:endParaRPr lang="ko-KR" altLang="en-US"/>
-          </a:p>
-        </p:txBody>
-      </p:sp>
-      <p:sp>
-        <p:nvSpPr>
-          <p:cNvPr id="14" name="TextBox 13">
-            <a:extLst>
-              <a:ext uri="{FF2B5EF4-FFF2-40B4-BE49-F238E27FC236}">
-                <a16:creationId xmlns:a16="http://schemas.microsoft.com/office/drawing/2014/main" id="{74781B21-F649-8C75-810E-9D1E02053340}"/>
-              </a:ext>
-            </a:extLst>
-          </p:cNvPr>
-          <p:cNvSpPr txBox="1"/>
-          <p:nvPr/>
-        </p:nvSpPr>
-        <p:spPr>
-          <a:xfrm>
-            <a:off x="1673820" y="5077513"/>
-            <a:ext cx="3549370" cy="523220"/>
+          <a:xfrm>
+            <a:off x="4828372" y="2170631"/>
+            <a:ext cx="2157813" cy="1623701"/>
           </a:xfrm>
           <a:prstGeom prst="rect">
             <a:avLst/>
           </a:prstGeom>
           <a:noFill/>
-        </p:spPr>
-        <p:txBody>
-          <a:bodyPr wrap="none" rtlCol="0">
-            <a:spAutoFit/>
-          </a:bodyPr>
-          <a:lstStyle/>
-          <a:p>
-            <a:r>
-              <a:rPr lang="ko-KR" altLang="en-US" sz="1400" dirty="0"/>
-              <a:t>게임하다 서버로 패킷을 보낼 일이 생기면</a:t>
-            </a:r>
-            <a:endParaRPr lang="en-US" altLang="ko-KR" sz="1400" dirty="0"/>
-          </a:p>
-          <a:p>
-            <a:r>
-              <a:rPr lang="ko-KR" altLang="en-US" sz="1400" dirty="0"/>
-              <a:t>패킷을 만들고 패킷 </a:t>
-            </a:r>
-            <a:r>
-              <a:rPr lang="en-US" altLang="ko-KR" sz="1400" dirty="0"/>
-              <a:t>Queue</a:t>
-            </a:r>
-            <a:r>
-              <a:rPr lang="ko-KR" altLang="en-US" sz="1400" dirty="0"/>
-              <a:t>에 넣는다</a:t>
-            </a:r>
-            <a:r>
-              <a:rPr lang="en-US" altLang="ko-KR" sz="1400" dirty="0"/>
-              <a:t>.</a:t>
-            </a:r>
-            <a:endParaRPr lang="ko-KR" altLang="en-US" sz="1400" dirty="0"/>
-          </a:p>
-        </p:txBody>
-      </p:sp>
-      <p:sp>
-        <p:nvSpPr>
-          <p:cNvPr id="15" name="직사각형 14">
-            <a:extLst>
-              <a:ext uri="{FF2B5EF4-FFF2-40B4-BE49-F238E27FC236}">
-                <a16:creationId xmlns:a16="http://schemas.microsoft.com/office/drawing/2014/main" id="{B06B7F30-FAC5-CD50-F6BF-249C424AEB08}"/>
-              </a:ext>
-            </a:extLst>
-          </p:cNvPr>
-          <p:cNvSpPr/>
-          <p:nvPr/>
-        </p:nvSpPr>
-        <p:spPr>
-          <a:xfrm>
-            <a:off x="8423092" y="1407625"/>
-            <a:ext cx="1659074" cy="1558289"/>
-          </a:xfrm>
-          <a:prstGeom prst="rect">
-            <a:avLst/>
-          </a:prstGeom>
-        </p:spPr>
-        <p:style>
-          <a:lnRef idx="2">
-            <a:schemeClr val="accent3">
-              <a:shade val="15000"/>
-            </a:schemeClr>
-          </a:lnRef>
-          <a:fillRef idx="1">
-            <a:schemeClr val="accent3"/>
-          </a:fillRef>
-          <a:effectRef idx="0">
-            <a:schemeClr val="accent3"/>
-          </a:effectRef>
-          <a:fontRef idx="minor">
-            <a:schemeClr val="lt1"/>
-          </a:fontRef>
-        </p:style>
-        <p:txBody>
-          <a:bodyPr rtlCol="0" anchor="ctr"/>
-          <a:lstStyle/>
-          <a:p>
-            <a:pPr algn="ctr"/>
-            <a:endParaRPr lang="ko-KR" altLang="en-US">
-              <a:ln w="0"/>
-              <a:solidFill>
-                <a:schemeClr val="tx1"/>
-              </a:solidFill>
-              <a:effectLst>
-                <a:outerShdw blurRad="38100" dist="19050" dir="2700000" algn="tl" rotWithShape="0">
-                  <a:schemeClr val="dk1">
-                    <a:alpha val="40000"/>
-                  </a:schemeClr>
-                </a:outerShdw>
-              </a:effectLst>
-            </a:endParaRPr>
-          </a:p>
-        </p:txBody>
-      </p:sp>
-      <p:sp>
-        <p:nvSpPr>
-          <p:cNvPr id="16" name="TextBox 15">
-            <a:extLst>
-              <a:ext uri="{FF2B5EF4-FFF2-40B4-BE49-F238E27FC236}">
-                <a16:creationId xmlns:a16="http://schemas.microsoft.com/office/drawing/2014/main" id="{CAA30F2B-0815-02B2-5DC7-E1E126AA4B9A}"/>
-              </a:ext>
-            </a:extLst>
-          </p:cNvPr>
-          <p:cNvSpPr txBox="1"/>
-          <p:nvPr/>
-        </p:nvSpPr>
-        <p:spPr>
-          <a:xfrm>
-            <a:off x="7160449" y="1003615"/>
-            <a:ext cx="3264562" cy="369332"/>
-          </a:xfrm>
-          <a:prstGeom prst="rect">
-            <a:avLst/>
-          </a:prstGeom>
-          <a:noFill/>
-        </p:spPr>
-        <p:txBody>
-          <a:bodyPr wrap="square" rtlCol="0">
-            <a:spAutoFit/>
-          </a:bodyPr>
-          <a:lstStyle/>
-          <a:p>
-            <a:r>
-              <a:rPr lang="en-US" altLang="ko-KR" dirty="0"/>
-              <a:t>NetworkWorker.cpp</a:t>
-            </a:r>
-            <a:endParaRPr lang="ko-KR" altLang="en-US" dirty="0"/>
-          </a:p>
-        </p:txBody>
-      </p:sp>
-      <p:sp>
-        <p:nvSpPr>
-          <p:cNvPr id="21" name="화살표: 아래쪽 20">
-            <a:extLst>
-              <a:ext uri="{FF2B5EF4-FFF2-40B4-BE49-F238E27FC236}">
-                <a16:creationId xmlns:a16="http://schemas.microsoft.com/office/drawing/2014/main" id="{81012537-A27F-D7AF-EB95-1E052A342086}"/>
-              </a:ext>
-            </a:extLst>
-          </p:cNvPr>
-          <p:cNvSpPr/>
-          <p:nvPr/>
-        </p:nvSpPr>
-        <p:spPr>
-          <a:xfrm rot="1808130">
-            <a:off x="8467348" y="2773664"/>
-            <a:ext cx="187931" cy="512336"/>
-          </a:xfrm>
-          <a:prstGeom prst="downArrow">
-            <a:avLst/>
-          </a:prstGeom>
-          <a:solidFill>
-            <a:schemeClr val="accent2"/>
-          </a:solidFill>
         </p:spPr>
         <p:style>
           <a:lnRef idx="2">
@@ -5539,10 +4432,10 @@
       </p:sp>
       <p:sp>
         <p:nvSpPr>
-          <p:cNvPr id="22" name="화살표: 아래쪽 21">
-            <a:extLst>
-              <a:ext uri="{FF2B5EF4-FFF2-40B4-BE49-F238E27FC236}">
-                <a16:creationId xmlns:a16="http://schemas.microsoft.com/office/drawing/2014/main" id="{6AD2F57D-7B8E-8361-35DF-FD675D69F3FF}"/>
+          <p:cNvPr id="8" name="직사각형 7">
+            <a:extLst>
+              <a:ext uri="{FF2B5EF4-FFF2-40B4-BE49-F238E27FC236}">
+                <a16:creationId xmlns:a16="http://schemas.microsoft.com/office/drawing/2014/main" id="{2163D001-445B-9345-991C-E92016C0D36D}"/>
               </a:ext>
             </a:extLst>
           </p:cNvPr>
@@ -5550,16 +4443,14 @@
           <p:nvPr/>
         </p:nvSpPr>
         <p:spPr>
-          <a:xfrm rot="20582036">
-            <a:off x="9731944" y="2727217"/>
-            <a:ext cx="187931" cy="554763"/>
-          </a:xfrm>
-          <a:prstGeom prst="downArrow">
-            <a:avLst/>
-          </a:prstGeom>
-          <a:solidFill>
-            <a:schemeClr val="accent2"/>
-          </a:solidFill>
+          <a:xfrm>
+            <a:off x="8839198" y="2170631"/>
+            <a:ext cx="2157813" cy="1623701"/>
+          </a:xfrm>
+          <a:prstGeom prst="rect">
+            <a:avLst/>
+          </a:prstGeom>
+          <a:noFill/>
         </p:spPr>
         <p:style>
           <a:lnRef idx="2">
@@ -5588,10 +4479,10 @@
       </p:sp>
       <p:sp>
         <p:nvSpPr>
-          <p:cNvPr id="23" name="직사각형 22">
-            <a:extLst>
-              <a:ext uri="{FF2B5EF4-FFF2-40B4-BE49-F238E27FC236}">
-                <a16:creationId xmlns:a16="http://schemas.microsoft.com/office/drawing/2014/main" id="{AC91C35E-60BA-CA16-E8BD-B2BD6EEDE34D}"/>
+          <p:cNvPr id="9" name="화살표: 오른쪽 8">
+            <a:extLst>
+              <a:ext uri="{FF2B5EF4-FFF2-40B4-BE49-F238E27FC236}">
+                <a16:creationId xmlns:a16="http://schemas.microsoft.com/office/drawing/2014/main" id="{668ACE08-53D4-7B47-ECD3-687F49C2B8BB}"/>
               </a:ext>
             </a:extLst>
           </p:cNvPr>
@@ -5600,13 +4491,18 @@
         </p:nvSpPr>
         <p:spPr>
           <a:xfrm>
-            <a:off x="7090843" y="1003615"/>
-            <a:ext cx="4260078" cy="3674627"/>
-          </a:xfrm>
-          <a:prstGeom prst="rect">
-            <a:avLst/>
-          </a:prstGeom>
-          <a:noFill/>
+            <a:off x="7627833" y="2697264"/>
+            <a:ext cx="645207" cy="503135"/>
+          </a:xfrm>
+          <a:prstGeom prst="rightArrow">
+            <a:avLst/>
+          </a:prstGeom>
+          <a:solidFill>
+            <a:schemeClr val="tx1">
+              <a:lumMod val="65000"/>
+              <a:lumOff val="35000"/>
+            </a:schemeClr>
+          </a:solidFill>
         </p:spPr>
         <p:style>
           <a:lnRef idx="2">
@@ -5635,56 +4531,10 @@
       </p:sp>
       <p:sp>
         <p:nvSpPr>
-          <p:cNvPr id="25" name="직사각형 24">
-            <a:extLst>
-              <a:ext uri="{FF2B5EF4-FFF2-40B4-BE49-F238E27FC236}">
-                <a16:creationId xmlns:a16="http://schemas.microsoft.com/office/drawing/2014/main" id="{FFACF0F6-41AE-1977-EEB8-9282590D3F10}"/>
-              </a:ext>
-            </a:extLst>
-          </p:cNvPr>
-          <p:cNvSpPr/>
-          <p:nvPr/>
-        </p:nvSpPr>
-        <p:spPr>
-          <a:xfrm>
-            <a:off x="9838006" y="3859548"/>
-            <a:ext cx="662298" cy="662298"/>
-          </a:xfrm>
-          <a:prstGeom prst="rect">
-            <a:avLst/>
-          </a:prstGeom>
-        </p:spPr>
-        <p:style>
-          <a:lnRef idx="2">
-            <a:schemeClr val="accent1">
-              <a:shade val="15000"/>
-            </a:schemeClr>
-          </a:lnRef>
-          <a:fillRef idx="1">
-            <a:schemeClr val="accent1"/>
-          </a:fillRef>
-          <a:effectRef idx="0">
-            <a:schemeClr val="accent1"/>
-          </a:effectRef>
-          <a:fontRef idx="minor">
-            <a:schemeClr val="lt1"/>
-          </a:fontRef>
-        </p:style>
-        <p:txBody>
-          <a:bodyPr rtlCol="0" anchor="ctr"/>
-          <a:lstStyle/>
-          <a:p>
-            <a:pPr algn="ctr"/>
-            <a:endParaRPr lang="ko-KR" altLang="en-US"/>
-          </a:p>
-        </p:txBody>
-      </p:sp>
-      <p:sp>
-        <p:nvSpPr>
-          <p:cNvPr id="26" name="TextBox 25">
-            <a:extLst>
-              <a:ext uri="{FF2B5EF4-FFF2-40B4-BE49-F238E27FC236}">
-                <a16:creationId xmlns:a16="http://schemas.microsoft.com/office/drawing/2014/main" id="{CED5AECC-6FEB-A265-4A04-DE56936616B8}"/>
+          <p:cNvPr id="10" name="TextBox 9">
+            <a:extLst>
+              <a:ext uri="{FF2B5EF4-FFF2-40B4-BE49-F238E27FC236}">
+                <a16:creationId xmlns:a16="http://schemas.microsoft.com/office/drawing/2014/main" id="{C68A174F-CCAB-5191-5E78-690DBF3CC25F}"/>
               </a:ext>
             </a:extLst>
           </p:cNvPr>
@@ -5693,172 +4543,8 @@
         </p:nvSpPr>
         <p:spPr>
           <a:xfrm>
-            <a:off x="9451945" y="3435656"/>
-            <a:ext cx="1764714" cy="369332"/>
-          </a:xfrm>
-          <a:prstGeom prst="rect">
-            <a:avLst/>
-          </a:prstGeom>
-          <a:noFill/>
-        </p:spPr>
-        <p:txBody>
-          <a:bodyPr wrap="square" rtlCol="0">
-            <a:spAutoFit/>
-          </a:bodyPr>
-          <a:lstStyle/>
-          <a:p>
-            <a:r>
-              <a:rPr lang="en-US" altLang="ko-KR" dirty="0"/>
-              <a:t>Receive Thread</a:t>
-            </a:r>
-            <a:endParaRPr lang="ko-KR" altLang="en-US" dirty="0"/>
-          </a:p>
-        </p:txBody>
-      </p:sp>
-      <p:sp>
-        <p:nvSpPr>
-          <p:cNvPr id="27" name="직사각형 26">
-            <a:extLst>
-              <a:ext uri="{FF2B5EF4-FFF2-40B4-BE49-F238E27FC236}">
-                <a16:creationId xmlns:a16="http://schemas.microsoft.com/office/drawing/2014/main" id="{60BE7913-6547-3443-6C3F-04C251C5A792}"/>
-              </a:ext>
-            </a:extLst>
-          </p:cNvPr>
-          <p:cNvSpPr/>
-          <p:nvPr/>
-        </p:nvSpPr>
-        <p:spPr>
-          <a:xfrm>
-            <a:off x="7638600" y="3774526"/>
-            <a:ext cx="662298" cy="662298"/>
-          </a:xfrm>
-          <a:prstGeom prst="rect">
-            <a:avLst/>
-          </a:prstGeom>
-        </p:spPr>
-        <p:style>
-          <a:lnRef idx="2">
-            <a:schemeClr val="accent1">
-              <a:shade val="15000"/>
-            </a:schemeClr>
-          </a:lnRef>
-          <a:fillRef idx="1">
-            <a:schemeClr val="accent1"/>
-          </a:fillRef>
-          <a:effectRef idx="0">
-            <a:schemeClr val="accent1"/>
-          </a:effectRef>
-          <a:fontRef idx="minor">
-            <a:schemeClr val="lt1"/>
-          </a:fontRef>
-        </p:style>
-        <p:txBody>
-          <a:bodyPr rtlCol="0" anchor="ctr"/>
-          <a:lstStyle/>
-          <a:p>
-            <a:pPr algn="ctr"/>
-            <a:endParaRPr lang="ko-KR" altLang="en-US"/>
-          </a:p>
-        </p:txBody>
-      </p:sp>
-      <p:sp>
-        <p:nvSpPr>
-          <p:cNvPr id="28" name="TextBox 27">
-            <a:extLst>
-              <a:ext uri="{FF2B5EF4-FFF2-40B4-BE49-F238E27FC236}">
-                <a16:creationId xmlns:a16="http://schemas.microsoft.com/office/drawing/2014/main" id="{3272ECDA-0C0A-3EB2-2ABA-01CFCC90C0BF}"/>
-              </a:ext>
-            </a:extLst>
-          </p:cNvPr>
-          <p:cNvSpPr txBox="1"/>
-          <p:nvPr/>
-        </p:nvSpPr>
-        <p:spPr>
-          <a:xfrm>
-            <a:off x="7303814" y="3332555"/>
-            <a:ext cx="1505477" cy="369332"/>
-          </a:xfrm>
-          <a:prstGeom prst="rect">
-            <a:avLst/>
-          </a:prstGeom>
-          <a:noFill/>
-        </p:spPr>
-        <p:txBody>
-          <a:bodyPr wrap="square" rtlCol="0">
-            <a:spAutoFit/>
-          </a:bodyPr>
-          <a:lstStyle/>
-          <a:p>
-            <a:r>
-              <a:rPr lang="en-US" altLang="ko-KR" dirty="0"/>
-              <a:t>Send Thread</a:t>
-            </a:r>
-            <a:endParaRPr lang="ko-KR" altLang="en-US" dirty="0"/>
-          </a:p>
-        </p:txBody>
-      </p:sp>
-      <p:sp>
-        <p:nvSpPr>
-          <p:cNvPr id="29" name="화살표: 아래쪽 28">
-            <a:extLst>
-              <a:ext uri="{FF2B5EF4-FFF2-40B4-BE49-F238E27FC236}">
-                <a16:creationId xmlns:a16="http://schemas.microsoft.com/office/drawing/2014/main" id="{0E128FEC-32DD-50DA-AAC9-E00E85A50DCA}"/>
-              </a:ext>
-            </a:extLst>
-          </p:cNvPr>
-          <p:cNvSpPr/>
-          <p:nvPr/>
-        </p:nvSpPr>
-        <p:spPr>
-          <a:xfrm rot="14671704">
-            <a:off x="6831405" y="3975157"/>
-            <a:ext cx="269193" cy="1182776"/>
-          </a:xfrm>
-          <a:prstGeom prst="downArrow">
-            <a:avLst/>
-          </a:prstGeom>
-        </p:spPr>
-        <p:style>
-          <a:lnRef idx="2">
-            <a:schemeClr val="accent2">
-              <a:shade val="15000"/>
-            </a:schemeClr>
-          </a:lnRef>
-          <a:fillRef idx="1">
-            <a:schemeClr val="accent2"/>
-          </a:fillRef>
-          <a:effectRef idx="0">
-            <a:schemeClr val="accent2"/>
-          </a:effectRef>
-          <a:fontRef idx="minor">
-            <a:schemeClr val="lt1"/>
-          </a:fontRef>
-        </p:style>
-        <p:txBody>
-          <a:bodyPr rtlCol="0" anchor="ctr"/>
-          <a:lstStyle/>
-          <a:p>
-            <a:pPr algn="ctr"/>
-            <a:endParaRPr lang="ko-KR" altLang="en-US"/>
-          </a:p>
-        </p:txBody>
-      </p:sp>
-      <p:sp>
-        <p:nvSpPr>
-          <p:cNvPr id="30" name="TextBox 29">
-            <a:extLst>
-              <a:ext uri="{FF2B5EF4-FFF2-40B4-BE49-F238E27FC236}">
-                <a16:creationId xmlns:a16="http://schemas.microsoft.com/office/drawing/2014/main" id="{9390EFD0-8F11-FE1A-FFDD-944940F4217A}"/>
-              </a:ext>
-            </a:extLst>
-          </p:cNvPr>
-          <p:cNvSpPr txBox="1"/>
-          <p:nvPr/>
-        </p:nvSpPr>
-        <p:spPr>
-          <a:xfrm>
-            <a:off x="6551530" y="5105040"/>
-            <a:ext cx="5218736" cy="523220"/>
+            <a:off x="1276010" y="2797815"/>
+            <a:ext cx="1342034" cy="369332"/>
           </a:xfrm>
           <a:prstGeom prst="rect">
             <a:avLst/>
@@ -5872,50 +4558,23 @@
           <a:lstStyle/>
           <a:p>
             <a:r>
-              <a:rPr lang="en-US" altLang="ko-KR" sz="1400" dirty="0"/>
-              <a:t>Send Thread</a:t>
-            </a:r>
-            <a:r>
-              <a:rPr lang="ko-KR" altLang="en-US" sz="1400" dirty="0"/>
-              <a:t>는 항상 패킷 </a:t>
-            </a:r>
-            <a:r>
-              <a:rPr lang="en-US" altLang="ko-KR" sz="1400" dirty="0"/>
-              <a:t>Queue</a:t>
-            </a:r>
-            <a:r>
-              <a:rPr lang="ko-KR" altLang="en-US" sz="1400" dirty="0"/>
-              <a:t>를 확인하여</a:t>
-            </a:r>
-            <a:r>
-              <a:rPr lang="en-US" altLang="ko-KR" sz="1400" dirty="0"/>
-              <a:t>, </a:t>
-            </a:r>
-            <a:r>
-              <a:rPr lang="ko-KR" altLang="en-US" sz="1400" dirty="0"/>
-              <a:t>패킷이 들어오면</a:t>
-            </a:r>
-            <a:endParaRPr lang="en-US" altLang="ko-KR" sz="1400" dirty="0"/>
-          </a:p>
-          <a:p>
-            <a:r>
-              <a:rPr lang="ko-KR" altLang="en-US" sz="1400" dirty="0"/>
-              <a:t>그것을 서버로 전송하는 일을 담당한다</a:t>
-            </a:r>
-            <a:r>
-              <a:rPr lang="en-US" altLang="ko-KR" sz="1400" dirty="0"/>
-              <a:t>.</a:t>
-            </a:r>
-            <a:endParaRPr lang="ko-KR" altLang="en-US" sz="1400" dirty="0"/>
-          </a:p>
-        </p:txBody>
-      </p:sp>
-      <p:sp>
-        <p:nvSpPr>
-          <p:cNvPr id="31" name="TextBox 30">
-            <a:extLst>
-              <a:ext uri="{FF2B5EF4-FFF2-40B4-BE49-F238E27FC236}">
-                <a16:creationId xmlns:a16="http://schemas.microsoft.com/office/drawing/2014/main" id="{22044196-5646-8948-4FE1-9E88330DBC04}"/>
+              <a:rPr lang="ko-KR" altLang="en-US" dirty="0"/>
+              <a:t>메인 </a:t>
+            </a:r>
+            <a:r>
+              <a:rPr lang="en-US" altLang="ko-KR" dirty="0"/>
+              <a:t>Scene</a:t>
+            </a:r>
+            <a:endParaRPr lang="ko-KR" altLang="en-US" dirty="0"/>
+          </a:p>
+        </p:txBody>
+      </p:sp>
+      <p:sp>
+        <p:nvSpPr>
+          <p:cNvPr id="11" name="TextBox 10">
+            <a:extLst>
+              <a:ext uri="{FF2B5EF4-FFF2-40B4-BE49-F238E27FC236}">
+                <a16:creationId xmlns:a16="http://schemas.microsoft.com/office/drawing/2014/main" id="{C3454663-2A2F-E510-8CFE-8DAD32A8444C}"/>
               </a:ext>
             </a:extLst>
           </p:cNvPr>
@@ -5924,8 +4583,8 @@
         </p:nvSpPr>
         <p:spPr>
           <a:xfrm>
-            <a:off x="403520" y="182674"/>
-            <a:ext cx="3331233" cy="461665"/>
+            <a:off x="5256213" y="2764165"/>
+            <a:ext cx="1342034" cy="369332"/>
           </a:xfrm>
           <a:prstGeom prst="rect">
             <a:avLst/>
@@ -5939,24 +4598,61 @@
           <a:lstStyle/>
           <a:p>
             <a:r>
-              <a:rPr lang="ko-KR" altLang="en-US" sz="2400" dirty="0"/>
-              <a:t>■ </a:t>
-            </a:r>
-            <a:r>
-              <a:rPr lang="en-US" altLang="ko-KR" sz="2400" dirty="0" err="1"/>
-              <a:t>SendWorker</a:t>
-            </a:r>
-            <a:r>
-              <a:rPr lang="ko-KR" altLang="en-US" sz="2400" dirty="0"/>
-              <a:t> 클래스</a:t>
-            </a:r>
+              <a:rPr lang="ko-KR" altLang="en-US"/>
+              <a:t>로비 </a:t>
+            </a:r>
+            <a:r>
+              <a:rPr lang="en-US" altLang="ko-KR" dirty="0"/>
+              <a:t>Scene</a:t>
+            </a:r>
+            <a:endParaRPr lang="ko-KR" altLang="en-US" dirty="0"/>
+          </a:p>
+        </p:txBody>
+      </p:sp>
+      <p:sp>
+        <p:nvSpPr>
+          <p:cNvPr id="12" name="TextBox 11">
+            <a:extLst>
+              <a:ext uri="{FF2B5EF4-FFF2-40B4-BE49-F238E27FC236}">
+                <a16:creationId xmlns:a16="http://schemas.microsoft.com/office/drawing/2014/main" id="{36D6B648-871D-05B3-103A-160EDB173678}"/>
+              </a:ext>
+            </a:extLst>
+          </p:cNvPr>
+          <p:cNvSpPr txBox="1"/>
+          <p:nvPr/>
+        </p:nvSpPr>
+        <p:spPr>
+          <a:xfrm>
+            <a:off x="9284131" y="2764165"/>
+            <a:ext cx="1342034" cy="369332"/>
+          </a:xfrm>
+          <a:prstGeom prst="rect">
+            <a:avLst/>
+          </a:prstGeom>
+          <a:noFill/>
+        </p:spPr>
+        <p:txBody>
+          <a:bodyPr wrap="none" rtlCol="0">
+            <a:spAutoFit/>
+          </a:bodyPr>
+          <a:lstStyle/>
+          <a:p>
+            <a:r>
+              <a:rPr lang="ko-KR" altLang="en-US" dirty="0"/>
+              <a:t>게임 </a:t>
+            </a:r>
+            <a:r>
+              <a:rPr lang="en-US" altLang="ko-KR" dirty="0"/>
+              <a:t>Scene</a:t>
+            </a:r>
+            <a:endParaRPr lang="ko-KR" altLang="en-US" dirty="0"/>
           </a:p>
         </p:txBody>
       </p:sp>
     </p:spTree>
     <p:extLst>
       <p:ext uri="{BB962C8B-B14F-4D97-AF65-F5344CB8AC3E}">
-        <p14:creationId xmlns:p14="http://schemas.microsoft.com/office/powerpoint/2010/main" val="2251407088"/>
+        <p14:creationId xmlns:p14="http://schemas.microsoft.com/office/powerpoint/2010/main" val="1434266758"/>
       </p:ext>
     </p:extLst>
   </p:cSld>
@@ -5985,49 +4681,10 @@
       </p:grpSpPr>
       <p:sp>
         <p:nvSpPr>
-          <p:cNvPr id="4" name="TextBox 3">
-            <a:extLst>
-              <a:ext uri="{FF2B5EF4-FFF2-40B4-BE49-F238E27FC236}">
-                <a16:creationId xmlns:a16="http://schemas.microsoft.com/office/drawing/2014/main" id="{17078CD1-7843-5937-314E-F0279C7CFA39}"/>
-              </a:ext>
-            </a:extLst>
-          </p:cNvPr>
-          <p:cNvSpPr txBox="1"/>
-          <p:nvPr/>
-        </p:nvSpPr>
-        <p:spPr>
-          <a:xfrm>
-            <a:off x="4742917" y="329013"/>
-            <a:ext cx="2069797" cy="461665"/>
-          </a:xfrm>
-          <a:prstGeom prst="rect">
-            <a:avLst/>
-          </a:prstGeom>
-          <a:noFill/>
-        </p:spPr>
-        <p:txBody>
-          <a:bodyPr wrap="none" rtlCol="0">
-            <a:spAutoFit/>
-          </a:bodyPr>
-          <a:lstStyle/>
-          <a:p>
-            <a:r>
-              <a:rPr lang="en-US" altLang="ko-KR" sz="2400" b="1" dirty="0"/>
-              <a:t>Scene </a:t>
-            </a:r>
-            <a:r>
-              <a:rPr lang="ko-KR" altLang="en-US" sz="2400" b="1" dirty="0"/>
-              <a:t>순서도</a:t>
-            </a:r>
-          </a:p>
-        </p:txBody>
-      </p:sp>
-      <p:sp>
-        <p:nvSpPr>
-          <p:cNvPr id="5" name="직사각형 4">
-            <a:extLst>
-              <a:ext uri="{FF2B5EF4-FFF2-40B4-BE49-F238E27FC236}">
-                <a16:creationId xmlns:a16="http://schemas.microsoft.com/office/drawing/2014/main" id="{F90187A2-46D6-9769-9F34-24CD3022A5D5}"/>
+          <p:cNvPr id="4" name="직사각형 3">
+            <a:extLst>
+              <a:ext uri="{FF2B5EF4-FFF2-40B4-BE49-F238E27FC236}">
+                <a16:creationId xmlns:a16="http://schemas.microsoft.com/office/drawing/2014/main" id="{0181248A-C6E9-75C7-FC21-2E7A8CABC922}"/>
               </a:ext>
             </a:extLst>
           </p:cNvPr>
@@ -6036,8 +4693,8 @@
         </p:nvSpPr>
         <p:spPr>
           <a:xfrm>
-            <a:off x="858852" y="2170631"/>
-            <a:ext cx="2157813" cy="1623701"/>
+            <a:off x="681212" y="1574684"/>
+            <a:ext cx="4819828" cy="3097851"/>
           </a:xfrm>
           <a:prstGeom prst="rect">
             <a:avLst/>
@@ -6071,10 +4728,10 @@
       </p:sp>
       <p:sp>
         <p:nvSpPr>
-          <p:cNvPr id="6" name="화살표: 오른쪽 5">
-            <a:extLst>
-              <a:ext uri="{FF2B5EF4-FFF2-40B4-BE49-F238E27FC236}">
-                <a16:creationId xmlns:a16="http://schemas.microsoft.com/office/drawing/2014/main" id="{F657380D-4097-99F2-D5BA-1D9B3897D31A}"/>
+          <p:cNvPr id="5" name="직사각형 4">
+            <a:extLst>
+              <a:ext uri="{FF2B5EF4-FFF2-40B4-BE49-F238E27FC236}">
+                <a16:creationId xmlns:a16="http://schemas.microsoft.com/office/drawing/2014/main" id="{0DA48FF7-F595-F904-CEA4-D4B03E0E950F}"/>
               </a:ext>
             </a:extLst>
           </p:cNvPr>
@@ -6083,18 +4740,12 @@
         </p:nvSpPr>
         <p:spPr>
           <a:xfrm>
-            <a:off x="3599915" y="2697265"/>
-            <a:ext cx="645207" cy="503135"/>
-          </a:xfrm>
-          <a:prstGeom prst="rightArrow">
-            <a:avLst/>
-          </a:prstGeom>
-          <a:solidFill>
-            <a:schemeClr val="tx1">
-              <a:lumMod val="65000"/>
-              <a:lumOff val="35000"/>
-            </a:schemeClr>
-          </a:solidFill>
+            <a:off x="2223724" y="2775369"/>
+            <a:ext cx="978216" cy="518164"/>
+          </a:xfrm>
+          <a:prstGeom prst="rect">
+            <a:avLst/>
+          </a:prstGeom>
         </p:spPr>
         <p:style>
           <a:lnRef idx="2">
@@ -6123,10 +4774,10 @@
       </p:sp>
       <p:sp>
         <p:nvSpPr>
-          <p:cNvPr id="7" name="직사각형 6">
-            <a:extLst>
-              <a:ext uri="{FF2B5EF4-FFF2-40B4-BE49-F238E27FC236}">
-                <a16:creationId xmlns:a16="http://schemas.microsoft.com/office/drawing/2014/main" id="{113454C9-EC75-7CA6-68F5-9810EA47A72A}"/>
+          <p:cNvPr id="6" name="타원 5">
+            <a:extLst>
+              <a:ext uri="{FF2B5EF4-FFF2-40B4-BE49-F238E27FC236}">
+                <a16:creationId xmlns:a16="http://schemas.microsoft.com/office/drawing/2014/main" id="{3D6E334A-2A3C-86C7-33AF-C839710579A2}"/>
               </a:ext>
             </a:extLst>
           </p:cNvPr>
@@ -6135,13 +4786,12 @@
         </p:nvSpPr>
         <p:spPr>
           <a:xfrm>
-            <a:off x="4828372" y="2170631"/>
-            <a:ext cx="2157813" cy="1623701"/>
-          </a:xfrm>
-          <a:prstGeom prst="rect">
-            <a:avLst/>
-          </a:prstGeom>
-          <a:noFill/>
+            <a:off x="2505735" y="3484670"/>
+            <a:ext cx="363199" cy="437049"/>
+          </a:xfrm>
+          <a:prstGeom prst="ellipse">
+            <a:avLst/>
+          </a:prstGeom>
         </p:spPr>
         <p:style>
           <a:lnRef idx="2">
@@ -6170,10 +4820,54 @@
       </p:sp>
       <p:sp>
         <p:nvSpPr>
+          <p:cNvPr id="7" name="TextBox 6">
+            <a:extLst>
+              <a:ext uri="{FF2B5EF4-FFF2-40B4-BE49-F238E27FC236}">
+                <a16:creationId xmlns:a16="http://schemas.microsoft.com/office/drawing/2014/main" id="{76C43E77-CA02-DB17-C071-93A7489CA287}"/>
+              </a:ext>
+            </a:extLst>
+          </p:cNvPr>
+          <p:cNvSpPr txBox="1"/>
+          <p:nvPr/>
+        </p:nvSpPr>
+        <p:spPr>
+          <a:xfrm>
+            <a:off x="3346026" y="2821774"/>
+            <a:ext cx="1590500" cy="369332"/>
+          </a:xfrm>
+          <a:prstGeom prst="rect">
+            <a:avLst/>
+          </a:prstGeom>
+          <a:noFill/>
+        </p:spPr>
+        <p:txBody>
+          <a:bodyPr wrap="none" rtlCol="0">
+            <a:spAutoFit/>
+          </a:bodyPr>
+          <a:lstStyle/>
+          <a:p>
+            <a:r>
+              <a:rPr lang="en-US" altLang="ko-KR" dirty="0"/>
+              <a:t>E</a:t>
+            </a:r>
+            <a:r>
+              <a:rPr lang="ko-KR" altLang="en-US" dirty="0"/>
+              <a:t>키를 누른다</a:t>
+            </a:r>
+            <a:r>
+              <a:rPr lang="en-US" altLang="ko-KR" dirty="0"/>
+              <a:t>.</a:t>
+            </a:r>
+            <a:endParaRPr lang="ko-KR" altLang="en-US" dirty="0"/>
+          </a:p>
+        </p:txBody>
+      </p:sp>
+      <p:sp>
+        <p:nvSpPr>
           <p:cNvPr id="8" name="직사각형 7">
             <a:extLst>
               <a:ext uri="{FF2B5EF4-FFF2-40B4-BE49-F238E27FC236}">
-                <a16:creationId xmlns:a16="http://schemas.microsoft.com/office/drawing/2014/main" id="{2163D001-445B-9345-991C-E92016C0D36D}"/>
+                <a16:creationId xmlns:a16="http://schemas.microsoft.com/office/drawing/2014/main" id="{4B7B406C-2626-2D93-DF66-105D842565B9}"/>
               </a:ext>
             </a:extLst>
           </p:cNvPr>
@@ -6182,8 +4876,103 @@
         </p:nvSpPr>
         <p:spPr>
           <a:xfrm>
-            <a:off x="8839198" y="2170631"/>
-            <a:ext cx="2157813" cy="1623701"/>
+            <a:off x="847875" y="1813968"/>
+            <a:ext cx="3448206" cy="196554"/>
+          </a:xfrm>
+          <a:prstGeom prst="rect">
+            <a:avLst/>
+          </a:prstGeom>
+          <a:solidFill>
+            <a:schemeClr val="bg1"/>
+          </a:solidFill>
+        </p:spPr>
+        <p:style>
+          <a:lnRef idx="2">
+            <a:schemeClr val="accent2">
+              <a:shade val="15000"/>
+            </a:schemeClr>
+          </a:lnRef>
+          <a:fillRef idx="1">
+            <a:schemeClr val="accent2"/>
+          </a:fillRef>
+          <a:effectRef idx="0">
+            <a:schemeClr val="accent2"/>
+          </a:effectRef>
+          <a:fontRef idx="minor">
+            <a:schemeClr val="lt1"/>
+          </a:fontRef>
+        </p:style>
+        <p:txBody>
+          <a:bodyPr rtlCol="0" anchor="ctr"/>
+          <a:lstStyle/>
+          <a:p>
+            <a:pPr algn="ctr"/>
+            <a:endParaRPr lang="ko-KR" altLang="en-US" dirty="0"/>
+          </a:p>
+        </p:txBody>
+      </p:sp>
+      <p:sp>
+        <p:nvSpPr>
+          <p:cNvPr id="9" name="직사각형 8">
+            <a:extLst>
+              <a:ext uri="{FF2B5EF4-FFF2-40B4-BE49-F238E27FC236}">
+                <a16:creationId xmlns:a16="http://schemas.microsoft.com/office/drawing/2014/main" id="{A4283FC3-4910-36CA-2126-BCC067058EBC}"/>
+              </a:ext>
+            </a:extLst>
+          </p:cNvPr>
+          <p:cNvSpPr/>
+          <p:nvPr/>
+        </p:nvSpPr>
+        <p:spPr>
+          <a:xfrm>
+            <a:off x="847876" y="1813968"/>
+            <a:ext cx="45719" cy="196554"/>
+          </a:xfrm>
+          <a:prstGeom prst="rect">
+            <a:avLst/>
+          </a:prstGeom>
+        </p:spPr>
+        <p:style>
+          <a:lnRef idx="2">
+            <a:schemeClr val="accent2">
+              <a:shade val="15000"/>
+            </a:schemeClr>
+          </a:lnRef>
+          <a:fillRef idx="1">
+            <a:schemeClr val="accent2"/>
+          </a:fillRef>
+          <a:effectRef idx="0">
+            <a:schemeClr val="accent2"/>
+          </a:effectRef>
+          <a:fontRef idx="minor">
+            <a:schemeClr val="lt1"/>
+          </a:fontRef>
+        </p:style>
+        <p:txBody>
+          <a:bodyPr rtlCol="0" anchor="ctr"/>
+          <a:lstStyle/>
+          <a:p>
+            <a:pPr algn="ctr"/>
+            <a:endParaRPr lang="ko-KR" altLang="en-US" dirty="0"/>
+          </a:p>
+        </p:txBody>
+      </p:sp>
+      <p:sp>
+        <p:nvSpPr>
+          <p:cNvPr id="15" name="직사각형 14">
+            <a:extLst>
+              <a:ext uri="{FF2B5EF4-FFF2-40B4-BE49-F238E27FC236}">
+                <a16:creationId xmlns:a16="http://schemas.microsoft.com/office/drawing/2014/main" id="{2215E174-D468-AFA2-478B-A91AB4628141}"/>
+              </a:ext>
+            </a:extLst>
+          </p:cNvPr>
+          <p:cNvSpPr/>
+          <p:nvPr/>
+        </p:nvSpPr>
+        <p:spPr>
+          <a:xfrm>
+            <a:off x="6516565" y="1574684"/>
+            <a:ext cx="4819828" cy="3097851"/>
           </a:xfrm>
           <a:prstGeom prst="rect">
             <a:avLst/>
@@ -6217,10 +5006,10 @@
       </p:sp>
       <p:sp>
         <p:nvSpPr>
-          <p:cNvPr id="9" name="화살표: 오른쪽 8">
-            <a:extLst>
-              <a:ext uri="{FF2B5EF4-FFF2-40B4-BE49-F238E27FC236}">
-                <a16:creationId xmlns:a16="http://schemas.microsoft.com/office/drawing/2014/main" id="{668ACE08-53D4-7B47-ECD3-687F49C2B8BB}"/>
+          <p:cNvPr id="16" name="직사각형 15">
+            <a:extLst>
+              <a:ext uri="{FF2B5EF4-FFF2-40B4-BE49-F238E27FC236}">
+                <a16:creationId xmlns:a16="http://schemas.microsoft.com/office/drawing/2014/main" id="{611F50D2-DFA9-B3C3-A296-C43B42E2BF4F}"/>
               </a:ext>
             </a:extLst>
           </p:cNvPr>
@@ -6229,18 +5018,12 @@
         </p:nvSpPr>
         <p:spPr>
           <a:xfrm>
-            <a:off x="7627833" y="2697264"/>
-            <a:ext cx="645207" cy="503135"/>
-          </a:xfrm>
-          <a:prstGeom prst="rightArrow">
-            <a:avLst/>
-          </a:prstGeom>
-          <a:solidFill>
-            <a:schemeClr val="tx1">
-              <a:lumMod val="65000"/>
-              <a:lumOff val="35000"/>
-            </a:schemeClr>
-          </a:solidFill>
+            <a:off x="8059077" y="2775369"/>
+            <a:ext cx="978216" cy="518164"/>
+          </a:xfrm>
+          <a:prstGeom prst="rect">
+            <a:avLst/>
+          </a:prstGeom>
         </p:spPr>
         <p:style>
           <a:lnRef idx="2">
@@ -6269,10 +5052,151 @@
       </p:sp>
       <p:sp>
         <p:nvSpPr>
-          <p:cNvPr id="10" name="TextBox 9">
-            <a:extLst>
-              <a:ext uri="{FF2B5EF4-FFF2-40B4-BE49-F238E27FC236}">
-                <a16:creationId xmlns:a16="http://schemas.microsoft.com/office/drawing/2014/main" id="{C68A174F-CCAB-5191-5E78-690DBF3CC25F}"/>
+          <p:cNvPr id="17" name="타원 16">
+            <a:extLst>
+              <a:ext uri="{FF2B5EF4-FFF2-40B4-BE49-F238E27FC236}">
+                <a16:creationId xmlns:a16="http://schemas.microsoft.com/office/drawing/2014/main" id="{BE02BC19-C6B8-AD91-739E-188DCDFDB77C}"/>
+              </a:ext>
+            </a:extLst>
+          </p:cNvPr>
+          <p:cNvSpPr/>
+          <p:nvPr/>
+        </p:nvSpPr>
+        <p:spPr>
+          <a:xfrm>
+            <a:off x="8288002" y="3484670"/>
+            <a:ext cx="363199" cy="437049"/>
+          </a:xfrm>
+          <a:prstGeom prst="ellipse">
+            <a:avLst/>
+          </a:prstGeom>
+        </p:spPr>
+        <p:style>
+          <a:lnRef idx="2">
+            <a:schemeClr val="accent1">
+              <a:shade val="15000"/>
+            </a:schemeClr>
+          </a:lnRef>
+          <a:fillRef idx="1">
+            <a:schemeClr val="accent1"/>
+          </a:fillRef>
+          <a:effectRef idx="0">
+            <a:schemeClr val="accent1"/>
+          </a:effectRef>
+          <a:fontRef idx="minor">
+            <a:schemeClr val="lt1"/>
+          </a:fontRef>
+        </p:style>
+        <p:txBody>
+          <a:bodyPr rtlCol="0" anchor="ctr"/>
+          <a:lstStyle/>
+          <a:p>
+            <a:pPr algn="ctr"/>
+            <a:endParaRPr lang="ko-KR" altLang="en-US"/>
+          </a:p>
+        </p:txBody>
+      </p:sp>
+      <p:sp>
+        <p:nvSpPr>
+          <p:cNvPr id="18" name="직사각형 17">
+            <a:extLst>
+              <a:ext uri="{FF2B5EF4-FFF2-40B4-BE49-F238E27FC236}">
+                <a16:creationId xmlns:a16="http://schemas.microsoft.com/office/drawing/2014/main" id="{6B3B2245-F8E3-5A08-C52E-6FA374EEA9F1}"/>
+              </a:ext>
+            </a:extLst>
+          </p:cNvPr>
+          <p:cNvSpPr/>
+          <p:nvPr/>
+        </p:nvSpPr>
+        <p:spPr>
+          <a:xfrm>
+            <a:off x="6683228" y="1813968"/>
+            <a:ext cx="3448206" cy="196554"/>
+          </a:xfrm>
+          <a:prstGeom prst="rect">
+            <a:avLst/>
+          </a:prstGeom>
+          <a:solidFill>
+            <a:schemeClr val="bg1"/>
+          </a:solidFill>
+        </p:spPr>
+        <p:style>
+          <a:lnRef idx="2">
+            <a:schemeClr val="accent2">
+              <a:shade val="15000"/>
+            </a:schemeClr>
+          </a:lnRef>
+          <a:fillRef idx="1">
+            <a:schemeClr val="accent2"/>
+          </a:fillRef>
+          <a:effectRef idx="0">
+            <a:schemeClr val="accent2"/>
+          </a:effectRef>
+          <a:fontRef idx="minor">
+            <a:schemeClr val="lt1"/>
+          </a:fontRef>
+        </p:style>
+        <p:txBody>
+          <a:bodyPr rtlCol="0" anchor="ctr"/>
+          <a:lstStyle/>
+          <a:p>
+            <a:pPr algn="ctr"/>
+            <a:endParaRPr lang="ko-KR" altLang="en-US" dirty="0"/>
+          </a:p>
+        </p:txBody>
+      </p:sp>
+      <p:sp>
+        <p:nvSpPr>
+          <p:cNvPr id="19" name="직사각형 18">
+            <a:extLst>
+              <a:ext uri="{FF2B5EF4-FFF2-40B4-BE49-F238E27FC236}">
+                <a16:creationId xmlns:a16="http://schemas.microsoft.com/office/drawing/2014/main" id="{191CAA87-6C89-B4A0-30A5-9CA2935CE91B}"/>
+              </a:ext>
+            </a:extLst>
+          </p:cNvPr>
+          <p:cNvSpPr/>
+          <p:nvPr/>
+        </p:nvSpPr>
+        <p:spPr>
+          <a:xfrm>
+            <a:off x="6683229" y="1813968"/>
+            <a:ext cx="52004" cy="196554"/>
+          </a:xfrm>
+          <a:prstGeom prst="rect">
+            <a:avLst/>
+          </a:prstGeom>
+        </p:spPr>
+        <p:style>
+          <a:lnRef idx="2">
+            <a:schemeClr val="accent2">
+              <a:shade val="15000"/>
+            </a:schemeClr>
+          </a:lnRef>
+          <a:fillRef idx="1">
+            <a:schemeClr val="accent2"/>
+          </a:fillRef>
+          <a:effectRef idx="0">
+            <a:schemeClr val="accent2"/>
+          </a:effectRef>
+          <a:fontRef idx="minor">
+            <a:schemeClr val="lt1"/>
+          </a:fontRef>
+        </p:style>
+        <p:txBody>
+          <a:bodyPr rtlCol="0" anchor="ctr"/>
+          <a:lstStyle/>
+          <a:p>
+            <a:pPr algn="ctr"/>
+            <a:endParaRPr lang="ko-KR" altLang="en-US" dirty="0"/>
+          </a:p>
+        </p:txBody>
+      </p:sp>
+      <p:sp>
+        <p:nvSpPr>
+          <p:cNvPr id="20" name="TextBox 19">
+            <a:extLst>
+              <a:ext uri="{FF2B5EF4-FFF2-40B4-BE49-F238E27FC236}">
+                <a16:creationId xmlns:a16="http://schemas.microsoft.com/office/drawing/2014/main" id="{F983C0F3-F97F-860C-41DD-EBA975809F2C}"/>
               </a:ext>
             </a:extLst>
           </p:cNvPr>
@@ -6281,8 +5205,8 @@
         </p:nvSpPr>
         <p:spPr>
           <a:xfrm>
-            <a:off x="1276010" y="2797815"/>
-            <a:ext cx="1342034" cy="369332"/>
+            <a:off x="2597335" y="1121100"/>
+            <a:ext cx="877163" cy="369332"/>
           </a:xfrm>
           <a:prstGeom prst="rect">
             <a:avLst/>
@@ -6296,23 +5220,18 @@
           <a:lstStyle/>
           <a:p>
             <a:r>
-              <a:rPr lang="ko-KR" altLang="en-US" dirty="0"/>
-              <a:t>메인 </a:t>
-            </a:r>
-            <a:r>
-              <a:rPr lang="en-US" altLang="ko-KR" dirty="0"/>
-              <a:t>Scene</a:t>
-            </a:r>
-            <a:endParaRPr lang="ko-KR" altLang="en-US" dirty="0"/>
-          </a:p>
-        </p:txBody>
-      </p:sp>
-      <p:sp>
-        <p:nvSpPr>
-          <p:cNvPr id="11" name="TextBox 10">
-            <a:extLst>
-              <a:ext uri="{FF2B5EF4-FFF2-40B4-BE49-F238E27FC236}">
-                <a16:creationId xmlns:a16="http://schemas.microsoft.com/office/drawing/2014/main" id="{C3454663-2A2F-E510-8CFE-8DAD32A8444C}"/>
+              <a:rPr lang="ko-KR" altLang="en-US"/>
+              <a:t>광신도</a:t>
+            </a:r>
+          </a:p>
+        </p:txBody>
+      </p:sp>
+      <p:sp>
+        <p:nvSpPr>
+          <p:cNvPr id="21" name="TextBox 20">
+            <a:extLst>
+              <a:ext uri="{FF2B5EF4-FFF2-40B4-BE49-F238E27FC236}">
+                <a16:creationId xmlns:a16="http://schemas.microsoft.com/office/drawing/2014/main" id="{B895D88C-A4A7-A25B-1F03-1CF44BEA2BF9}"/>
               </a:ext>
             </a:extLst>
           </p:cNvPr>
@@ -6321,8 +5240,8 @@
         </p:nvSpPr>
         <p:spPr>
           <a:xfrm>
-            <a:off x="5256213" y="2764165"/>
-            <a:ext cx="1342034" cy="369332"/>
+            <a:off x="8328036" y="1049121"/>
+            <a:ext cx="646331" cy="369332"/>
           </a:xfrm>
           <a:prstGeom prst="rect">
             <a:avLst/>
@@ -6336,23 +5255,64 @@
           <a:lstStyle/>
           <a:p>
             <a:r>
-              <a:rPr lang="ko-KR" altLang="en-US"/>
-              <a:t>로비 </a:t>
-            </a:r>
-            <a:r>
-              <a:rPr lang="en-US" altLang="ko-KR" dirty="0"/>
-              <a:t>Scene</a:t>
-            </a:r>
-            <a:endParaRPr lang="ko-KR" altLang="en-US" dirty="0"/>
-          </a:p>
-        </p:txBody>
-      </p:sp>
-      <p:sp>
-        <p:nvSpPr>
-          <p:cNvPr id="12" name="TextBox 11">
-            <a:extLst>
-              <a:ext uri="{FF2B5EF4-FFF2-40B4-BE49-F238E27FC236}">
-                <a16:creationId xmlns:a16="http://schemas.microsoft.com/office/drawing/2014/main" id="{36D6B648-871D-05B3-103A-160EDB173678}"/>
+              <a:rPr lang="ko-KR" altLang="en-US" dirty="0"/>
+              <a:t>경찰</a:t>
+            </a:r>
+          </a:p>
+        </p:txBody>
+      </p:sp>
+      <p:sp>
+        <p:nvSpPr>
+          <p:cNvPr id="22" name="직사각형 21">
+            <a:extLst>
+              <a:ext uri="{FF2B5EF4-FFF2-40B4-BE49-F238E27FC236}">
+                <a16:creationId xmlns:a16="http://schemas.microsoft.com/office/drawing/2014/main" id="{C8F59740-43B2-BD6B-57ED-DE86704CF1C7}"/>
+              </a:ext>
+            </a:extLst>
+          </p:cNvPr>
+          <p:cNvSpPr/>
+          <p:nvPr/>
+        </p:nvSpPr>
+        <p:spPr>
+          <a:xfrm>
+            <a:off x="5419008" y="5405372"/>
+            <a:ext cx="1158127" cy="998433"/>
+          </a:xfrm>
+          <a:prstGeom prst="rect">
+            <a:avLst/>
+          </a:prstGeom>
+        </p:spPr>
+        <p:style>
+          <a:lnRef idx="2">
+            <a:schemeClr val="accent1">
+              <a:shade val="15000"/>
+            </a:schemeClr>
+          </a:lnRef>
+          <a:fillRef idx="1">
+            <a:schemeClr val="accent1"/>
+          </a:fillRef>
+          <a:effectRef idx="0">
+            <a:schemeClr val="accent1"/>
+          </a:effectRef>
+          <a:fontRef idx="minor">
+            <a:schemeClr val="lt1"/>
+          </a:fontRef>
+        </p:style>
+        <p:txBody>
+          <a:bodyPr rtlCol="0" anchor="ctr"/>
+          <a:lstStyle/>
+          <a:p>
+            <a:pPr algn="ctr"/>
+            <a:endParaRPr lang="ko-KR" altLang="en-US"/>
+          </a:p>
+        </p:txBody>
+      </p:sp>
+      <p:sp>
+        <p:nvSpPr>
+          <p:cNvPr id="23" name="TextBox 22">
+            <a:extLst>
+              <a:ext uri="{FF2B5EF4-FFF2-40B4-BE49-F238E27FC236}">
+                <a16:creationId xmlns:a16="http://schemas.microsoft.com/office/drawing/2014/main" id="{00F2911A-49A6-003C-AB72-129B974C5DFA}"/>
               </a:ext>
             </a:extLst>
           </p:cNvPr>
@@ -6361,8 +5321,8 @@
         </p:nvSpPr>
         <p:spPr>
           <a:xfrm>
-            <a:off x="9284131" y="2764165"/>
-            <a:ext cx="1342034" cy="369332"/>
+            <a:off x="5680500" y="6458757"/>
+            <a:ext cx="646331" cy="369332"/>
           </a:xfrm>
           <a:prstGeom prst="rect">
             <a:avLst/>
@@ -6377,11 +5337,197 @@
           <a:p>
             <a:r>
               <a:rPr lang="ko-KR" altLang="en-US" dirty="0"/>
-              <a:t>게임 </a:t>
+              <a:t>서버</a:t>
+            </a:r>
+          </a:p>
+        </p:txBody>
+      </p:sp>
+      <p:cxnSp>
+        <p:nvCxnSpPr>
+          <p:cNvPr id="25" name="직선 화살표 연결선 24">
+            <a:extLst>
+              <a:ext uri="{FF2B5EF4-FFF2-40B4-BE49-F238E27FC236}">
+                <a16:creationId xmlns:a16="http://schemas.microsoft.com/office/drawing/2014/main" id="{41C69A43-271C-AA7A-4F34-93B72725CA55}"/>
+              </a:ext>
+            </a:extLst>
+          </p:cNvPr>
+          <p:cNvCxnSpPr>
+            <a:cxnSpLocks/>
+          </p:cNvCxnSpPr>
+          <p:nvPr/>
+        </p:nvCxnSpPr>
+        <p:spPr>
+          <a:xfrm>
+            <a:off x="3249657" y="3318029"/>
+            <a:ext cx="1919840" cy="1825949"/>
+          </a:xfrm>
+          <a:prstGeom prst="straightConnector1">
+            <a:avLst/>
+          </a:prstGeom>
+          <a:ln>
+            <a:tailEnd type="triangle"/>
+          </a:ln>
+        </p:spPr>
+        <p:style>
+          <a:lnRef idx="1">
+            <a:schemeClr val="accent1"/>
+          </a:lnRef>
+          <a:fillRef idx="0">
+            <a:schemeClr val="accent1"/>
+          </a:fillRef>
+          <a:effectRef idx="0">
+            <a:schemeClr val="accent1"/>
+          </a:effectRef>
+          <a:fontRef idx="minor">
+            <a:schemeClr val="tx1"/>
+          </a:fontRef>
+        </p:style>
+      </p:cxnSp>
+      <p:sp>
+        <p:nvSpPr>
+          <p:cNvPr id="30" name="타원 29">
+            <a:extLst>
+              <a:ext uri="{FF2B5EF4-FFF2-40B4-BE49-F238E27FC236}">
+                <a16:creationId xmlns:a16="http://schemas.microsoft.com/office/drawing/2014/main" id="{77E6E299-1D27-EDAA-147D-06A973F32B6C}"/>
+              </a:ext>
+            </a:extLst>
+          </p:cNvPr>
+          <p:cNvSpPr/>
+          <p:nvPr/>
+        </p:nvSpPr>
+        <p:spPr>
+          <a:xfrm>
+            <a:off x="9998269" y="3531237"/>
+            <a:ext cx="363199" cy="437049"/>
+          </a:xfrm>
+          <a:prstGeom prst="ellipse">
+            <a:avLst/>
+          </a:prstGeom>
+          <a:solidFill>
+            <a:srgbClr val="FFC000"/>
+          </a:solidFill>
+        </p:spPr>
+        <p:style>
+          <a:lnRef idx="2">
+            <a:schemeClr val="accent1">
+              <a:shade val="15000"/>
+            </a:schemeClr>
+          </a:lnRef>
+          <a:fillRef idx="1">
+            <a:schemeClr val="accent1"/>
+          </a:fillRef>
+          <a:effectRef idx="0">
+            <a:schemeClr val="accent1"/>
+          </a:effectRef>
+          <a:fontRef idx="minor">
+            <a:schemeClr val="lt1"/>
+          </a:fontRef>
+        </p:style>
+        <p:txBody>
+          <a:bodyPr rtlCol="0" anchor="ctr"/>
+          <a:lstStyle/>
+          <a:p>
+            <a:pPr algn="ctr"/>
+            <a:endParaRPr lang="ko-KR" altLang="en-US"/>
+          </a:p>
+        </p:txBody>
+      </p:sp>
+      <p:sp>
+        <p:nvSpPr>
+          <p:cNvPr id="31" name="타원 30">
+            <a:extLst>
+              <a:ext uri="{FF2B5EF4-FFF2-40B4-BE49-F238E27FC236}">
+                <a16:creationId xmlns:a16="http://schemas.microsoft.com/office/drawing/2014/main" id="{E25E4577-2BD0-5F7B-049A-04D94E75AA6F}"/>
+              </a:ext>
+            </a:extLst>
+          </p:cNvPr>
+          <p:cNvSpPr/>
+          <p:nvPr/>
+        </p:nvSpPr>
+        <p:spPr>
+          <a:xfrm>
+            <a:off x="4262572" y="3531237"/>
+            <a:ext cx="363199" cy="437049"/>
+          </a:xfrm>
+          <a:prstGeom prst="ellipse">
+            <a:avLst/>
+          </a:prstGeom>
+          <a:solidFill>
+            <a:srgbClr val="FFC000"/>
+          </a:solidFill>
+        </p:spPr>
+        <p:style>
+          <a:lnRef idx="2">
+            <a:schemeClr val="accent1">
+              <a:shade val="15000"/>
+            </a:schemeClr>
+          </a:lnRef>
+          <a:fillRef idx="1">
+            <a:schemeClr val="accent1"/>
+          </a:fillRef>
+          <a:effectRef idx="0">
+            <a:schemeClr val="accent1"/>
+          </a:effectRef>
+          <a:fontRef idx="minor">
+            <a:schemeClr val="lt1"/>
+          </a:fontRef>
+        </p:style>
+        <p:txBody>
+          <a:bodyPr rtlCol="0" anchor="ctr"/>
+          <a:lstStyle/>
+          <a:p>
+            <a:pPr algn="ctr"/>
+            <a:endParaRPr lang="ko-KR" altLang="en-US"/>
+          </a:p>
+        </p:txBody>
+      </p:sp>
+      <p:sp>
+        <p:nvSpPr>
+          <p:cNvPr id="2" name="TextBox 1">
+            <a:extLst>
+              <a:ext uri="{FF2B5EF4-FFF2-40B4-BE49-F238E27FC236}">
+                <a16:creationId xmlns:a16="http://schemas.microsoft.com/office/drawing/2014/main" id="{861BAF82-7492-002F-A084-400913D9A870}"/>
+              </a:ext>
+            </a:extLst>
+          </p:cNvPr>
+          <p:cNvSpPr txBox="1"/>
+          <p:nvPr/>
+        </p:nvSpPr>
+        <p:spPr>
+          <a:xfrm>
+            <a:off x="352373" y="346142"/>
+            <a:ext cx="4701928" cy="369332"/>
+          </a:xfrm>
+          <a:prstGeom prst="rect">
+            <a:avLst/>
+          </a:prstGeom>
+          <a:noFill/>
+        </p:spPr>
+        <p:txBody>
+          <a:bodyPr wrap="none" rtlCol="0">
+            <a:spAutoFit/>
+          </a:bodyPr>
+          <a:lstStyle/>
+          <a:p>
+            <a:r>
+              <a:rPr lang="ko-KR" altLang="en-US" dirty="0"/>
+              <a:t>목표</a:t>
             </a:r>
             <a:r>
               <a:rPr lang="en-US" altLang="ko-KR" dirty="0"/>
-              <a:t>Scene</a:t>
+              <a:t>: </a:t>
+            </a:r>
+            <a:r>
+              <a:rPr lang="ko-KR" altLang="en-US" dirty="0"/>
+              <a:t>의식의 진행도를 </a:t>
+            </a:r>
+            <a:r>
+              <a:rPr lang="ko-KR" altLang="en-US" dirty="0" err="1"/>
+              <a:t>브로드캐스팅한다</a:t>
+            </a:r>
+            <a:r>
+              <a:rPr lang="en-US" altLang="ko-KR" dirty="0"/>
+              <a:t>. </a:t>
             </a:r>
             <a:endParaRPr lang="ko-KR" altLang="en-US" dirty="0"/>
           </a:p>
@@ -6390,7 +5536,7 @@
     </p:spTree>
     <p:extLst>
       <p:ext uri="{BB962C8B-B14F-4D97-AF65-F5344CB8AC3E}">
-        <p14:creationId xmlns:p14="http://schemas.microsoft.com/office/powerpoint/2010/main" val="1434266758"/>
+        <p14:creationId xmlns:p14="http://schemas.microsoft.com/office/powerpoint/2010/main" val="1593131632"/>
       </p:ext>
     </p:extLst>
   </p:cSld>
@@ -6422,7 +5568,7 @@
           <p:cNvPr id="4" name="직사각형 3">
             <a:extLst>
               <a:ext uri="{FF2B5EF4-FFF2-40B4-BE49-F238E27FC236}">
-                <a16:creationId xmlns:a16="http://schemas.microsoft.com/office/drawing/2014/main" id="{AE8F79C7-612C-7186-E44E-0C2E2F361F82}"/>
+                <a16:creationId xmlns:a16="http://schemas.microsoft.com/office/drawing/2014/main" id="{C4376C51-BCB9-6761-7D05-2ACF16357501}"/>
               </a:ext>
             </a:extLst>
           </p:cNvPr>
@@ -6431,13 +5577,106 @@
         </p:nvSpPr>
         <p:spPr>
           <a:xfrm>
-            <a:off x="2143966" y="1446653"/>
-            <a:ext cx="7605757" cy="4486542"/>
+            <a:off x="1692923" y="1061518"/>
+            <a:ext cx="1659074" cy="1558289"/>
           </a:xfrm>
           <a:prstGeom prst="rect">
             <a:avLst/>
           </a:prstGeom>
+        </p:spPr>
+        <p:style>
+          <a:lnRef idx="2">
+            <a:schemeClr val="accent3">
+              <a:shade val="15000"/>
+            </a:schemeClr>
+          </a:lnRef>
+          <a:fillRef idx="1">
+            <a:schemeClr val="accent3"/>
+          </a:fillRef>
+          <a:effectRef idx="0">
+            <a:schemeClr val="accent3"/>
+          </a:effectRef>
+          <a:fontRef idx="minor">
+            <a:schemeClr val="lt1"/>
+          </a:fontRef>
+        </p:style>
+        <p:txBody>
+          <a:bodyPr rtlCol="0" anchor="ctr"/>
+          <a:lstStyle/>
+          <a:p>
+            <a:pPr algn="ctr"/>
+            <a:endParaRPr lang="ko-KR" altLang="en-US">
+              <a:ln w="0"/>
+              <a:solidFill>
+                <a:schemeClr val="tx1"/>
+              </a:solidFill>
+              <a:effectLst>
+                <a:outerShdw blurRad="38100" dist="19050" dir="2700000" algn="tl" rotWithShape="0">
+                  <a:schemeClr val="dk1">
+                    <a:alpha val="40000"/>
+                  </a:schemeClr>
+                </a:outerShdw>
+              </a:effectLst>
+            </a:endParaRPr>
+          </a:p>
+        </p:txBody>
+      </p:sp>
+      <p:sp>
+        <p:nvSpPr>
+          <p:cNvPr id="5" name="TextBox 4">
+            <a:extLst>
+              <a:ext uri="{FF2B5EF4-FFF2-40B4-BE49-F238E27FC236}">
+                <a16:creationId xmlns:a16="http://schemas.microsoft.com/office/drawing/2014/main" id="{8FAB9C8E-DC48-2CBC-C207-8E35B10395DC}"/>
+              </a:ext>
+            </a:extLst>
+          </p:cNvPr>
+          <p:cNvSpPr txBox="1"/>
+          <p:nvPr/>
+        </p:nvSpPr>
+        <p:spPr>
+          <a:xfrm>
+            <a:off x="430280" y="657508"/>
+            <a:ext cx="3264562" cy="369332"/>
+          </a:xfrm>
+          <a:prstGeom prst="rect">
+            <a:avLst/>
+          </a:prstGeom>
           <a:noFill/>
+        </p:spPr>
+        <p:txBody>
+          <a:bodyPr wrap="square" rtlCol="0">
+            <a:spAutoFit/>
+          </a:bodyPr>
+          <a:lstStyle/>
+          <a:p>
+            <a:r>
+              <a:rPr lang="en-US" altLang="ko-KR" dirty="0"/>
+              <a:t>NetworkWorker.cpp</a:t>
+            </a:r>
+            <a:endParaRPr lang="ko-KR" altLang="en-US" dirty="0"/>
+          </a:p>
+        </p:txBody>
+      </p:sp>
+      <p:sp>
+        <p:nvSpPr>
+          <p:cNvPr id="6" name="직사각형 5">
+            <a:extLst>
+              <a:ext uri="{FF2B5EF4-FFF2-40B4-BE49-F238E27FC236}">
+                <a16:creationId xmlns:a16="http://schemas.microsoft.com/office/drawing/2014/main" id="{9B7D2D0B-ADEF-7F8D-F382-DF4E97C307FA}"/>
+              </a:ext>
+            </a:extLst>
+          </p:cNvPr>
+          <p:cNvSpPr/>
+          <p:nvPr/>
+        </p:nvSpPr>
+        <p:spPr>
+          <a:xfrm>
+            <a:off x="945271" y="3370961"/>
+            <a:ext cx="662298" cy="662298"/>
+          </a:xfrm>
+          <a:prstGeom prst="rect">
+            <a:avLst/>
+          </a:prstGeom>
         </p:spPr>
         <p:style>
           <a:lnRef idx="2">
@@ -6466,10 +5705,10 @@
       </p:sp>
       <p:sp>
         <p:nvSpPr>
-          <p:cNvPr id="5" name="TextBox 4">
-            <a:extLst>
-              <a:ext uri="{FF2B5EF4-FFF2-40B4-BE49-F238E27FC236}">
-                <a16:creationId xmlns:a16="http://schemas.microsoft.com/office/drawing/2014/main" id="{646DAF38-D011-2E24-0FB5-3B1B182D303A}"/>
+          <p:cNvPr id="7" name="TextBox 6">
+            <a:extLst>
+              <a:ext uri="{FF2B5EF4-FFF2-40B4-BE49-F238E27FC236}">
+                <a16:creationId xmlns:a16="http://schemas.microsoft.com/office/drawing/2014/main" id="{5645C5C9-0BFF-90D2-076B-B60338349E57}"/>
               </a:ext>
             </a:extLst>
           </p:cNvPr>
@@ -6478,8 +5717,8 @@
         </p:nvSpPr>
         <p:spPr>
           <a:xfrm>
-            <a:off x="529839" y="405925"/>
-            <a:ext cx="4831772" cy="646331"/>
+            <a:off x="559210" y="2947069"/>
+            <a:ext cx="1764714" cy="369332"/>
           </a:xfrm>
           <a:prstGeom prst="rect">
             <a:avLst/>
@@ -6487,48 +5726,14 @@
           <a:noFill/>
         </p:spPr>
         <p:txBody>
-          <a:bodyPr wrap="none" rtlCol="0">
+          <a:bodyPr wrap="square" rtlCol="0">
             <a:spAutoFit/>
           </a:bodyPr>
           <a:lstStyle/>
           <a:p>
             <a:r>
-              <a:rPr lang="ko-KR" altLang="en-US" dirty="0"/>
-              <a:t>목표</a:t>
-            </a:r>
-            <a:r>
               <a:rPr lang="en-US" altLang="ko-KR" dirty="0"/>
-              <a:t>: </a:t>
-            </a:r>
-            <a:r>
-              <a:rPr lang="ko-KR" altLang="en-US" dirty="0"/>
-              <a:t>접속해서 팀을 고른다</a:t>
-            </a:r>
-            <a:r>
-              <a:rPr lang="en-US" altLang="ko-KR" dirty="0"/>
-              <a:t>. (</a:t>
-            </a:r>
-            <a:r>
-              <a:rPr lang="ko-KR" altLang="en-US" dirty="0"/>
-              <a:t>광신도</a:t>
-            </a:r>
-            <a:r>
-              <a:rPr lang="en-US" altLang="ko-KR" dirty="0"/>
-              <a:t> or </a:t>
-            </a:r>
-            <a:r>
-              <a:rPr lang="ko-KR" altLang="en-US" dirty="0"/>
-              <a:t>경찰</a:t>
-            </a:r>
-            <a:r>
-              <a:rPr lang="en-US" altLang="ko-KR" dirty="0"/>
-              <a:t>)</a:t>
-            </a:r>
-          </a:p>
-          <a:p>
-            <a:r>
-              <a:rPr lang="en-US" altLang="ko-KR" dirty="0"/>
-              <a:t> </a:t>
+              <a:t>Receive Thread</a:t>
             </a:r>
             <a:endParaRPr lang="ko-KR" altLang="en-US" dirty="0"/>
           </a:p>
@@ -6536,10 +5741,10 @@
       </p:sp>
       <p:sp>
         <p:nvSpPr>
-          <p:cNvPr id="6" name="직사각형 5">
-            <a:extLst>
-              <a:ext uri="{FF2B5EF4-FFF2-40B4-BE49-F238E27FC236}">
-                <a16:creationId xmlns:a16="http://schemas.microsoft.com/office/drawing/2014/main" id="{DDB45536-F269-6674-224E-A7D3EFCAD1A4}"/>
+          <p:cNvPr id="8" name="직사각형 7">
+            <a:extLst>
+              <a:ext uri="{FF2B5EF4-FFF2-40B4-BE49-F238E27FC236}">
+                <a16:creationId xmlns:a16="http://schemas.microsoft.com/office/drawing/2014/main" id="{A062437C-B642-00D2-7498-ED0DE8C54504}"/>
               </a:ext>
             </a:extLst>
           </p:cNvPr>
@@ -6548,15 +5753,12 @@
         </p:nvSpPr>
         <p:spPr>
           <a:xfrm>
-            <a:off x="6497929" y="2737068"/>
-            <a:ext cx="2277454" cy="1905712"/>
+            <a:off x="3252000" y="3411327"/>
+            <a:ext cx="662298" cy="662298"/>
           </a:xfrm>
           <a:prstGeom prst="rect">
             <a:avLst/>
           </a:prstGeom>
-          <a:solidFill>
-            <a:srgbClr val="FF0000"/>
-          </a:solidFill>
         </p:spPr>
         <p:style>
           <a:lnRef idx="2">
@@ -6579,19 +5781,52 @@
           <a:lstStyle/>
           <a:p>
             <a:pPr algn="ctr"/>
-            <a:r>
-              <a:rPr lang="ko-KR" altLang="en-US" dirty="0"/>
-              <a:t>광신도</a:t>
-            </a:r>
-          </a:p>
-        </p:txBody>
-      </p:sp>
-      <p:sp>
-        <p:nvSpPr>
-          <p:cNvPr id="7" name="직사각형 6">
-            <a:extLst>
-              <a:ext uri="{FF2B5EF4-FFF2-40B4-BE49-F238E27FC236}">
-                <a16:creationId xmlns:a16="http://schemas.microsoft.com/office/drawing/2014/main" id="{CFE5BCD7-EFE3-6203-C5FB-3C63C868294F}"/>
+            <a:endParaRPr lang="ko-KR" altLang="en-US"/>
+          </a:p>
+        </p:txBody>
+      </p:sp>
+      <p:sp>
+        <p:nvSpPr>
+          <p:cNvPr id="9" name="TextBox 8">
+            <a:extLst>
+              <a:ext uri="{FF2B5EF4-FFF2-40B4-BE49-F238E27FC236}">
+                <a16:creationId xmlns:a16="http://schemas.microsoft.com/office/drawing/2014/main" id="{C460B0E2-782F-77D9-E02D-2DA2AC6DFD4B}"/>
+              </a:ext>
+            </a:extLst>
+          </p:cNvPr>
+          <p:cNvSpPr txBox="1"/>
+          <p:nvPr/>
+        </p:nvSpPr>
+        <p:spPr>
+          <a:xfrm>
+            <a:off x="2917214" y="2969356"/>
+            <a:ext cx="1505477" cy="369332"/>
+          </a:xfrm>
+          <a:prstGeom prst="rect">
+            <a:avLst/>
+          </a:prstGeom>
+          <a:noFill/>
+        </p:spPr>
+        <p:txBody>
+          <a:bodyPr wrap="square" rtlCol="0">
+            <a:spAutoFit/>
+          </a:bodyPr>
+          <a:lstStyle/>
+          <a:p>
+            <a:r>
+              <a:rPr lang="en-US" altLang="ko-KR" dirty="0"/>
+              <a:t>Send Thread</a:t>
+            </a:r>
+            <a:endParaRPr lang="ko-KR" altLang="en-US" dirty="0"/>
+          </a:p>
+        </p:txBody>
+      </p:sp>
+      <p:sp>
+        <p:nvSpPr>
+          <p:cNvPr id="10" name="화살표: 아래쪽 9">
+            <a:extLst>
+              <a:ext uri="{FF2B5EF4-FFF2-40B4-BE49-F238E27FC236}">
+                <a16:creationId xmlns:a16="http://schemas.microsoft.com/office/drawing/2014/main" id="{A191C1AD-664A-325A-9429-0FC0C1A7C385}"/>
               </a:ext>
             </a:extLst>
           </p:cNvPr>
@@ -6599,28 +5834,28 @@
           <p:nvPr/>
         </p:nvSpPr>
         <p:spPr>
-          <a:xfrm>
-            <a:off x="2981334" y="2737068"/>
-            <a:ext cx="2277454" cy="1905712"/>
-          </a:xfrm>
-          <a:prstGeom prst="rect">
+          <a:xfrm rot="1808130">
+            <a:off x="1737179" y="2427557"/>
+            <a:ext cx="187931" cy="512336"/>
+          </a:xfrm>
+          <a:prstGeom prst="downArrow">
             <a:avLst/>
           </a:prstGeom>
           <a:solidFill>
-            <a:schemeClr val="accent1"/>
+            <a:schemeClr val="accent2"/>
           </a:solidFill>
         </p:spPr>
         <p:style>
           <a:lnRef idx="2">
-            <a:schemeClr val="accent6">
+            <a:schemeClr val="accent1">
               <a:shade val="15000"/>
             </a:schemeClr>
           </a:lnRef>
           <a:fillRef idx="1">
-            <a:schemeClr val="accent6"/>
+            <a:schemeClr val="accent1"/>
           </a:fillRef>
           <a:effectRef idx="0">
-            <a:schemeClr val="accent6"/>
+            <a:schemeClr val="accent1"/>
           </a:effectRef>
           <a:fontRef idx="minor">
             <a:schemeClr val="lt1"/>
@@ -6631,9 +5866,741 @@
           <a:lstStyle/>
           <a:p>
             <a:pPr algn="ctr"/>
-            <a:r>
-              <a:rPr lang="ko-KR" altLang="en-US" dirty="0"/>
-              <a:t>경찰</a:t>
+            <a:endParaRPr lang="ko-KR" altLang="en-US"/>
+          </a:p>
+        </p:txBody>
+      </p:sp>
+      <p:sp>
+        <p:nvSpPr>
+          <p:cNvPr id="11" name="화살표: 아래쪽 10">
+            <a:extLst>
+              <a:ext uri="{FF2B5EF4-FFF2-40B4-BE49-F238E27FC236}">
+                <a16:creationId xmlns:a16="http://schemas.microsoft.com/office/drawing/2014/main" id="{702042B0-232F-A45B-0857-EB94B250CADD}"/>
+              </a:ext>
+            </a:extLst>
+          </p:cNvPr>
+          <p:cNvSpPr/>
+          <p:nvPr/>
+        </p:nvSpPr>
+        <p:spPr>
+          <a:xfrm rot="20582036">
+            <a:off x="3001775" y="2381110"/>
+            <a:ext cx="187931" cy="554763"/>
+          </a:xfrm>
+          <a:prstGeom prst="downArrow">
+            <a:avLst/>
+          </a:prstGeom>
+          <a:solidFill>
+            <a:schemeClr val="accent2"/>
+          </a:solidFill>
+        </p:spPr>
+        <p:style>
+          <a:lnRef idx="2">
+            <a:schemeClr val="accent1">
+              <a:shade val="15000"/>
+            </a:schemeClr>
+          </a:lnRef>
+          <a:fillRef idx="1">
+            <a:schemeClr val="accent1"/>
+          </a:fillRef>
+          <a:effectRef idx="0">
+            <a:schemeClr val="accent1"/>
+          </a:effectRef>
+          <a:fontRef idx="minor">
+            <a:schemeClr val="lt1"/>
+          </a:fontRef>
+        </p:style>
+        <p:txBody>
+          <a:bodyPr rtlCol="0" anchor="ctr"/>
+          <a:lstStyle/>
+          <a:p>
+            <a:pPr algn="ctr"/>
+            <a:endParaRPr lang="ko-KR" altLang="en-US"/>
+          </a:p>
+        </p:txBody>
+      </p:sp>
+      <p:sp>
+        <p:nvSpPr>
+          <p:cNvPr id="12" name="직사각형 11">
+            <a:extLst>
+              <a:ext uri="{FF2B5EF4-FFF2-40B4-BE49-F238E27FC236}">
+                <a16:creationId xmlns:a16="http://schemas.microsoft.com/office/drawing/2014/main" id="{02756557-1E07-443B-3F56-839F4F29FB50}"/>
+              </a:ext>
+            </a:extLst>
+          </p:cNvPr>
+          <p:cNvSpPr/>
+          <p:nvPr/>
+        </p:nvSpPr>
+        <p:spPr>
+          <a:xfrm>
+            <a:off x="5479098" y="4946106"/>
+            <a:ext cx="985760" cy="959658"/>
+          </a:xfrm>
+          <a:prstGeom prst="rect">
+            <a:avLst/>
+          </a:prstGeom>
+        </p:spPr>
+        <p:style>
+          <a:lnRef idx="2">
+            <a:schemeClr val="accent1">
+              <a:shade val="15000"/>
+            </a:schemeClr>
+          </a:lnRef>
+          <a:fillRef idx="1">
+            <a:schemeClr val="accent1"/>
+          </a:fillRef>
+          <a:effectRef idx="0">
+            <a:schemeClr val="accent1"/>
+          </a:effectRef>
+          <a:fontRef idx="minor">
+            <a:schemeClr val="lt1"/>
+          </a:fontRef>
+        </p:style>
+        <p:txBody>
+          <a:bodyPr rtlCol="0" anchor="ctr"/>
+          <a:lstStyle/>
+          <a:p>
+            <a:pPr algn="ctr"/>
+            <a:endParaRPr lang="ko-KR" altLang="en-US"/>
+          </a:p>
+        </p:txBody>
+      </p:sp>
+      <p:sp>
+        <p:nvSpPr>
+          <p:cNvPr id="13" name="TextBox 12">
+            <a:extLst>
+              <a:ext uri="{FF2B5EF4-FFF2-40B4-BE49-F238E27FC236}">
+                <a16:creationId xmlns:a16="http://schemas.microsoft.com/office/drawing/2014/main" id="{A0BFD6CA-CB8B-E9B9-A65D-E3084E2DA5B6}"/>
+              </a:ext>
+            </a:extLst>
+          </p:cNvPr>
+          <p:cNvSpPr txBox="1"/>
+          <p:nvPr/>
+        </p:nvSpPr>
+        <p:spPr>
+          <a:xfrm>
+            <a:off x="5371612" y="5973277"/>
+            <a:ext cx="1417985" cy="338554"/>
+          </a:xfrm>
+          <a:prstGeom prst="rect">
+            <a:avLst/>
+          </a:prstGeom>
+          <a:noFill/>
+        </p:spPr>
+        <p:txBody>
+          <a:bodyPr wrap="square" rtlCol="0">
+            <a:spAutoFit/>
+          </a:bodyPr>
+          <a:lstStyle/>
+          <a:p>
+            <a:r>
+              <a:rPr lang="ko-KR" altLang="en-US" sz="1600" dirty="0"/>
+              <a:t>패킷 </a:t>
+            </a:r>
+            <a:r>
+              <a:rPr lang="en-US" altLang="ko-KR" sz="1600" dirty="0"/>
+              <a:t>Queue</a:t>
+            </a:r>
+            <a:endParaRPr lang="ko-KR" altLang="en-US" sz="1600" dirty="0"/>
+          </a:p>
+        </p:txBody>
+      </p:sp>
+      <p:sp>
+        <p:nvSpPr>
+          <p:cNvPr id="14" name="직사각형 13">
+            <a:extLst>
+              <a:ext uri="{FF2B5EF4-FFF2-40B4-BE49-F238E27FC236}">
+                <a16:creationId xmlns:a16="http://schemas.microsoft.com/office/drawing/2014/main" id="{115666B1-E3E9-D754-AD91-77FDADA86D83}"/>
+              </a:ext>
+            </a:extLst>
+          </p:cNvPr>
+          <p:cNvSpPr/>
+          <p:nvPr/>
+        </p:nvSpPr>
+        <p:spPr>
+          <a:xfrm>
+            <a:off x="360674" y="657508"/>
+            <a:ext cx="4260078" cy="3674627"/>
+          </a:xfrm>
+          <a:prstGeom prst="rect">
+            <a:avLst/>
+          </a:prstGeom>
+          <a:noFill/>
+        </p:spPr>
+        <p:style>
+          <a:lnRef idx="2">
+            <a:schemeClr val="accent1">
+              <a:shade val="15000"/>
+            </a:schemeClr>
+          </a:lnRef>
+          <a:fillRef idx="1">
+            <a:schemeClr val="accent1"/>
+          </a:fillRef>
+          <a:effectRef idx="0">
+            <a:schemeClr val="accent1"/>
+          </a:effectRef>
+          <a:fontRef idx="minor">
+            <a:schemeClr val="lt1"/>
+          </a:fontRef>
+        </p:style>
+        <p:txBody>
+          <a:bodyPr rtlCol="0" anchor="ctr"/>
+          <a:lstStyle/>
+          <a:p>
+            <a:pPr algn="ctr"/>
+            <a:endParaRPr lang="ko-KR" altLang="en-US"/>
+          </a:p>
+        </p:txBody>
+      </p:sp>
+      <p:sp>
+        <p:nvSpPr>
+          <p:cNvPr id="15" name="직사각형 14">
+            <a:extLst>
+              <a:ext uri="{FF2B5EF4-FFF2-40B4-BE49-F238E27FC236}">
+                <a16:creationId xmlns:a16="http://schemas.microsoft.com/office/drawing/2014/main" id="{EFDD6B2A-B8A4-4DCD-F97D-7EA8DEA8F56B}"/>
+              </a:ext>
+            </a:extLst>
+          </p:cNvPr>
+          <p:cNvSpPr/>
+          <p:nvPr/>
+        </p:nvSpPr>
+        <p:spPr>
+          <a:xfrm>
+            <a:off x="8387305" y="1313503"/>
+            <a:ext cx="2692866" cy="2529280"/>
+          </a:xfrm>
+          <a:prstGeom prst="rect">
+            <a:avLst/>
+          </a:prstGeom>
+        </p:spPr>
+        <p:style>
+          <a:lnRef idx="2">
+            <a:schemeClr val="accent3">
+              <a:shade val="15000"/>
+            </a:schemeClr>
+          </a:lnRef>
+          <a:fillRef idx="1">
+            <a:schemeClr val="accent3"/>
+          </a:fillRef>
+          <a:effectRef idx="0">
+            <a:schemeClr val="accent3"/>
+          </a:effectRef>
+          <a:fontRef idx="minor">
+            <a:schemeClr val="lt1"/>
+          </a:fontRef>
+        </p:style>
+        <p:txBody>
+          <a:bodyPr rtlCol="0" anchor="ctr"/>
+          <a:lstStyle/>
+          <a:p>
+            <a:pPr algn="ctr"/>
+            <a:endParaRPr lang="ko-KR" altLang="en-US">
+              <a:ln w="0"/>
+              <a:solidFill>
+                <a:schemeClr val="tx1"/>
+              </a:solidFill>
+              <a:effectLst>
+                <a:outerShdw blurRad="38100" dist="19050" dir="2700000" algn="tl" rotWithShape="0">
+                  <a:schemeClr val="dk1">
+                    <a:alpha val="40000"/>
+                  </a:schemeClr>
+                </a:outerShdw>
+              </a:effectLst>
+            </a:endParaRPr>
+          </a:p>
+        </p:txBody>
+      </p:sp>
+      <p:sp>
+        <p:nvSpPr>
+          <p:cNvPr id="16" name="TextBox 15">
+            <a:extLst>
+              <a:ext uri="{FF2B5EF4-FFF2-40B4-BE49-F238E27FC236}">
+                <a16:creationId xmlns:a16="http://schemas.microsoft.com/office/drawing/2014/main" id="{7EE55697-6125-94E8-6EFB-AA9046E2F0F1}"/>
+              </a:ext>
+            </a:extLst>
+          </p:cNvPr>
+          <p:cNvSpPr txBox="1"/>
+          <p:nvPr/>
+        </p:nvSpPr>
+        <p:spPr>
+          <a:xfrm>
+            <a:off x="8980999" y="931372"/>
+            <a:ext cx="1505477" cy="369332"/>
+          </a:xfrm>
+          <a:prstGeom prst="rect">
+            <a:avLst/>
+          </a:prstGeom>
+          <a:noFill/>
+        </p:spPr>
+        <p:txBody>
+          <a:bodyPr wrap="none" rtlCol="0">
+            <a:spAutoFit/>
+          </a:bodyPr>
+          <a:lstStyle/>
+          <a:p>
+            <a:r>
+              <a:rPr lang="en-US" altLang="ko-KR" dirty="0"/>
+              <a:t>Main Thread</a:t>
+            </a:r>
+            <a:endParaRPr lang="ko-KR" altLang="en-US" dirty="0"/>
+          </a:p>
+        </p:txBody>
+      </p:sp>
+      <p:sp>
+        <p:nvSpPr>
+          <p:cNvPr id="17" name="직사각형 16">
+            <a:extLst>
+              <a:ext uri="{FF2B5EF4-FFF2-40B4-BE49-F238E27FC236}">
+                <a16:creationId xmlns:a16="http://schemas.microsoft.com/office/drawing/2014/main" id="{1796FFBF-E291-7DB6-5A81-A7C129DF12DE}"/>
+              </a:ext>
+            </a:extLst>
+          </p:cNvPr>
+          <p:cNvSpPr/>
+          <p:nvPr/>
+        </p:nvSpPr>
+        <p:spPr>
+          <a:xfrm>
+            <a:off x="7639139" y="657508"/>
+            <a:ext cx="4260078" cy="3691719"/>
+          </a:xfrm>
+          <a:prstGeom prst="rect">
+            <a:avLst/>
+          </a:prstGeom>
+          <a:noFill/>
+        </p:spPr>
+        <p:style>
+          <a:lnRef idx="2">
+            <a:schemeClr val="accent1">
+              <a:shade val="15000"/>
+            </a:schemeClr>
+          </a:lnRef>
+          <a:fillRef idx="1">
+            <a:schemeClr val="accent1"/>
+          </a:fillRef>
+          <a:effectRef idx="0">
+            <a:schemeClr val="accent1"/>
+          </a:effectRef>
+          <a:fontRef idx="minor">
+            <a:schemeClr val="lt1"/>
+          </a:fontRef>
+        </p:style>
+        <p:txBody>
+          <a:bodyPr rtlCol="0" anchor="ctr"/>
+          <a:lstStyle/>
+          <a:p>
+            <a:pPr algn="ctr"/>
+            <a:endParaRPr lang="ko-KR" altLang="en-US"/>
+          </a:p>
+        </p:txBody>
+      </p:sp>
+      <p:sp>
+        <p:nvSpPr>
+          <p:cNvPr id="18" name="직사각형 17">
+            <a:extLst>
+              <a:ext uri="{FF2B5EF4-FFF2-40B4-BE49-F238E27FC236}">
+                <a16:creationId xmlns:a16="http://schemas.microsoft.com/office/drawing/2014/main" id="{28D8B831-845E-7DBD-38A1-25A2232297A0}"/>
+              </a:ext>
+            </a:extLst>
+          </p:cNvPr>
+          <p:cNvSpPr/>
+          <p:nvPr/>
+        </p:nvSpPr>
+        <p:spPr>
+          <a:xfrm>
+            <a:off x="399663" y="5337880"/>
+            <a:ext cx="1250111" cy="1183593"/>
+          </a:xfrm>
+          <a:prstGeom prst="rect">
+            <a:avLst/>
+          </a:prstGeom>
+        </p:spPr>
+        <p:style>
+          <a:lnRef idx="2">
+            <a:schemeClr val="accent2">
+              <a:shade val="15000"/>
+            </a:schemeClr>
+          </a:lnRef>
+          <a:fillRef idx="1">
+            <a:schemeClr val="accent2"/>
+          </a:fillRef>
+          <a:effectRef idx="0">
+            <a:schemeClr val="accent2"/>
+          </a:effectRef>
+          <a:fontRef idx="minor">
+            <a:schemeClr val="lt1"/>
+          </a:fontRef>
+        </p:style>
+        <p:txBody>
+          <a:bodyPr rtlCol="0" anchor="ctr"/>
+          <a:lstStyle/>
+          <a:p>
+            <a:pPr algn="ctr"/>
+            <a:endParaRPr lang="ko-KR" altLang="en-US"/>
+          </a:p>
+        </p:txBody>
+      </p:sp>
+      <p:sp>
+        <p:nvSpPr>
+          <p:cNvPr id="19" name="화살표: 오른쪽 18">
+            <a:extLst>
+              <a:ext uri="{FF2B5EF4-FFF2-40B4-BE49-F238E27FC236}">
+                <a16:creationId xmlns:a16="http://schemas.microsoft.com/office/drawing/2014/main" id="{C94538DF-881A-6586-BD6F-4C9EB44C3623}"/>
+              </a:ext>
+            </a:extLst>
+          </p:cNvPr>
+          <p:cNvSpPr/>
+          <p:nvPr/>
+        </p:nvSpPr>
+        <p:spPr>
+          <a:xfrm rot="16200000">
+            <a:off x="636723" y="4531377"/>
+            <a:ext cx="1083256" cy="196139"/>
+          </a:xfrm>
+          <a:prstGeom prst="rightArrow">
+            <a:avLst/>
+          </a:prstGeom>
+        </p:spPr>
+        <p:style>
+          <a:lnRef idx="2">
+            <a:schemeClr val="accent3">
+              <a:shade val="15000"/>
+            </a:schemeClr>
+          </a:lnRef>
+          <a:fillRef idx="1">
+            <a:schemeClr val="accent3"/>
+          </a:fillRef>
+          <a:effectRef idx="0">
+            <a:schemeClr val="accent3"/>
+          </a:effectRef>
+          <a:fontRef idx="minor">
+            <a:schemeClr val="lt1"/>
+          </a:fontRef>
+        </p:style>
+        <p:txBody>
+          <a:bodyPr rtlCol="0" anchor="ctr"/>
+          <a:lstStyle/>
+          <a:p>
+            <a:pPr algn="ctr"/>
+            <a:endParaRPr lang="ko-KR" altLang="en-US"/>
+          </a:p>
+        </p:txBody>
+      </p:sp>
+      <p:sp>
+        <p:nvSpPr>
+          <p:cNvPr id="20" name="TextBox 19">
+            <a:extLst>
+              <a:ext uri="{FF2B5EF4-FFF2-40B4-BE49-F238E27FC236}">
+                <a16:creationId xmlns:a16="http://schemas.microsoft.com/office/drawing/2014/main" id="{C90ABDBD-B560-8609-98E6-A8B01FA4C052}"/>
+              </a:ext>
+            </a:extLst>
+          </p:cNvPr>
+          <p:cNvSpPr txBox="1"/>
+          <p:nvPr/>
+        </p:nvSpPr>
+        <p:spPr>
+          <a:xfrm>
+            <a:off x="569355" y="6503612"/>
+            <a:ext cx="840808" cy="369332"/>
+          </a:xfrm>
+          <a:prstGeom prst="rect">
+            <a:avLst/>
+          </a:prstGeom>
+          <a:noFill/>
+        </p:spPr>
+        <p:txBody>
+          <a:bodyPr wrap="none" rtlCol="0">
+            <a:spAutoFit/>
+          </a:bodyPr>
+          <a:lstStyle/>
+          <a:p>
+            <a:r>
+              <a:rPr lang="en-US" altLang="ko-KR" dirty="0"/>
+              <a:t>Server</a:t>
+            </a:r>
+            <a:endParaRPr lang="ko-KR" altLang="en-US" dirty="0"/>
+          </a:p>
+        </p:txBody>
+      </p:sp>
+      <p:sp>
+        <p:nvSpPr>
+          <p:cNvPr id="21" name="TextBox 20">
+            <a:extLst>
+              <a:ext uri="{FF2B5EF4-FFF2-40B4-BE49-F238E27FC236}">
+                <a16:creationId xmlns:a16="http://schemas.microsoft.com/office/drawing/2014/main" id="{95765A18-0E39-B732-6499-59AE73E00112}"/>
+              </a:ext>
+            </a:extLst>
+          </p:cNvPr>
+          <p:cNvSpPr txBox="1"/>
+          <p:nvPr/>
+        </p:nvSpPr>
+        <p:spPr>
+          <a:xfrm>
+            <a:off x="1186340" y="4126787"/>
+            <a:ext cx="798617" cy="261610"/>
+          </a:xfrm>
+          <a:prstGeom prst="rect">
+            <a:avLst/>
+          </a:prstGeom>
+          <a:noFill/>
+        </p:spPr>
+        <p:txBody>
+          <a:bodyPr wrap="none" rtlCol="0">
+            <a:spAutoFit/>
+          </a:bodyPr>
+          <a:lstStyle/>
+          <a:p>
+            <a:r>
+              <a:rPr lang="ko-KR" altLang="en-US" sz="1100" dirty="0"/>
+              <a:t>패킷 수신</a:t>
+            </a:r>
+          </a:p>
+        </p:txBody>
+      </p:sp>
+      <p:cxnSp>
+        <p:nvCxnSpPr>
+          <p:cNvPr id="23" name="직선 화살표 연결선 22">
+            <a:extLst>
+              <a:ext uri="{FF2B5EF4-FFF2-40B4-BE49-F238E27FC236}">
+                <a16:creationId xmlns:a16="http://schemas.microsoft.com/office/drawing/2014/main" id="{BA696FD2-17B2-9802-D526-E5D5A5AB78CF}"/>
+              </a:ext>
+            </a:extLst>
+          </p:cNvPr>
+          <p:cNvCxnSpPr>
+            <a:stCxn id="6" idx="3"/>
+          </p:cNvCxnSpPr>
+          <p:nvPr/>
+        </p:nvCxnSpPr>
+        <p:spPr>
+          <a:xfrm>
+            <a:off x="1607569" y="3702110"/>
+            <a:ext cx="1174089" cy="1284363"/>
+          </a:xfrm>
+          <a:prstGeom prst="straightConnector1">
+            <a:avLst/>
+          </a:prstGeom>
+          <a:ln>
+            <a:tailEnd type="triangle"/>
+          </a:ln>
+        </p:spPr>
+        <p:style>
+          <a:lnRef idx="1">
+            <a:schemeClr val="accent1"/>
+          </a:lnRef>
+          <a:fillRef idx="0">
+            <a:schemeClr val="accent1"/>
+          </a:fillRef>
+          <a:effectRef idx="0">
+            <a:schemeClr val="accent1"/>
+          </a:effectRef>
+          <a:fontRef idx="minor">
+            <a:schemeClr val="tx1"/>
+          </a:fontRef>
+        </p:style>
+      </p:cxnSp>
+      <p:sp>
+        <p:nvSpPr>
+          <p:cNvPr id="24" name="TextBox 23">
+            <a:extLst>
+              <a:ext uri="{FF2B5EF4-FFF2-40B4-BE49-F238E27FC236}">
+                <a16:creationId xmlns:a16="http://schemas.microsoft.com/office/drawing/2014/main" id="{50A1562F-C36A-BD7B-B0B9-1F9C905F06C0}"/>
+              </a:ext>
+            </a:extLst>
+          </p:cNvPr>
+          <p:cNvSpPr txBox="1"/>
+          <p:nvPr/>
+        </p:nvSpPr>
+        <p:spPr>
+          <a:xfrm>
+            <a:off x="2490713" y="5030103"/>
+            <a:ext cx="965329" cy="307777"/>
+          </a:xfrm>
+          <a:prstGeom prst="rect">
+            <a:avLst/>
+          </a:prstGeom>
+          <a:noFill/>
+        </p:spPr>
+        <p:txBody>
+          <a:bodyPr wrap="none" rtlCol="0">
+            <a:spAutoFit/>
+          </a:bodyPr>
+          <a:lstStyle/>
+          <a:p>
+            <a:r>
+              <a:rPr lang="ko-KR" altLang="en-US" sz="1400" dirty="0"/>
+              <a:t>패킷 조립</a:t>
+            </a:r>
+          </a:p>
+        </p:txBody>
+      </p:sp>
+      <p:cxnSp>
+        <p:nvCxnSpPr>
+          <p:cNvPr id="26" name="직선 화살표 연결선 25">
+            <a:extLst>
+              <a:ext uri="{FF2B5EF4-FFF2-40B4-BE49-F238E27FC236}">
+                <a16:creationId xmlns:a16="http://schemas.microsoft.com/office/drawing/2014/main" id="{CCCAE53B-8EFA-6203-E6A9-6264DAB21285}"/>
+              </a:ext>
+            </a:extLst>
+          </p:cNvPr>
+          <p:cNvCxnSpPr>
+            <a:stCxn id="24" idx="3"/>
+          </p:cNvCxnSpPr>
+          <p:nvPr/>
+        </p:nvCxnSpPr>
+        <p:spPr>
+          <a:xfrm flipV="1">
+            <a:off x="3456042" y="5183991"/>
+            <a:ext cx="1915570" cy="1"/>
+          </a:xfrm>
+          <a:prstGeom prst="straightConnector1">
+            <a:avLst/>
+          </a:prstGeom>
+          <a:ln>
+            <a:tailEnd type="triangle"/>
+          </a:ln>
+        </p:spPr>
+        <p:style>
+          <a:lnRef idx="1">
+            <a:schemeClr val="accent1"/>
+          </a:lnRef>
+          <a:fillRef idx="0">
+            <a:schemeClr val="accent1"/>
+          </a:fillRef>
+          <a:effectRef idx="0">
+            <a:schemeClr val="accent1"/>
+          </a:effectRef>
+          <a:fontRef idx="minor">
+            <a:schemeClr val="tx1"/>
+          </a:fontRef>
+        </p:style>
+      </p:cxnSp>
+      <p:cxnSp>
+        <p:nvCxnSpPr>
+          <p:cNvPr id="28" name="직선 화살표 연결선 27">
+            <a:extLst>
+              <a:ext uri="{FF2B5EF4-FFF2-40B4-BE49-F238E27FC236}">
+                <a16:creationId xmlns:a16="http://schemas.microsoft.com/office/drawing/2014/main" id="{CD3D4260-12E3-7859-18BD-A716BAC3DCE5}"/>
+              </a:ext>
+            </a:extLst>
+          </p:cNvPr>
+          <p:cNvCxnSpPr/>
+          <p:nvPr/>
+        </p:nvCxnSpPr>
+        <p:spPr>
+          <a:xfrm flipV="1">
+            <a:off x="6511897" y="3473868"/>
+            <a:ext cx="2469102" cy="1697207"/>
+          </a:xfrm>
+          <a:prstGeom prst="straightConnector1">
+            <a:avLst/>
+          </a:prstGeom>
+          <a:ln>
+            <a:tailEnd type="triangle"/>
+          </a:ln>
+        </p:spPr>
+        <p:style>
+          <a:lnRef idx="1">
+            <a:schemeClr val="accent1"/>
+          </a:lnRef>
+          <a:fillRef idx="0">
+            <a:schemeClr val="accent1"/>
+          </a:fillRef>
+          <a:effectRef idx="0">
+            <a:schemeClr val="accent1"/>
+          </a:effectRef>
+          <a:fontRef idx="minor">
+            <a:schemeClr val="tx1"/>
+          </a:fontRef>
+        </p:style>
+      </p:cxnSp>
+      <p:sp>
+        <p:nvSpPr>
+          <p:cNvPr id="29" name="TextBox 28">
+            <a:extLst>
+              <a:ext uri="{FF2B5EF4-FFF2-40B4-BE49-F238E27FC236}">
+                <a16:creationId xmlns:a16="http://schemas.microsoft.com/office/drawing/2014/main" id="{55B520B5-01F5-AAD2-5050-710312CBA6B3}"/>
+              </a:ext>
+            </a:extLst>
+          </p:cNvPr>
+          <p:cNvSpPr txBox="1"/>
+          <p:nvPr/>
+        </p:nvSpPr>
+        <p:spPr>
+          <a:xfrm>
+            <a:off x="7186281" y="4675453"/>
+            <a:ext cx="3807453" cy="430887"/>
+          </a:xfrm>
+          <a:prstGeom prst="rect">
+            <a:avLst/>
+          </a:prstGeom>
+          <a:noFill/>
+        </p:spPr>
+        <p:txBody>
+          <a:bodyPr wrap="none" rtlCol="0">
+            <a:spAutoFit/>
+          </a:bodyPr>
+          <a:lstStyle/>
+          <a:p>
+            <a:r>
+              <a:rPr lang="ko-KR" altLang="en-US" sz="1100" dirty="0"/>
+              <a:t>서버에서 수신 받은 패킷을 조립한 것을 메인 스레드가</a:t>
+            </a:r>
+            <a:endParaRPr lang="en-US" altLang="ko-KR" sz="1100" dirty="0"/>
+          </a:p>
+          <a:p>
+            <a:r>
+              <a:rPr lang="ko-KR" altLang="en-US" sz="1100" dirty="0"/>
+              <a:t>큐를 통해 받는다</a:t>
+            </a:r>
+            <a:r>
+              <a:rPr lang="en-US" altLang="ko-KR" sz="1100" dirty="0"/>
+              <a:t>. </a:t>
+            </a:r>
+            <a:r>
+              <a:rPr lang="ko-KR" altLang="en-US" sz="1100" dirty="0"/>
+              <a:t>그리고 컨텐츠 쪽에서 이것을 처리한다</a:t>
+            </a:r>
+          </a:p>
+        </p:txBody>
+      </p:sp>
+      <p:sp>
+        <p:nvSpPr>
+          <p:cNvPr id="30" name="TextBox 29">
+            <a:extLst>
+              <a:ext uri="{FF2B5EF4-FFF2-40B4-BE49-F238E27FC236}">
+                <a16:creationId xmlns:a16="http://schemas.microsoft.com/office/drawing/2014/main" id="{09C43494-B071-C5FC-E5CD-E3F98816607C}"/>
+              </a:ext>
+            </a:extLst>
+          </p:cNvPr>
+          <p:cNvSpPr txBox="1"/>
+          <p:nvPr/>
+        </p:nvSpPr>
+        <p:spPr>
+          <a:xfrm>
+            <a:off x="266787" y="42460"/>
+            <a:ext cx="3275448" cy="461665"/>
+          </a:xfrm>
+          <a:prstGeom prst="rect">
+            <a:avLst/>
+          </a:prstGeom>
+          <a:noFill/>
+        </p:spPr>
+        <p:txBody>
+          <a:bodyPr wrap="none" rtlCol="0">
+            <a:spAutoFit/>
+          </a:bodyPr>
+          <a:lstStyle/>
+          <a:p>
+            <a:r>
+              <a:rPr lang="ko-KR" altLang="en-US" sz="2400" dirty="0"/>
+              <a:t>■ </a:t>
+            </a:r>
+            <a:r>
+              <a:rPr lang="en-US" altLang="ko-KR" sz="2400" dirty="0" err="1"/>
+              <a:t>RecvWorker</a:t>
+            </a:r>
+            <a:r>
+              <a:rPr lang="ko-KR" altLang="en-US" sz="2400" dirty="0"/>
+              <a:t> 클래스</a:t>
             </a:r>
           </a:p>
         </p:txBody>
@@ -6641,7 +6608,7 @@
     </p:spTree>
     <p:extLst>
       <p:ext uri="{BB962C8B-B14F-4D97-AF65-F5344CB8AC3E}">
-        <p14:creationId xmlns:p14="http://schemas.microsoft.com/office/powerpoint/2010/main" val="1201477839"/>
+        <p14:creationId xmlns:p14="http://schemas.microsoft.com/office/powerpoint/2010/main" val="37466482"/>
       </p:ext>
     </p:extLst>
   </p:cSld>
@@ -6673,7 +6640,7 @@
           <p:cNvPr id="4" name="직사각형 3">
             <a:extLst>
               <a:ext uri="{FF2B5EF4-FFF2-40B4-BE49-F238E27FC236}">
-                <a16:creationId xmlns:a16="http://schemas.microsoft.com/office/drawing/2014/main" id="{0181248A-C6E9-75C7-FC21-2E7A8CABC922}"/>
+                <a16:creationId xmlns:a16="http://schemas.microsoft.com/office/drawing/2014/main" id="{9FDD820F-7A56-0C70-C3C0-9F8DFBCE4F98}"/>
               </a:ext>
             </a:extLst>
           </p:cNvPr>
@@ -6682,8 +6649,102 @@
         </p:nvSpPr>
         <p:spPr>
           <a:xfrm>
-            <a:off x="681212" y="1574684"/>
-            <a:ext cx="4819828" cy="3097851"/>
+            <a:off x="1170380" y="1574151"/>
+            <a:ext cx="2692866" cy="2529280"/>
+          </a:xfrm>
+          <a:prstGeom prst="rect">
+            <a:avLst/>
+          </a:prstGeom>
+        </p:spPr>
+        <p:style>
+          <a:lnRef idx="2">
+            <a:schemeClr val="accent3">
+              <a:shade val="15000"/>
+            </a:schemeClr>
+          </a:lnRef>
+          <a:fillRef idx="1">
+            <a:schemeClr val="accent3"/>
+          </a:fillRef>
+          <a:effectRef idx="0">
+            <a:schemeClr val="accent3"/>
+          </a:effectRef>
+          <a:fontRef idx="minor">
+            <a:schemeClr val="lt1"/>
+          </a:fontRef>
+        </p:style>
+        <p:txBody>
+          <a:bodyPr rtlCol="0" anchor="ctr"/>
+          <a:lstStyle/>
+          <a:p>
+            <a:pPr algn="ctr"/>
+            <a:endParaRPr lang="ko-KR" altLang="en-US">
+              <a:ln w="0"/>
+              <a:solidFill>
+                <a:schemeClr val="tx1"/>
+              </a:solidFill>
+              <a:effectLst>
+                <a:outerShdw blurRad="38100" dist="19050" dir="2700000" algn="tl" rotWithShape="0">
+                  <a:schemeClr val="dk1">
+                    <a:alpha val="40000"/>
+                  </a:schemeClr>
+                </a:outerShdw>
+              </a:effectLst>
+            </a:endParaRPr>
+          </a:p>
+        </p:txBody>
+      </p:sp>
+      <p:sp>
+        <p:nvSpPr>
+          <p:cNvPr id="5" name="TextBox 4">
+            <a:extLst>
+              <a:ext uri="{FF2B5EF4-FFF2-40B4-BE49-F238E27FC236}">
+                <a16:creationId xmlns:a16="http://schemas.microsoft.com/office/drawing/2014/main" id="{709C152A-ADB5-77E3-B32F-2E6307719806}"/>
+              </a:ext>
+            </a:extLst>
+          </p:cNvPr>
+          <p:cNvSpPr txBox="1"/>
+          <p:nvPr/>
+        </p:nvSpPr>
+        <p:spPr>
+          <a:xfrm>
+            <a:off x="1764074" y="1192020"/>
+            <a:ext cx="1505477" cy="369332"/>
+          </a:xfrm>
+          <a:prstGeom prst="rect">
+            <a:avLst/>
+          </a:prstGeom>
+          <a:noFill/>
+        </p:spPr>
+        <p:txBody>
+          <a:bodyPr wrap="none" rtlCol="0">
+            <a:spAutoFit/>
+          </a:bodyPr>
+          <a:lstStyle/>
+          <a:p>
+            <a:r>
+              <a:rPr lang="en-US" altLang="ko-KR" dirty="0"/>
+              <a:t>Main Thread</a:t>
+            </a:r>
+            <a:endParaRPr lang="ko-KR" altLang="en-US" dirty="0"/>
+          </a:p>
+        </p:txBody>
+      </p:sp>
+      <p:sp>
+        <p:nvSpPr>
+          <p:cNvPr id="6" name="직사각형 5">
+            <a:extLst>
+              <a:ext uri="{FF2B5EF4-FFF2-40B4-BE49-F238E27FC236}">
+                <a16:creationId xmlns:a16="http://schemas.microsoft.com/office/drawing/2014/main" id="{CD675D63-2727-4047-87BE-6A7C6F205502}"/>
+              </a:ext>
+            </a:extLst>
+          </p:cNvPr>
+          <p:cNvSpPr/>
+          <p:nvPr/>
+        </p:nvSpPr>
+        <p:spPr>
+          <a:xfrm>
+            <a:off x="580311" y="1003615"/>
+            <a:ext cx="3969836" cy="3440200"/>
           </a:xfrm>
           <a:prstGeom prst="rect">
             <a:avLst/>
@@ -6717,10 +6778,10 @@
       </p:sp>
       <p:sp>
         <p:nvSpPr>
-          <p:cNvPr id="5" name="직사각형 4">
-            <a:extLst>
-              <a:ext uri="{FF2B5EF4-FFF2-40B4-BE49-F238E27FC236}">
-                <a16:creationId xmlns:a16="http://schemas.microsoft.com/office/drawing/2014/main" id="{0DA48FF7-F595-F904-CEA4-D4B03E0E950F}"/>
+          <p:cNvPr id="9" name="직사각형 8">
+            <a:extLst>
+              <a:ext uri="{FF2B5EF4-FFF2-40B4-BE49-F238E27FC236}">
+                <a16:creationId xmlns:a16="http://schemas.microsoft.com/office/drawing/2014/main" id="{FF7ECD18-B399-44E0-CC34-59A73BE33F5E}"/>
               </a:ext>
             </a:extLst>
           </p:cNvPr>
@@ -6729,8 +6790,8 @@
         </p:nvSpPr>
         <p:spPr>
           <a:xfrm>
-            <a:off x="2223724" y="2775369"/>
-            <a:ext cx="978216" cy="518164"/>
+            <a:off x="5351018" y="4758100"/>
+            <a:ext cx="985760" cy="959658"/>
           </a:xfrm>
           <a:prstGeom prst="rect">
             <a:avLst/>
@@ -6763,10 +6824,50 @@
       </p:sp>
       <p:sp>
         <p:nvSpPr>
-          <p:cNvPr id="6" name="타원 5">
-            <a:extLst>
-              <a:ext uri="{FF2B5EF4-FFF2-40B4-BE49-F238E27FC236}">
-                <a16:creationId xmlns:a16="http://schemas.microsoft.com/office/drawing/2014/main" id="{3D6E334A-2A3C-86C7-33AF-C839710579A2}"/>
+          <p:cNvPr id="10" name="TextBox 9">
+            <a:extLst>
+              <a:ext uri="{FF2B5EF4-FFF2-40B4-BE49-F238E27FC236}">
+                <a16:creationId xmlns:a16="http://schemas.microsoft.com/office/drawing/2014/main" id="{B2375E5E-F7D2-2319-73A7-792EE5B163A4}"/>
+              </a:ext>
+            </a:extLst>
+          </p:cNvPr>
+          <p:cNvSpPr txBox="1"/>
+          <p:nvPr/>
+        </p:nvSpPr>
+        <p:spPr>
+          <a:xfrm>
+            <a:off x="5243532" y="5785271"/>
+            <a:ext cx="1417985" cy="338554"/>
+          </a:xfrm>
+          <a:prstGeom prst="rect">
+            <a:avLst/>
+          </a:prstGeom>
+          <a:noFill/>
+        </p:spPr>
+        <p:txBody>
+          <a:bodyPr wrap="square" rtlCol="0">
+            <a:spAutoFit/>
+          </a:bodyPr>
+          <a:lstStyle/>
+          <a:p>
+            <a:r>
+              <a:rPr lang="ko-KR" altLang="en-US" sz="1600" dirty="0"/>
+              <a:t>패킷 </a:t>
+            </a:r>
+            <a:r>
+              <a:rPr lang="en-US" altLang="ko-KR" sz="1600" dirty="0"/>
+              <a:t>Queue</a:t>
+            </a:r>
+            <a:endParaRPr lang="ko-KR" altLang="en-US" sz="1600" dirty="0"/>
+          </a:p>
+        </p:txBody>
+      </p:sp>
+      <p:sp>
+        <p:nvSpPr>
+          <p:cNvPr id="13" name="화살표: 아래쪽 12">
+            <a:extLst>
+              <a:ext uri="{FF2B5EF4-FFF2-40B4-BE49-F238E27FC236}">
+                <a16:creationId xmlns:a16="http://schemas.microsoft.com/office/drawing/2014/main" id="{7DB6F8B1-FF81-E111-58DB-D716F39B3D36}"/>
               </a:ext>
             </a:extLst>
           </p:cNvPr>
@@ -6774,13 +6875,211 @@
           <p:nvPr/>
         </p:nvSpPr>
         <p:spPr>
-          <a:xfrm>
-            <a:off x="2505735" y="3484670"/>
-            <a:ext cx="363199" cy="437049"/>
-          </a:xfrm>
-          <a:prstGeom prst="ellipse">
-            <a:avLst/>
-          </a:prstGeom>
+          <a:xfrm rot="18613145">
+            <a:off x="4268622" y="3554336"/>
+            <a:ext cx="269193" cy="1585245"/>
+          </a:xfrm>
+          <a:prstGeom prst="downArrow">
+            <a:avLst/>
+          </a:prstGeom>
+        </p:spPr>
+        <p:style>
+          <a:lnRef idx="2">
+            <a:schemeClr val="accent2">
+              <a:shade val="15000"/>
+            </a:schemeClr>
+          </a:lnRef>
+          <a:fillRef idx="1">
+            <a:schemeClr val="accent2"/>
+          </a:fillRef>
+          <a:effectRef idx="0">
+            <a:schemeClr val="accent2"/>
+          </a:effectRef>
+          <a:fontRef idx="minor">
+            <a:schemeClr val="lt1"/>
+          </a:fontRef>
+        </p:style>
+        <p:txBody>
+          <a:bodyPr rtlCol="0" anchor="ctr"/>
+          <a:lstStyle/>
+          <a:p>
+            <a:pPr algn="ctr"/>
+            <a:endParaRPr lang="ko-KR" altLang="en-US"/>
+          </a:p>
+        </p:txBody>
+      </p:sp>
+      <p:sp>
+        <p:nvSpPr>
+          <p:cNvPr id="14" name="TextBox 13">
+            <a:extLst>
+              <a:ext uri="{FF2B5EF4-FFF2-40B4-BE49-F238E27FC236}">
+                <a16:creationId xmlns:a16="http://schemas.microsoft.com/office/drawing/2014/main" id="{74781B21-F649-8C75-810E-9D1E02053340}"/>
+              </a:ext>
+            </a:extLst>
+          </p:cNvPr>
+          <p:cNvSpPr txBox="1"/>
+          <p:nvPr/>
+        </p:nvSpPr>
+        <p:spPr>
+          <a:xfrm>
+            <a:off x="1673820" y="5077513"/>
+            <a:ext cx="3549370" cy="523220"/>
+          </a:xfrm>
+          <a:prstGeom prst="rect">
+            <a:avLst/>
+          </a:prstGeom>
+          <a:noFill/>
+        </p:spPr>
+        <p:txBody>
+          <a:bodyPr wrap="none" rtlCol="0">
+            <a:spAutoFit/>
+          </a:bodyPr>
+          <a:lstStyle/>
+          <a:p>
+            <a:r>
+              <a:rPr lang="ko-KR" altLang="en-US" sz="1400" dirty="0"/>
+              <a:t>게임하다 서버로 패킷을 보낼 일이 생기면</a:t>
+            </a:r>
+            <a:endParaRPr lang="en-US" altLang="ko-KR" sz="1400" dirty="0"/>
+          </a:p>
+          <a:p>
+            <a:r>
+              <a:rPr lang="ko-KR" altLang="en-US" sz="1400" dirty="0"/>
+              <a:t>패킷을 만들고 패킷 </a:t>
+            </a:r>
+            <a:r>
+              <a:rPr lang="en-US" altLang="ko-KR" sz="1400" dirty="0"/>
+              <a:t>Queue</a:t>
+            </a:r>
+            <a:r>
+              <a:rPr lang="ko-KR" altLang="en-US" sz="1400" dirty="0"/>
+              <a:t>에 넣는다</a:t>
+            </a:r>
+            <a:r>
+              <a:rPr lang="en-US" altLang="ko-KR" sz="1400" dirty="0"/>
+              <a:t>.</a:t>
+            </a:r>
+            <a:endParaRPr lang="ko-KR" altLang="en-US" sz="1400" dirty="0"/>
+          </a:p>
+        </p:txBody>
+      </p:sp>
+      <p:sp>
+        <p:nvSpPr>
+          <p:cNvPr id="15" name="직사각형 14">
+            <a:extLst>
+              <a:ext uri="{FF2B5EF4-FFF2-40B4-BE49-F238E27FC236}">
+                <a16:creationId xmlns:a16="http://schemas.microsoft.com/office/drawing/2014/main" id="{B06B7F30-FAC5-CD50-F6BF-249C424AEB08}"/>
+              </a:ext>
+            </a:extLst>
+          </p:cNvPr>
+          <p:cNvSpPr/>
+          <p:nvPr/>
+        </p:nvSpPr>
+        <p:spPr>
+          <a:xfrm>
+            <a:off x="8423092" y="1407625"/>
+            <a:ext cx="1659074" cy="1558289"/>
+          </a:xfrm>
+          <a:prstGeom prst="rect">
+            <a:avLst/>
+          </a:prstGeom>
+        </p:spPr>
+        <p:style>
+          <a:lnRef idx="2">
+            <a:schemeClr val="accent3">
+              <a:shade val="15000"/>
+            </a:schemeClr>
+          </a:lnRef>
+          <a:fillRef idx="1">
+            <a:schemeClr val="accent3"/>
+          </a:fillRef>
+          <a:effectRef idx="0">
+            <a:schemeClr val="accent3"/>
+          </a:effectRef>
+          <a:fontRef idx="minor">
+            <a:schemeClr val="lt1"/>
+          </a:fontRef>
+        </p:style>
+        <p:txBody>
+          <a:bodyPr rtlCol="0" anchor="ctr"/>
+          <a:lstStyle/>
+          <a:p>
+            <a:pPr algn="ctr"/>
+            <a:endParaRPr lang="ko-KR" altLang="en-US">
+              <a:ln w="0"/>
+              <a:solidFill>
+                <a:schemeClr val="tx1"/>
+              </a:solidFill>
+              <a:effectLst>
+                <a:outerShdw blurRad="38100" dist="19050" dir="2700000" algn="tl" rotWithShape="0">
+                  <a:schemeClr val="dk1">
+                    <a:alpha val="40000"/>
+                  </a:schemeClr>
+                </a:outerShdw>
+              </a:effectLst>
+            </a:endParaRPr>
+          </a:p>
+        </p:txBody>
+      </p:sp>
+      <p:sp>
+        <p:nvSpPr>
+          <p:cNvPr id="16" name="TextBox 15">
+            <a:extLst>
+              <a:ext uri="{FF2B5EF4-FFF2-40B4-BE49-F238E27FC236}">
+                <a16:creationId xmlns:a16="http://schemas.microsoft.com/office/drawing/2014/main" id="{CAA30F2B-0815-02B2-5DC7-E1E126AA4B9A}"/>
+              </a:ext>
+            </a:extLst>
+          </p:cNvPr>
+          <p:cNvSpPr txBox="1"/>
+          <p:nvPr/>
+        </p:nvSpPr>
+        <p:spPr>
+          <a:xfrm>
+            <a:off x="7160449" y="1003615"/>
+            <a:ext cx="3264562" cy="369332"/>
+          </a:xfrm>
+          <a:prstGeom prst="rect">
+            <a:avLst/>
+          </a:prstGeom>
+          <a:noFill/>
+        </p:spPr>
+        <p:txBody>
+          <a:bodyPr wrap="square" rtlCol="0">
+            <a:spAutoFit/>
+          </a:bodyPr>
+          <a:lstStyle/>
+          <a:p>
+            <a:r>
+              <a:rPr lang="en-US" altLang="ko-KR" dirty="0"/>
+              <a:t>NetworkWorker.cpp</a:t>
+            </a:r>
+            <a:endParaRPr lang="ko-KR" altLang="en-US" dirty="0"/>
+          </a:p>
+        </p:txBody>
+      </p:sp>
+      <p:sp>
+        <p:nvSpPr>
+          <p:cNvPr id="21" name="화살표: 아래쪽 20">
+            <a:extLst>
+              <a:ext uri="{FF2B5EF4-FFF2-40B4-BE49-F238E27FC236}">
+                <a16:creationId xmlns:a16="http://schemas.microsoft.com/office/drawing/2014/main" id="{81012537-A27F-D7AF-EB95-1E052A342086}"/>
+              </a:ext>
+            </a:extLst>
+          </p:cNvPr>
+          <p:cNvSpPr/>
+          <p:nvPr/>
+        </p:nvSpPr>
+        <p:spPr>
+          <a:xfrm rot="1808130">
+            <a:off x="8467348" y="2773664"/>
+            <a:ext cx="187931" cy="512336"/>
+          </a:xfrm>
+          <a:prstGeom prst="downArrow">
+            <a:avLst/>
+          </a:prstGeom>
+          <a:solidFill>
+            <a:schemeClr val="accent2"/>
+          </a:solidFill>
         </p:spPr>
         <p:style>
           <a:lnRef idx="2">
@@ -6809,10 +7108,152 @@
       </p:sp>
       <p:sp>
         <p:nvSpPr>
-          <p:cNvPr id="7" name="TextBox 6">
-            <a:extLst>
-              <a:ext uri="{FF2B5EF4-FFF2-40B4-BE49-F238E27FC236}">
-                <a16:creationId xmlns:a16="http://schemas.microsoft.com/office/drawing/2014/main" id="{76C43E77-CA02-DB17-C071-93A7489CA287}"/>
+          <p:cNvPr id="22" name="화살표: 아래쪽 21">
+            <a:extLst>
+              <a:ext uri="{FF2B5EF4-FFF2-40B4-BE49-F238E27FC236}">
+                <a16:creationId xmlns:a16="http://schemas.microsoft.com/office/drawing/2014/main" id="{6AD2F57D-7B8E-8361-35DF-FD675D69F3FF}"/>
+              </a:ext>
+            </a:extLst>
+          </p:cNvPr>
+          <p:cNvSpPr/>
+          <p:nvPr/>
+        </p:nvSpPr>
+        <p:spPr>
+          <a:xfrm rot="20582036">
+            <a:off x="9731944" y="2727217"/>
+            <a:ext cx="187931" cy="554763"/>
+          </a:xfrm>
+          <a:prstGeom prst="downArrow">
+            <a:avLst/>
+          </a:prstGeom>
+          <a:solidFill>
+            <a:schemeClr val="accent2"/>
+          </a:solidFill>
+        </p:spPr>
+        <p:style>
+          <a:lnRef idx="2">
+            <a:schemeClr val="accent1">
+              <a:shade val="15000"/>
+            </a:schemeClr>
+          </a:lnRef>
+          <a:fillRef idx="1">
+            <a:schemeClr val="accent1"/>
+          </a:fillRef>
+          <a:effectRef idx="0">
+            <a:schemeClr val="accent1"/>
+          </a:effectRef>
+          <a:fontRef idx="minor">
+            <a:schemeClr val="lt1"/>
+          </a:fontRef>
+        </p:style>
+        <p:txBody>
+          <a:bodyPr rtlCol="0" anchor="ctr"/>
+          <a:lstStyle/>
+          <a:p>
+            <a:pPr algn="ctr"/>
+            <a:endParaRPr lang="ko-KR" altLang="en-US"/>
+          </a:p>
+        </p:txBody>
+      </p:sp>
+      <p:sp>
+        <p:nvSpPr>
+          <p:cNvPr id="23" name="직사각형 22">
+            <a:extLst>
+              <a:ext uri="{FF2B5EF4-FFF2-40B4-BE49-F238E27FC236}">
+                <a16:creationId xmlns:a16="http://schemas.microsoft.com/office/drawing/2014/main" id="{AC91C35E-60BA-CA16-E8BD-B2BD6EEDE34D}"/>
+              </a:ext>
+            </a:extLst>
+          </p:cNvPr>
+          <p:cNvSpPr/>
+          <p:nvPr/>
+        </p:nvSpPr>
+        <p:spPr>
+          <a:xfrm>
+            <a:off x="7090843" y="1003615"/>
+            <a:ext cx="4260078" cy="3674627"/>
+          </a:xfrm>
+          <a:prstGeom prst="rect">
+            <a:avLst/>
+          </a:prstGeom>
+          <a:noFill/>
+        </p:spPr>
+        <p:style>
+          <a:lnRef idx="2">
+            <a:schemeClr val="accent1">
+              <a:shade val="15000"/>
+            </a:schemeClr>
+          </a:lnRef>
+          <a:fillRef idx="1">
+            <a:schemeClr val="accent1"/>
+          </a:fillRef>
+          <a:effectRef idx="0">
+            <a:schemeClr val="accent1"/>
+          </a:effectRef>
+          <a:fontRef idx="minor">
+            <a:schemeClr val="lt1"/>
+          </a:fontRef>
+        </p:style>
+        <p:txBody>
+          <a:bodyPr rtlCol="0" anchor="ctr"/>
+          <a:lstStyle/>
+          <a:p>
+            <a:pPr algn="ctr"/>
+            <a:endParaRPr lang="ko-KR" altLang="en-US"/>
+          </a:p>
+        </p:txBody>
+      </p:sp>
+      <p:sp>
+        <p:nvSpPr>
+          <p:cNvPr id="25" name="직사각형 24">
+            <a:extLst>
+              <a:ext uri="{FF2B5EF4-FFF2-40B4-BE49-F238E27FC236}">
+                <a16:creationId xmlns:a16="http://schemas.microsoft.com/office/drawing/2014/main" id="{FFACF0F6-41AE-1977-EEB8-9282590D3F10}"/>
+              </a:ext>
+            </a:extLst>
+          </p:cNvPr>
+          <p:cNvSpPr/>
+          <p:nvPr/>
+        </p:nvSpPr>
+        <p:spPr>
+          <a:xfrm>
+            <a:off x="9838006" y="3859548"/>
+            <a:ext cx="662298" cy="662298"/>
+          </a:xfrm>
+          <a:prstGeom prst="rect">
+            <a:avLst/>
+          </a:prstGeom>
+        </p:spPr>
+        <p:style>
+          <a:lnRef idx="2">
+            <a:schemeClr val="accent1">
+              <a:shade val="15000"/>
+            </a:schemeClr>
+          </a:lnRef>
+          <a:fillRef idx="1">
+            <a:schemeClr val="accent1"/>
+          </a:fillRef>
+          <a:effectRef idx="0">
+            <a:schemeClr val="accent1"/>
+          </a:effectRef>
+          <a:fontRef idx="minor">
+            <a:schemeClr val="lt1"/>
+          </a:fontRef>
+        </p:style>
+        <p:txBody>
+          <a:bodyPr rtlCol="0" anchor="ctr"/>
+          <a:lstStyle/>
+          <a:p>
+            <a:pPr algn="ctr"/>
+            <a:endParaRPr lang="ko-KR" altLang="en-US"/>
+          </a:p>
+        </p:txBody>
+      </p:sp>
+      <p:sp>
+        <p:nvSpPr>
+          <p:cNvPr id="26" name="TextBox 25">
+            <a:extLst>
+              <a:ext uri="{FF2B5EF4-FFF2-40B4-BE49-F238E27FC236}">
+                <a16:creationId xmlns:a16="http://schemas.microsoft.com/office/drawing/2014/main" id="{CED5AECC-6FEB-A265-4A04-DE56936616B8}"/>
               </a:ext>
             </a:extLst>
           </p:cNvPr>
@@ -6821,8 +7262,8 @@
         </p:nvSpPr>
         <p:spPr>
           <a:xfrm>
-            <a:off x="3346026" y="2821774"/>
-            <a:ext cx="1590500" cy="369332"/>
+            <a:off x="9451945" y="3435656"/>
+            <a:ext cx="1764714" cy="369332"/>
           </a:xfrm>
           <a:prstGeom prst="rect">
             <a:avLst/>
@@ -6830,22 +7271,14 @@
           <a:noFill/>
         </p:spPr>
         <p:txBody>
-          <a:bodyPr wrap="none" rtlCol="0">
+          <a:bodyPr wrap="square" rtlCol="0">
             <a:spAutoFit/>
           </a:bodyPr>
           <a:lstStyle/>
           <a:p>
             <a:r>
               <a:rPr lang="en-US" altLang="ko-KR" dirty="0"/>
-              <a:t>E</a:t>
-            </a:r>
-            <a:r>
-              <a:rPr lang="ko-KR" altLang="en-US" dirty="0"/>
-              <a:t>키를 누른다</a:t>
-            </a:r>
-            <a:r>
-              <a:rPr lang="en-US" altLang="ko-KR" dirty="0"/>
-              <a:t>.</a:t>
+              <a:t>Receive Thread</a:t>
             </a:r>
             <a:endParaRPr lang="ko-KR" altLang="en-US" dirty="0"/>
           </a:p>
@@ -6853,10 +7286,10 @@
       </p:sp>
       <p:sp>
         <p:nvSpPr>
-          <p:cNvPr id="8" name="직사각형 7">
-            <a:extLst>
-              <a:ext uri="{FF2B5EF4-FFF2-40B4-BE49-F238E27FC236}">
-                <a16:creationId xmlns:a16="http://schemas.microsoft.com/office/drawing/2014/main" id="{4B7B406C-2626-2D93-DF66-105D842565B9}"/>
+          <p:cNvPr id="27" name="직사각형 26">
+            <a:extLst>
+              <a:ext uri="{FF2B5EF4-FFF2-40B4-BE49-F238E27FC236}">
+                <a16:creationId xmlns:a16="http://schemas.microsoft.com/office/drawing/2014/main" id="{60BE7913-6547-3443-6C3F-04C251C5A792}"/>
               </a:ext>
             </a:extLst>
           </p:cNvPr>
@@ -6865,15 +7298,94 @@
         </p:nvSpPr>
         <p:spPr>
           <a:xfrm>
-            <a:off x="847875" y="1813968"/>
-            <a:ext cx="3448206" cy="196554"/>
+            <a:off x="7638600" y="3774526"/>
+            <a:ext cx="662298" cy="662298"/>
           </a:xfrm>
           <a:prstGeom prst="rect">
             <a:avLst/>
           </a:prstGeom>
-          <a:solidFill>
-            <a:schemeClr val="bg1"/>
-          </a:solidFill>
+        </p:spPr>
+        <p:style>
+          <a:lnRef idx="2">
+            <a:schemeClr val="accent1">
+              <a:shade val="15000"/>
+            </a:schemeClr>
+          </a:lnRef>
+          <a:fillRef idx="1">
+            <a:schemeClr val="accent1"/>
+          </a:fillRef>
+          <a:effectRef idx="0">
+            <a:schemeClr val="accent1"/>
+          </a:effectRef>
+          <a:fontRef idx="minor">
+            <a:schemeClr val="lt1"/>
+          </a:fontRef>
+        </p:style>
+        <p:txBody>
+          <a:bodyPr rtlCol="0" anchor="ctr"/>
+          <a:lstStyle/>
+          <a:p>
+            <a:pPr algn="ctr"/>
+            <a:endParaRPr lang="ko-KR" altLang="en-US"/>
+          </a:p>
+        </p:txBody>
+      </p:sp>
+      <p:sp>
+        <p:nvSpPr>
+          <p:cNvPr id="28" name="TextBox 27">
+            <a:extLst>
+              <a:ext uri="{FF2B5EF4-FFF2-40B4-BE49-F238E27FC236}">
+                <a16:creationId xmlns:a16="http://schemas.microsoft.com/office/drawing/2014/main" id="{3272ECDA-0C0A-3EB2-2ABA-01CFCC90C0BF}"/>
+              </a:ext>
+            </a:extLst>
+          </p:cNvPr>
+          <p:cNvSpPr txBox="1"/>
+          <p:nvPr/>
+        </p:nvSpPr>
+        <p:spPr>
+          <a:xfrm>
+            <a:off x="7303814" y="3332555"/>
+            <a:ext cx="1505477" cy="369332"/>
+          </a:xfrm>
+          <a:prstGeom prst="rect">
+            <a:avLst/>
+          </a:prstGeom>
+          <a:noFill/>
+        </p:spPr>
+        <p:txBody>
+          <a:bodyPr wrap="square" rtlCol="0">
+            <a:spAutoFit/>
+          </a:bodyPr>
+          <a:lstStyle/>
+          <a:p>
+            <a:r>
+              <a:rPr lang="en-US" altLang="ko-KR" dirty="0"/>
+              <a:t>Send Thread</a:t>
+            </a:r>
+            <a:endParaRPr lang="ko-KR" altLang="en-US" dirty="0"/>
+          </a:p>
+        </p:txBody>
+      </p:sp>
+      <p:sp>
+        <p:nvSpPr>
+          <p:cNvPr id="29" name="화살표: 아래쪽 28">
+            <a:extLst>
+              <a:ext uri="{FF2B5EF4-FFF2-40B4-BE49-F238E27FC236}">
+                <a16:creationId xmlns:a16="http://schemas.microsoft.com/office/drawing/2014/main" id="{0E128FEC-32DD-50DA-AAC9-E00E85A50DCA}"/>
+              </a:ext>
+            </a:extLst>
+          </p:cNvPr>
+          <p:cNvSpPr/>
+          <p:nvPr/>
+        </p:nvSpPr>
+        <p:spPr>
+          <a:xfrm rot="14671704">
+            <a:off x="6831405" y="3975157"/>
+            <a:ext cx="269193" cy="1182776"/>
+          </a:xfrm>
+          <a:prstGeom prst="downArrow">
+            <a:avLst/>
+          </a:prstGeom>
         </p:spPr>
         <p:style>
           <a:lnRef idx="2">
@@ -6896,296 +7408,16 @@
           <a:lstStyle/>
           <a:p>
             <a:pPr algn="ctr"/>
-            <a:endParaRPr lang="ko-KR" altLang="en-US" dirty="0"/>
-          </a:p>
-        </p:txBody>
-      </p:sp>
-      <p:sp>
-        <p:nvSpPr>
-          <p:cNvPr id="9" name="직사각형 8">
-            <a:extLst>
-              <a:ext uri="{FF2B5EF4-FFF2-40B4-BE49-F238E27FC236}">
-                <a16:creationId xmlns:a16="http://schemas.microsoft.com/office/drawing/2014/main" id="{A4283FC3-4910-36CA-2126-BCC067058EBC}"/>
-              </a:ext>
-            </a:extLst>
-          </p:cNvPr>
-          <p:cNvSpPr/>
-          <p:nvPr/>
-        </p:nvSpPr>
-        <p:spPr>
-          <a:xfrm>
-            <a:off x="847876" y="1813968"/>
-            <a:ext cx="45719" cy="196554"/>
-          </a:xfrm>
-          <a:prstGeom prst="rect">
-            <a:avLst/>
-          </a:prstGeom>
-        </p:spPr>
-        <p:style>
-          <a:lnRef idx="2">
-            <a:schemeClr val="accent2">
-              <a:shade val="15000"/>
-            </a:schemeClr>
-          </a:lnRef>
-          <a:fillRef idx="1">
-            <a:schemeClr val="accent2"/>
-          </a:fillRef>
-          <a:effectRef idx="0">
-            <a:schemeClr val="accent2"/>
-          </a:effectRef>
-          <a:fontRef idx="minor">
-            <a:schemeClr val="lt1"/>
-          </a:fontRef>
-        </p:style>
-        <p:txBody>
-          <a:bodyPr rtlCol="0" anchor="ctr"/>
-          <a:lstStyle/>
-          <a:p>
-            <a:pPr algn="ctr"/>
-            <a:endParaRPr lang="ko-KR" altLang="en-US" dirty="0"/>
-          </a:p>
-        </p:txBody>
-      </p:sp>
-      <p:sp>
-        <p:nvSpPr>
-          <p:cNvPr id="15" name="직사각형 14">
-            <a:extLst>
-              <a:ext uri="{FF2B5EF4-FFF2-40B4-BE49-F238E27FC236}">
-                <a16:creationId xmlns:a16="http://schemas.microsoft.com/office/drawing/2014/main" id="{2215E174-D468-AFA2-478B-A91AB4628141}"/>
-              </a:ext>
-            </a:extLst>
-          </p:cNvPr>
-          <p:cNvSpPr/>
-          <p:nvPr/>
-        </p:nvSpPr>
-        <p:spPr>
-          <a:xfrm>
-            <a:off x="6516565" y="1574684"/>
-            <a:ext cx="4819828" cy="3097851"/>
-          </a:xfrm>
-          <a:prstGeom prst="rect">
-            <a:avLst/>
-          </a:prstGeom>
-          <a:noFill/>
-        </p:spPr>
-        <p:style>
-          <a:lnRef idx="2">
-            <a:schemeClr val="accent1">
-              <a:shade val="15000"/>
-            </a:schemeClr>
-          </a:lnRef>
-          <a:fillRef idx="1">
-            <a:schemeClr val="accent1"/>
-          </a:fillRef>
-          <a:effectRef idx="0">
-            <a:schemeClr val="accent1"/>
-          </a:effectRef>
-          <a:fontRef idx="minor">
-            <a:schemeClr val="lt1"/>
-          </a:fontRef>
-        </p:style>
-        <p:txBody>
-          <a:bodyPr rtlCol="0" anchor="ctr"/>
-          <a:lstStyle/>
-          <a:p>
-            <a:pPr algn="ctr"/>
             <a:endParaRPr lang="ko-KR" altLang="en-US"/>
           </a:p>
         </p:txBody>
       </p:sp>
       <p:sp>
         <p:nvSpPr>
-          <p:cNvPr id="16" name="직사각형 15">
-            <a:extLst>
-              <a:ext uri="{FF2B5EF4-FFF2-40B4-BE49-F238E27FC236}">
-                <a16:creationId xmlns:a16="http://schemas.microsoft.com/office/drawing/2014/main" id="{611F50D2-DFA9-B3C3-A296-C43B42E2BF4F}"/>
-              </a:ext>
-            </a:extLst>
-          </p:cNvPr>
-          <p:cNvSpPr/>
-          <p:nvPr/>
-        </p:nvSpPr>
-        <p:spPr>
-          <a:xfrm>
-            <a:off x="8059077" y="2775369"/>
-            <a:ext cx="978216" cy="518164"/>
-          </a:xfrm>
-          <a:prstGeom prst="rect">
-            <a:avLst/>
-          </a:prstGeom>
-        </p:spPr>
-        <p:style>
-          <a:lnRef idx="2">
-            <a:schemeClr val="accent1">
-              <a:shade val="15000"/>
-            </a:schemeClr>
-          </a:lnRef>
-          <a:fillRef idx="1">
-            <a:schemeClr val="accent1"/>
-          </a:fillRef>
-          <a:effectRef idx="0">
-            <a:schemeClr val="accent1"/>
-          </a:effectRef>
-          <a:fontRef idx="minor">
-            <a:schemeClr val="lt1"/>
-          </a:fontRef>
-        </p:style>
-        <p:txBody>
-          <a:bodyPr rtlCol="0" anchor="ctr"/>
-          <a:lstStyle/>
-          <a:p>
-            <a:pPr algn="ctr"/>
-            <a:endParaRPr lang="ko-KR" altLang="en-US"/>
-          </a:p>
-        </p:txBody>
-      </p:sp>
-      <p:sp>
-        <p:nvSpPr>
-          <p:cNvPr id="17" name="타원 16">
-            <a:extLst>
-              <a:ext uri="{FF2B5EF4-FFF2-40B4-BE49-F238E27FC236}">
-                <a16:creationId xmlns:a16="http://schemas.microsoft.com/office/drawing/2014/main" id="{BE02BC19-C6B8-AD91-739E-188DCDFDB77C}"/>
-              </a:ext>
-            </a:extLst>
-          </p:cNvPr>
-          <p:cNvSpPr/>
-          <p:nvPr/>
-        </p:nvSpPr>
-        <p:spPr>
-          <a:xfrm>
-            <a:off x="8288002" y="3484670"/>
-            <a:ext cx="363199" cy="437049"/>
-          </a:xfrm>
-          <a:prstGeom prst="ellipse">
-            <a:avLst/>
-          </a:prstGeom>
-        </p:spPr>
-        <p:style>
-          <a:lnRef idx="2">
-            <a:schemeClr val="accent1">
-              <a:shade val="15000"/>
-            </a:schemeClr>
-          </a:lnRef>
-          <a:fillRef idx="1">
-            <a:schemeClr val="accent1"/>
-          </a:fillRef>
-          <a:effectRef idx="0">
-            <a:schemeClr val="accent1"/>
-          </a:effectRef>
-          <a:fontRef idx="minor">
-            <a:schemeClr val="lt1"/>
-          </a:fontRef>
-        </p:style>
-        <p:txBody>
-          <a:bodyPr rtlCol="0" anchor="ctr"/>
-          <a:lstStyle/>
-          <a:p>
-            <a:pPr algn="ctr"/>
-            <a:endParaRPr lang="ko-KR" altLang="en-US"/>
-          </a:p>
-        </p:txBody>
-      </p:sp>
-      <p:sp>
-        <p:nvSpPr>
-          <p:cNvPr id="18" name="직사각형 17">
-            <a:extLst>
-              <a:ext uri="{FF2B5EF4-FFF2-40B4-BE49-F238E27FC236}">
-                <a16:creationId xmlns:a16="http://schemas.microsoft.com/office/drawing/2014/main" id="{6B3B2245-F8E3-5A08-C52E-6FA374EEA9F1}"/>
-              </a:ext>
-            </a:extLst>
-          </p:cNvPr>
-          <p:cNvSpPr/>
-          <p:nvPr/>
-        </p:nvSpPr>
-        <p:spPr>
-          <a:xfrm>
-            <a:off x="6683228" y="1813968"/>
-            <a:ext cx="3448206" cy="196554"/>
-          </a:xfrm>
-          <a:prstGeom prst="rect">
-            <a:avLst/>
-          </a:prstGeom>
-          <a:solidFill>
-            <a:schemeClr val="bg1"/>
-          </a:solidFill>
-        </p:spPr>
-        <p:style>
-          <a:lnRef idx="2">
-            <a:schemeClr val="accent2">
-              <a:shade val="15000"/>
-            </a:schemeClr>
-          </a:lnRef>
-          <a:fillRef idx="1">
-            <a:schemeClr val="accent2"/>
-          </a:fillRef>
-          <a:effectRef idx="0">
-            <a:schemeClr val="accent2"/>
-          </a:effectRef>
-          <a:fontRef idx="minor">
-            <a:schemeClr val="lt1"/>
-          </a:fontRef>
-        </p:style>
-        <p:txBody>
-          <a:bodyPr rtlCol="0" anchor="ctr"/>
-          <a:lstStyle/>
-          <a:p>
-            <a:pPr algn="ctr"/>
-            <a:endParaRPr lang="ko-KR" altLang="en-US" dirty="0"/>
-          </a:p>
-        </p:txBody>
-      </p:sp>
-      <p:sp>
-        <p:nvSpPr>
-          <p:cNvPr id="19" name="직사각형 18">
-            <a:extLst>
-              <a:ext uri="{FF2B5EF4-FFF2-40B4-BE49-F238E27FC236}">
-                <a16:creationId xmlns:a16="http://schemas.microsoft.com/office/drawing/2014/main" id="{191CAA87-6C89-B4A0-30A5-9CA2935CE91B}"/>
-              </a:ext>
-            </a:extLst>
-          </p:cNvPr>
-          <p:cNvSpPr/>
-          <p:nvPr/>
-        </p:nvSpPr>
-        <p:spPr>
-          <a:xfrm>
-            <a:off x="6683229" y="1813968"/>
-            <a:ext cx="52004" cy="196554"/>
-          </a:xfrm>
-          <a:prstGeom prst="rect">
-            <a:avLst/>
-          </a:prstGeom>
-        </p:spPr>
-        <p:style>
-          <a:lnRef idx="2">
-            <a:schemeClr val="accent2">
-              <a:shade val="15000"/>
-            </a:schemeClr>
-          </a:lnRef>
-          <a:fillRef idx="1">
-            <a:schemeClr val="accent2"/>
-          </a:fillRef>
-          <a:effectRef idx="0">
-            <a:schemeClr val="accent2"/>
-          </a:effectRef>
-          <a:fontRef idx="minor">
-            <a:schemeClr val="lt1"/>
-          </a:fontRef>
-        </p:style>
-        <p:txBody>
-          <a:bodyPr rtlCol="0" anchor="ctr"/>
-          <a:lstStyle/>
-          <a:p>
-            <a:pPr algn="ctr"/>
-            <a:endParaRPr lang="ko-KR" altLang="en-US" dirty="0"/>
-          </a:p>
-        </p:txBody>
-      </p:sp>
-      <p:sp>
-        <p:nvSpPr>
-          <p:cNvPr id="20" name="TextBox 19">
-            <a:extLst>
-              <a:ext uri="{FF2B5EF4-FFF2-40B4-BE49-F238E27FC236}">
-                <a16:creationId xmlns:a16="http://schemas.microsoft.com/office/drawing/2014/main" id="{F983C0F3-F97F-860C-41DD-EBA975809F2C}"/>
+          <p:cNvPr id="30" name="TextBox 29">
+            <a:extLst>
+              <a:ext uri="{FF2B5EF4-FFF2-40B4-BE49-F238E27FC236}">
+                <a16:creationId xmlns:a16="http://schemas.microsoft.com/office/drawing/2014/main" id="{9390EFD0-8F11-FE1A-FFDD-944940F4217A}"/>
               </a:ext>
             </a:extLst>
           </p:cNvPr>
@@ -7194,8 +7426,8 @@
         </p:nvSpPr>
         <p:spPr>
           <a:xfrm>
-            <a:off x="2597335" y="1121100"/>
-            <a:ext cx="877163" cy="369332"/>
+            <a:off x="6551530" y="5105040"/>
+            <a:ext cx="5218736" cy="523220"/>
           </a:xfrm>
           <a:prstGeom prst="rect">
             <a:avLst/>
@@ -7209,18 +7441,50 @@
           <a:lstStyle/>
           <a:p>
             <a:r>
-              <a:rPr lang="ko-KR" altLang="en-US"/>
-              <a:t>광신도</a:t>
-            </a:r>
-          </a:p>
-        </p:txBody>
-      </p:sp>
-      <p:sp>
-        <p:nvSpPr>
-          <p:cNvPr id="21" name="TextBox 20">
-            <a:extLst>
-              <a:ext uri="{FF2B5EF4-FFF2-40B4-BE49-F238E27FC236}">
-                <a16:creationId xmlns:a16="http://schemas.microsoft.com/office/drawing/2014/main" id="{B895D88C-A4A7-A25B-1F03-1CF44BEA2BF9}"/>
+              <a:rPr lang="en-US" altLang="ko-KR" sz="1400" dirty="0"/>
+              <a:t>Send Thread</a:t>
+            </a:r>
+            <a:r>
+              <a:rPr lang="ko-KR" altLang="en-US" sz="1400" dirty="0"/>
+              <a:t>는 항상 패킷 </a:t>
+            </a:r>
+            <a:r>
+              <a:rPr lang="en-US" altLang="ko-KR" sz="1400" dirty="0"/>
+              <a:t>Queue</a:t>
+            </a:r>
+            <a:r>
+              <a:rPr lang="ko-KR" altLang="en-US" sz="1400" dirty="0"/>
+              <a:t>를 확인하여</a:t>
+            </a:r>
+            <a:r>
+              <a:rPr lang="en-US" altLang="ko-KR" sz="1400" dirty="0"/>
+              <a:t>, </a:t>
+            </a:r>
+            <a:r>
+              <a:rPr lang="ko-KR" altLang="en-US" sz="1400" dirty="0"/>
+              <a:t>패킷이 들어오면</a:t>
+            </a:r>
+            <a:endParaRPr lang="en-US" altLang="ko-KR" sz="1400" dirty="0"/>
+          </a:p>
+          <a:p>
+            <a:r>
+              <a:rPr lang="ko-KR" altLang="en-US" sz="1400" dirty="0"/>
+              <a:t>그것을 서버로 전송하는 일을 담당한다</a:t>
+            </a:r>
+            <a:r>
+              <a:rPr lang="en-US" altLang="ko-KR" sz="1400" dirty="0"/>
+              <a:t>.</a:t>
+            </a:r>
+            <a:endParaRPr lang="ko-KR" altLang="en-US" sz="1400" dirty="0"/>
+          </a:p>
+        </p:txBody>
+      </p:sp>
+      <p:sp>
+        <p:nvSpPr>
+          <p:cNvPr id="31" name="TextBox 30">
+            <a:extLst>
+              <a:ext uri="{FF2B5EF4-FFF2-40B4-BE49-F238E27FC236}">
+                <a16:creationId xmlns:a16="http://schemas.microsoft.com/office/drawing/2014/main" id="{22044196-5646-8948-4FE1-9E88330DBC04}"/>
               </a:ext>
             </a:extLst>
           </p:cNvPr>
@@ -7229,8 +7493,8 @@
         </p:nvSpPr>
         <p:spPr>
           <a:xfrm>
-            <a:off x="8328036" y="1049121"/>
-            <a:ext cx="646331" cy="369332"/>
+            <a:off x="403520" y="182674"/>
+            <a:ext cx="3331233" cy="461665"/>
           </a:xfrm>
           <a:prstGeom prst="rect">
             <a:avLst/>
@@ -7244,288 +7508,24 @@
           <a:lstStyle/>
           <a:p>
             <a:r>
-              <a:rPr lang="ko-KR" altLang="en-US" dirty="0"/>
-              <a:t>경찰</a:t>
-            </a:r>
-          </a:p>
-        </p:txBody>
-      </p:sp>
-      <p:sp>
-        <p:nvSpPr>
-          <p:cNvPr id="22" name="직사각형 21">
-            <a:extLst>
-              <a:ext uri="{FF2B5EF4-FFF2-40B4-BE49-F238E27FC236}">
-                <a16:creationId xmlns:a16="http://schemas.microsoft.com/office/drawing/2014/main" id="{C8F59740-43B2-BD6B-57ED-DE86704CF1C7}"/>
-              </a:ext>
-            </a:extLst>
-          </p:cNvPr>
-          <p:cNvSpPr/>
-          <p:nvPr/>
-        </p:nvSpPr>
-        <p:spPr>
-          <a:xfrm>
-            <a:off x="5419008" y="5405372"/>
-            <a:ext cx="1158127" cy="998433"/>
-          </a:xfrm>
-          <a:prstGeom prst="rect">
-            <a:avLst/>
-          </a:prstGeom>
-        </p:spPr>
-        <p:style>
-          <a:lnRef idx="2">
-            <a:schemeClr val="accent1">
-              <a:shade val="15000"/>
-            </a:schemeClr>
-          </a:lnRef>
-          <a:fillRef idx="1">
-            <a:schemeClr val="accent1"/>
-          </a:fillRef>
-          <a:effectRef idx="0">
-            <a:schemeClr val="accent1"/>
-          </a:effectRef>
-          <a:fontRef idx="minor">
-            <a:schemeClr val="lt1"/>
-          </a:fontRef>
-        </p:style>
-        <p:txBody>
-          <a:bodyPr rtlCol="0" anchor="ctr"/>
-          <a:lstStyle/>
-          <a:p>
-            <a:pPr algn="ctr"/>
-            <a:endParaRPr lang="ko-KR" altLang="en-US"/>
-          </a:p>
-        </p:txBody>
-      </p:sp>
-      <p:sp>
-        <p:nvSpPr>
-          <p:cNvPr id="23" name="TextBox 22">
-            <a:extLst>
-              <a:ext uri="{FF2B5EF4-FFF2-40B4-BE49-F238E27FC236}">
-                <a16:creationId xmlns:a16="http://schemas.microsoft.com/office/drawing/2014/main" id="{00F2911A-49A6-003C-AB72-129B974C5DFA}"/>
-              </a:ext>
-            </a:extLst>
-          </p:cNvPr>
-          <p:cNvSpPr txBox="1"/>
-          <p:nvPr/>
-        </p:nvSpPr>
-        <p:spPr>
-          <a:xfrm>
-            <a:off x="5680500" y="6458757"/>
-            <a:ext cx="646331" cy="369332"/>
-          </a:xfrm>
-          <a:prstGeom prst="rect">
-            <a:avLst/>
-          </a:prstGeom>
-          <a:noFill/>
-        </p:spPr>
-        <p:txBody>
-          <a:bodyPr wrap="none" rtlCol="0">
-            <a:spAutoFit/>
-          </a:bodyPr>
-          <a:lstStyle/>
-          <a:p>
-            <a:r>
-              <a:rPr lang="ko-KR" altLang="en-US" dirty="0"/>
-              <a:t>서버</a:t>
-            </a:r>
-          </a:p>
-        </p:txBody>
-      </p:sp>
-      <p:cxnSp>
-        <p:nvCxnSpPr>
-          <p:cNvPr id="25" name="직선 화살표 연결선 24">
-            <a:extLst>
-              <a:ext uri="{FF2B5EF4-FFF2-40B4-BE49-F238E27FC236}">
-                <a16:creationId xmlns:a16="http://schemas.microsoft.com/office/drawing/2014/main" id="{41C69A43-271C-AA7A-4F34-93B72725CA55}"/>
-              </a:ext>
-            </a:extLst>
-          </p:cNvPr>
-          <p:cNvCxnSpPr>
-            <a:cxnSpLocks/>
-          </p:cNvCxnSpPr>
-          <p:nvPr/>
-        </p:nvCxnSpPr>
-        <p:spPr>
-          <a:xfrm>
-            <a:off x="3249657" y="3318029"/>
-            <a:ext cx="1919840" cy="1825949"/>
-          </a:xfrm>
-          <a:prstGeom prst="straightConnector1">
-            <a:avLst/>
-          </a:prstGeom>
-          <a:ln>
-            <a:tailEnd type="triangle"/>
-          </a:ln>
-        </p:spPr>
-        <p:style>
-          <a:lnRef idx="1">
-            <a:schemeClr val="accent1"/>
-          </a:lnRef>
-          <a:fillRef idx="0">
-            <a:schemeClr val="accent1"/>
-          </a:fillRef>
-          <a:effectRef idx="0">
-            <a:schemeClr val="accent1"/>
-          </a:effectRef>
-          <a:fontRef idx="minor">
-            <a:schemeClr val="tx1"/>
-          </a:fontRef>
-        </p:style>
-      </p:cxnSp>
-      <p:sp>
-        <p:nvSpPr>
-          <p:cNvPr id="30" name="타원 29">
-            <a:extLst>
-              <a:ext uri="{FF2B5EF4-FFF2-40B4-BE49-F238E27FC236}">
-                <a16:creationId xmlns:a16="http://schemas.microsoft.com/office/drawing/2014/main" id="{77E6E299-1D27-EDAA-147D-06A973F32B6C}"/>
-              </a:ext>
-            </a:extLst>
-          </p:cNvPr>
-          <p:cNvSpPr/>
-          <p:nvPr/>
-        </p:nvSpPr>
-        <p:spPr>
-          <a:xfrm>
-            <a:off x="9998269" y="3531237"/>
-            <a:ext cx="363199" cy="437049"/>
-          </a:xfrm>
-          <a:prstGeom prst="ellipse">
-            <a:avLst/>
-          </a:prstGeom>
-          <a:solidFill>
-            <a:srgbClr val="FFC000"/>
-          </a:solidFill>
-        </p:spPr>
-        <p:style>
-          <a:lnRef idx="2">
-            <a:schemeClr val="accent1">
-              <a:shade val="15000"/>
-            </a:schemeClr>
-          </a:lnRef>
-          <a:fillRef idx="1">
-            <a:schemeClr val="accent1"/>
-          </a:fillRef>
-          <a:effectRef idx="0">
-            <a:schemeClr val="accent1"/>
-          </a:effectRef>
-          <a:fontRef idx="minor">
-            <a:schemeClr val="lt1"/>
-          </a:fontRef>
-        </p:style>
-        <p:txBody>
-          <a:bodyPr rtlCol="0" anchor="ctr"/>
-          <a:lstStyle/>
-          <a:p>
-            <a:pPr algn="ctr"/>
-            <a:endParaRPr lang="ko-KR" altLang="en-US"/>
-          </a:p>
-        </p:txBody>
-      </p:sp>
-      <p:sp>
-        <p:nvSpPr>
-          <p:cNvPr id="31" name="타원 30">
-            <a:extLst>
-              <a:ext uri="{FF2B5EF4-FFF2-40B4-BE49-F238E27FC236}">
-                <a16:creationId xmlns:a16="http://schemas.microsoft.com/office/drawing/2014/main" id="{E25E4577-2BD0-5F7B-049A-04D94E75AA6F}"/>
-              </a:ext>
-            </a:extLst>
-          </p:cNvPr>
-          <p:cNvSpPr/>
-          <p:nvPr/>
-        </p:nvSpPr>
-        <p:spPr>
-          <a:xfrm>
-            <a:off x="4262572" y="3531237"/>
-            <a:ext cx="363199" cy="437049"/>
-          </a:xfrm>
-          <a:prstGeom prst="ellipse">
-            <a:avLst/>
-          </a:prstGeom>
-          <a:solidFill>
-            <a:srgbClr val="FFC000"/>
-          </a:solidFill>
-        </p:spPr>
-        <p:style>
-          <a:lnRef idx="2">
-            <a:schemeClr val="accent1">
-              <a:shade val="15000"/>
-            </a:schemeClr>
-          </a:lnRef>
-          <a:fillRef idx="1">
-            <a:schemeClr val="accent1"/>
-          </a:fillRef>
-          <a:effectRef idx="0">
-            <a:schemeClr val="accent1"/>
-          </a:effectRef>
-          <a:fontRef idx="minor">
-            <a:schemeClr val="lt1"/>
-          </a:fontRef>
-        </p:style>
-        <p:txBody>
-          <a:bodyPr rtlCol="0" anchor="ctr"/>
-          <a:lstStyle/>
-          <a:p>
-            <a:pPr algn="ctr"/>
-            <a:endParaRPr lang="ko-KR" altLang="en-US"/>
-          </a:p>
-        </p:txBody>
-      </p:sp>
-      <p:sp>
-        <p:nvSpPr>
-          <p:cNvPr id="2" name="TextBox 1">
-            <a:extLst>
-              <a:ext uri="{FF2B5EF4-FFF2-40B4-BE49-F238E27FC236}">
-                <a16:creationId xmlns:a16="http://schemas.microsoft.com/office/drawing/2014/main" id="{861BAF82-7492-002F-A084-400913D9A870}"/>
-              </a:ext>
-            </a:extLst>
-          </p:cNvPr>
-          <p:cNvSpPr txBox="1"/>
-          <p:nvPr/>
-        </p:nvSpPr>
-        <p:spPr>
-          <a:xfrm>
-            <a:off x="352373" y="346142"/>
-            <a:ext cx="4701928" cy="369332"/>
-          </a:xfrm>
-          <a:prstGeom prst="rect">
-            <a:avLst/>
-          </a:prstGeom>
-          <a:noFill/>
-        </p:spPr>
-        <p:txBody>
-          <a:bodyPr wrap="none" rtlCol="0">
-            <a:spAutoFit/>
-          </a:bodyPr>
-          <a:lstStyle/>
-          <a:p>
-            <a:r>
-              <a:rPr lang="ko-KR" altLang="en-US" dirty="0"/>
-              <a:t>목표</a:t>
-            </a:r>
-            <a:r>
-              <a:rPr lang="en-US" altLang="ko-KR" dirty="0"/>
-              <a:t>: </a:t>
-            </a:r>
-            <a:r>
-              <a:rPr lang="ko-KR" altLang="en-US" dirty="0"/>
-              <a:t>의식의 진행도를 </a:t>
-            </a:r>
-            <a:r>
-              <a:rPr lang="ko-KR" altLang="en-US" dirty="0" err="1"/>
-              <a:t>브로드캐스팅한다</a:t>
-            </a:r>
-            <a:r>
-              <a:rPr lang="en-US" altLang="ko-KR" dirty="0"/>
-              <a:t>. </a:t>
-            </a:r>
-            <a:endParaRPr lang="ko-KR" altLang="en-US" dirty="0"/>
+              <a:rPr lang="ko-KR" altLang="en-US" sz="2400" dirty="0"/>
+              <a:t>■ </a:t>
+            </a:r>
+            <a:r>
+              <a:rPr lang="en-US" altLang="ko-KR" sz="2400" dirty="0" err="1"/>
+              <a:t>SendWorker</a:t>
+            </a:r>
+            <a:r>
+              <a:rPr lang="ko-KR" altLang="en-US" sz="2400" dirty="0"/>
+              <a:t> 클래스</a:t>
+            </a:r>
           </a:p>
         </p:txBody>
       </p:sp>
     </p:spTree>
     <p:extLst>
       <p:ext uri="{BB962C8B-B14F-4D97-AF65-F5344CB8AC3E}">
-        <p14:creationId xmlns:p14="http://schemas.microsoft.com/office/powerpoint/2010/main" val="1593131632"/>
+        <p14:creationId xmlns:p14="http://schemas.microsoft.com/office/powerpoint/2010/main" val="2251407088"/>
       </p:ext>
     </p:extLst>
   </p:cSld>
